--- a/02-SQL/B-ER_modeling-2.pptx
+++ b/02-SQL/B-ER_modeling-2.pptx
@@ -280,7 +280,7 @@
                 <a:ea typeface="Arial Unicode MS" panose="020B0604020202020204" pitchFamily="34" charset="-128"/>
                 <a:cs typeface="Arial Unicode MS" panose="020B0604020202020204" pitchFamily="34" charset="-128"/>
               </a:rPr>
-              <a:t>1/18/2016</a:t>
+              <a:t>5/16/2018</a:t>
             </a:fld>
             <a:endParaRPr lang="en-US" dirty="0">
               <a:latin typeface="Arial Unicode MS" panose="020B0604020202020204" pitchFamily="34" charset="-128"/>
@@ -635,7 +635,6 @@
               <a:defRPr sz="1800"/>
             </a:pPr>
             <a:r>
-              <a:rPr/>
               <a:t>Last time we discussed ER diagrams. </a:t>
             </a:r>
           </a:p>
@@ -704,7 +703,7 @@
           <a:lstStyle/>
           <a:p>
             <a:pPr eaLnBrk="1" hangingPunct="1"/>
-            <a:endParaRPr lang="el-GR" smtClean="0"/>
+            <a:endParaRPr lang="el-GR"/>
           </a:p>
         </p:txBody>
       </p:sp>
@@ -785,7 +784,6 @@
               <a:defRPr sz="1800"/>
             </a:pPr>
             <a:r>
-              <a:rPr/>
               <a:t>For example, which one of the two should we choose?</a:t>
             </a:r>
           </a:p>
@@ -868,7 +866,6 @@
               <a:defRPr sz="1800"/>
             </a:pPr>
             <a:r>
-              <a:rPr/>
               <a:t>SSN: immigrants (outside US) don’t have one.  PPl lose it . PPl don’t want to share their SSN. </a:t>
             </a:r>
           </a:p>
@@ -990,10 +987,9 @@
           </a:lstStyle>
           <a:p>
             <a:r>
-              <a:rPr lang="en-US" smtClean="0"/>
+              <a:rPr lang="en-US"/>
               <a:t>Click to edit Master title style</a:t>
             </a:r>
-            <a:endParaRPr lang="en-US"/>
           </a:p>
         </p:txBody>
       </p:sp>
@@ -1055,10 +1051,9 @@
           </a:lstStyle>
           <a:p>
             <a:r>
-              <a:rPr lang="en-US" smtClean="0"/>
+              <a:rPr lang="en-US"/>
               <a:t>Click to edit Master subtitle style</a:t>
             </a:r>
-            <a:endParaRPr lang="en-US"/>
           </a:p>
         </p:txBody>
       </p:sp>
@@ -1079,7 +1074,7 @@
           <a:p>
             <a:fld id="{E9385586-C094-4874-A3EB-1898CF456001}" type="datetimeFigureOut">
               <a:rPr lang="en-US" smtClean="0"/>
-              <a:t>1/18/2016</a:t>
+              <a:t>5/16/2018</a:t>
             </a:fld>
             <a:endParaRPr lang="en-US"/>
           </a:p>
@@ -1174,10 +1169,9 @@
           <a:lstStyle/>
           <a:p>
             <a:r>
-              <a:rPr lang="en-US" smtClean="0"/>
+              <a:rPr lang="en-US"/>
               <a:t>Click to edit Master title style</a:t>
             </a:r>
-            <a:endParaRPr lang="en-US"/>
           </a:p>
         </p:txBody>
       </p:sp>
@@ -1198,38 +1192,37 @@
           <a:p>
             <a:pPr lvl="0"/>
             <a:r>
-              <a:rPr lang="en-US" smtClean="0"/>
+              <a:rPr lang="en-US"/>
               <a:t>Click to edit Master text styles</a:t>
             </a:r>
           </a:p>
           <a:p>
             <a:pPr lvl="1"/>
             <a:r>
-              <a:rPr lang="en-US" smtClean="0"/>
+              <a:rPr lang="en-US"/>
               <a:t>Second level</a:t>
             </a:r>
           </a:p>
           <a:p>
             <a:pPr lvl="2"/>
             <a:r>
-              <a:rPr lang="en-US" smtClean="0"/>
+              <a:rPr lang="en-US"/>
               <a:t>Third level</a:t>
             </a:r>
           </a:p>
           <a:p>
             <a:pPr lvl="3"/>
             <a:r>
-              <a:rPr lang="en-US" smtClean="0"/>
+              <a:rPr lang="en-US"/>
               <a:t>Fourth level</a:t>
             </a:r>
           </a:p>
           <a:p>
             <a:pPr lvl="4"/>
             <a:r>
-              <a:rPr lang="en-US" smtClean="0"/>
+              <a:rPr lang="en-US"/>
               <a:t>Fifth level</a:t>
             </a:r>
-            <a:endParaRPr lang="en-US"/>
           </a:p>
         </p:txBody>
       </p:sp>
@@ -1250,7 +1243,7 @@
           <a:p>
             <a:fld id="{E9385586-C094-4874-A3EB-1898CF456001}" type="datetimeFigureOut">
               <a:rPr lang="en-US" smtClean="0"/>
-              <a:t>1/18/2016</a:t>
+              <a:t>5/16/2018</a:t>
             </a:fld>
             <a:endParaRPr lang="en-US"/>
           </a:p>
@@ -1350,10 +1343,9 @@
           <a:lstStyle/>
           <a:p>
             <a:r>
-              <a:rPr lang="en-US" smtClean="0"/>
+              <a:rPr lang="en-US"/>
               <a:t>Click to edit Master title style</a:t>
             </a:r>
-            <a:endParaRPr lang="en-US"/>
           </a:p>
         </p:txBody>
       </p:sp>
@@ -1379,38 +1371,37 @@
           <a:p>
             <a:pPr lvl="0"/>
             <a:r>
-              <a:rPr lang="en-US" smtClean="0"/>
+              <a:rPr lang="en-US"/>
               <a:t>Click to edit Master text styles</a:t>
             </a:r>
           </a:p>
           <a:p>
             <a:pPr lvl="1"/>
             <a:r>
-              <a:rPr lang="en-US" smtClean="0"/>
+              <a:rPr lang="en-US"/>
               <a:t>Second level</a:t>
             </a:r>
           </a:p>
           <a:p>
             <a:pPr lvl="2"/>
             <a:r>
-              <a:rPr lang="en-US" smtClean="0"/>
+              <a:rPr lang="en-US"/>
               <a:t>Third level</a:t>
             </a:r>
           </a:p>
           <a:p>
             <a:pPr lvl="3"/>
             <a:r>
-              <a:rPr lang="en-US" smtClean="0"/>
+              <a:rPr lang="en-US"/>
               <a:t>Fourth level</a:t>
             </a:r>
           </a:p>
           <a:p>
             <a:pPr lvl="4"/>
             <a:r>
-              <a:rPr lang="en-US" smtClean="0"/>
+              <a:rPr lang="en-US"/>
               <a:t>Fifth level</a:t>
             </a:r>
-            <a:endParaRPr lang="en-US"/>
           </a:p>
         </p:txBody>
       </p:sp>
@@ -1431,7 +1422,7 @@
           <a:p>
             <a:fld id="{E9385586-C094-4874-A3EB-1898CF456001}" type="datetimeFigureOut">
               <a:rPr lang="en-US" smtClean="0"/>
-              <a:t>1/18/2016</a:t>
+              <a:t>5/16/2018</a:t>
             </a:fld>
             <a:endParaRPr lang="en-US"/>
           </a:p>
@@ -1565,10 +1556,9 @@
           <a:lstStyle/>
           <a:p>
             <a:r>
-              <a:rPr lang="en-US" smtClean="0"/>
+              <a:rPr lang="en-US"/>
               <a:t>Click to edit Master title style</a:t>
             </a:r>
-            <a:endParaRPr lang="en-US"/>
           </a:p>
         </p:txBody>
       </p:sp>
@@ -1597,38 +1587,37 @@
           <a:p>
             <a:pPr lvl="0"/>
             <a:r>
-              <a:rPr lang="en-US" smtClean="0"/>
+              <a:rPr lang="en-US"/>
               <a:t>Click to edit Master text styles</a:t>
             </a:r>
           </a:p>
           <a:p>
             <a:pPr lvl="1"/>
             <a:r>
-              <a:rPr lang="en-US" smtClean="0"/>
+              <a:rPr lang="en-US"/>
               <a:t>Second level</a:t>
             </a:r>
           </a:p>
           <a:p>
             <a:pPr lvl="2"/>
             <a:r>
-              <a:rPr lang="en-US" smtClean="0"/>
+              <a:rPr lang="en-US"/>
               <a:t>Third level</a:t>
             </a:r>
           </a:p>
           <a:p>
             <a:pPr lvl="3"/>
             <a:r>
-              <a:rPr lang="en-US" smtClean="0"/>
+              <a:rPr lang="en-US"/>
               <a:t>Fourth level</a:t>
             </a:r>
           </a:p>
           <a:p>
             <a:pPr lvl="4"/>
             <a:r>
-              <a:rPr lang="en-US" smtClean="0"/>
+              <a:rPr lang="en-US"/>
               <a:t>Fifth level</a:t>
             </a:r>
-            <a:endParaRPr lang="en-US"/>
           </a:p>
         </p:txBody>
       </p:sp>
@@ -1657,38 +1646,37 @@
           <a:p>
             <a:pPr lvl="0"/>
             <a:r>
-              <a:rPr lang="en-US" smtClean="0"/>
+              <a:rPr lang="en-US"/>
               <a:t>Click to edit Master text styles</a:t>
             </a:r>
           </a:p>
           <a:p>
             <a:pPr lvl="1"/>
             <a:r>
-              <a:rPr lang="en-US" smtClean="0"/>
+              <a:rPr lang="en-US"/>
               <a:t>Second level</a:t>
             </a:r>
           </a:p>
           <a:p>
             <a:pPr lvl="2"/>
             <a:r>
-              <a:rPr lang="en-US" smtClean="0"/>
+              <a:rPr lang="en-US"/>
               <a:t>Third level</a:t>
             </a:r>
           </a:p>
           <a:p>
             <a:pPr lvl="3"/>
             <a:r>
-              <a:rPr lang="en-US" smtClean="0"/>
+              <a:rPr lang="en-US"/>
               <a:t>Fourth level</a:t>
             </a:r>
           </a:p>
           <a:p>
             <a:pPr lvl="4"/>
             <a:r>
-              <a:rPr lang="en-US" smtClean="0"/>
+              <a:rPr lang="en-US"/>
               <a:t>Fifth level</a:t>
             </a:r>
-            <a:endParaRPr lang="en-US"/>
           </a:p>
         </p:txBody>
       </p:sp>
@@ -1739,10 +1727,9 @@
           <a:lstStyle/>
           <a:p>
             <a:r>
-              <a:rPr lang="en-US" smtClean="0"/>
+              <a:rPr lang="en-US"/>
               <a:t>Click to edit Master title style</a:t>
             </a:r>
-            <a:endParaRPr lang="en-US"/>
           </a:p>
         </p:txBody>
       </p:sp>
@@ -1763,38 +1750,37 @@
           <a:p>
             <a:pPr lvl="0"/>
             <a:r>
-              <a:rPr lang="en-US" smtClean="0"/>
+              <a:rPr lang="en-US"/>
               <a:t>Click to edit Master text styles</a:t>
             </a:r>
           </a:p>
           <a:p>
             <a:pPr lvl="1"/>
             <a:r>
-              <a:rPr lang="en-US" smtClean="0"/>
+              <a:rPr lang="en-US"/>
               <a:t>Second level</a:t>
             </a:r>
           </a:p>
           <a:p>
             <a:pPr lvl="2"/>
             <a:r>
-              <a:rPr lang="en-US" smtClean="0"/>
+              <a:rPr lang="en-US"/>
               <a:t>Third level</a:t>
             </a:r>
           </a:p>
           <a:p>
             <a:pPr lvl="3"/>
             <a:r>
-              <a:rPr lang="en-US" smtClean="0"/>
+              <a:rPr lang="en-US"/>
               <a:t>Fourth level</a:t>
             </a:r>
           </a:p>
           <a:p>
             <a:pPr lvl="4"/>
             <a:r>
-              <a:rPr lang="en-US" smtClean="0"/>
+              <a:rPr lang="en-US"/>
               <a:t>Fifth level</a:t>
             </a:r>
-            <a:endParaRPr lang="en-US"/>
           </a:p>
         </p:txBody>
       </p:sp>
@@ -1815,7 +1801,7 @@
           <a:p>
             <a:fld id="{E9385586-C094-4874-A3EB-1898CF456001}" type="datetimeFigureOut">
               <a:rPr lang="en-US" smtClean="0"/>
-              <a:t>1/18/2016</a:t>
+              <a:t>5/16/2018</a:t>
             </a:fld>
             <a:endParaRPr lang="en-US"/>
           </a:p>
@@ -1918,10 +1904,9 @@
           </a:lstStyle>
           <a:p>
             <a:r>
-              <a:rPr lang="en-US" smtClean="0"/>
+              <a:rPr lang="en-US"/>
               <a:t>Click to edit Master title style</a:t>
             </a:r>
-            <a:endParaRPr lang="en-US"/>
           </a:p>
         </p:txBody>
       </p:sp>
@@ -2038,7 +2023,7 @@
           <a:p>
             <a:pPr lvl="0"/>
             <a:r>
-              <a:rPr lang="en-US" smtClean="0"/>
+              <a:rPr lang="en-US"/>
               <a:t>Click to edit Master text styles</a:t>
             </a:r>
           </a:p>
@@ -2061,7 +2046,7 @@
           <a:p>
             <a:fld id="{E9385586-C094-4874-A3EB-1898CF456001}" type="datetimeFigureOut">
               <a:rPr lang="en-US" smtClean="0"/>
-              <a:t>1/18/2016</a:t>
+              <a:t>5/16/2018</a:t>
             </a:fld>
             <a:endParaRPr lang="en-US"/>
           </a:p>
@@ -2156,10 +2141,9 @@
           <a:lstStyle/>
           <a:p>
             <a:r>
-              <a:rPr lang="en-US" smtClean="0"/>
+              <a:rPr lang="en-US"/>
               <a:t>Click to edit Master title style</a:t>
             </a:r>
-            <a:endParaRPr lang="en-US"/>
           </a:p>
         </p:txBody>
       </p:sp>
@@ -2185,38 +2169,37 @@
           <a:p>
             <a:pPr lvl="0"/>
             <a:r>
-              <a:rPr lang="en-US" smtClean="0"/>
+              <a:rPr lang="en-US"/>
               <a:t>Click to edit Master text styles</a:t>
             </a:r>
           </a:p>
           <a:p>
             <a:pPr lvl="1"/>
             <a:r>
-              <a:rPr lang="en-US" smtClean="0"/>
+              <a:rPr lang="en-US"/>
               <a:t>Second level</a:t>
             </a:r>
           </a:p>
           <a:p>
             <a:pPr lvl="2"/>
             <a:r>
-              <a:rPr lang="en-US" smtClean="0"/>
+              <a:rPr lang="en-US"/>
               <a:t>Third level</a:t>
             </a:r>
           </a:p>
           <a:p>
             <a:pPr lvl="3"/>
             <a:r>
-              <a:rPr lang="en-US" smtClean="0"/>
+              <a:rPr lang="en-US"/>
               <a:t>Fourth level</a:t>
             </a:r>
           </a:p>
           <a:p>
             <a:pPr lvl="4"/>
             <a:r>
-              <a:rPr lang="en-US" smtClean="0"/>
+              <a:rPr lang="en-US"/>
               <a:t>Fifth level</a:t>
             </a:r>
-            <a:endParaRPr lang="en-US"/>
           </a:p>
         </p:txBody>
       </p:sp>
@@ -2242,38 +2225,37 @@
           <a:p>
             <a:pPr lvl="0"/>
             <a:r>
-              <a:rPr lang="en-US" smtClean="0"/>
+              <a:rPr lang="en-US"/>
               <a:t>Click to edit Master text styles</a:t>
             </a:r>
           </a:p>
           <a:p>
             <a:pPr lvl="1"/>
             <a:r>
-              <a:rPr lang="en-US" smtClean="0"/>
+              <a:rPr lang="en-US"/>
               <a:t>Second level</a:t>
             </a:r>
           </a:p>
           <a:p>
             <a:pPr lvl="2"/>
             <a:r>
-              <a:rPr lang="en-US" smtClean="0"/>
+              <a:rPr lang="en-US"/>
               <a:t>Third level</a:t>
             </a:r>
           </a:p>
           <a:p>
             <a:pPr lvl="3"/>
             <a:r>
-              <a:rPr lang="en-US" smtClean="0"/>
+              <a:rPr lang="en-US"/>
               <a:t>Fourth level</a:t>
             </a:r>
           </a:p>
           <a:p>
             <a:pPr lvl="4"/>
             <a:r>
-              <a:rPr lang="en-US" smtClean="0"/>
+              <a:rPr lang="en-US"/>
               <a:t>Fifth level</a:t>
             </a:r>
-            <a:endParaRPr lang="en-US"/>
           </a:p>
         </p:txBody>
       </p:sp>
@@ -2294,7 +2276,7 @@
           <a:p>
             <a:fld id="{E9385586-C094-4874-A3EB-1898CF456001}" type="datetimeFigureOut">
               <a:rPr lang="en-US" smtClean="0"/>
-              <a:t>1/18/2016</a:t>
+              <a:t>5/16/2018</a:t>
             </a:fld>
             <a:endParaRPr lang="en-US"/>
           </a:p>
@@ -2394,10 +2376,9 @@
           <a:lstStyle/>
           <a:p>
             <a:r>
-              <a:rPr lang="en-US" smtClean="0"/>
+              <a:rPr lang="en-US"/>
               <a:t>Click to edit Master title style</a:t>
             </a:r>
-            <a:endParaRPr lang="en-US"/>
           </a:p>
         </p:txBody>
       </p:sp>
@@ -2460,7 +2441,7 @@
           <a:p>
             <a:pPr lvl="0"/>
             <a:r>
-              <a:rPr lang="en-US" smtClean="0"/>
+              <a:rPr lang="en-US"/>
               <a:t>Click to edit Master text styles</a:t>
             </a:r>
           </a:p>
@@ -2488,38 +2469,37 @@
           <a:p>
             <a:pPr lvl="0"/>
             <a:r>
-              <a:rPr lang="en-US" smtClean="0"/>
+              <a:rPr lang="en-US"/>
               <a:t>Click to edit Master text styles</a:t>
             </a:r>
           </a:p>
           <a:p>
             <a:pPr lvl="1"/>
             <a:r>
-              <a:rPr lang="en-US" smtClean="0"/>
+              <a:rPr lang="en-US"/>
               <a:t>Second level</a:t>
             </a:r>
           </a:p>
           <a:p>
             <a:pPr lvl="2"/>
             <a:r>
-              <a:rPr lang="en-US" smtClean="0"/>
+              <a:rPr lang="en-US"/>
               <a:t>Third level</a:t>
             </a:r>
           </a:p>
           <a:p>
             <a:pPr lvl="3"/>
             <a:r>
-              <a:rPr lang="en-US" smtClean="0"/>
+              <a:rPr lang="en-US"/>
               <a:t>Fourth level</a:t>
             </a:r>
           </a:p>
           <a:p>
             <a:pPr lvl="4"/>
             <a:r>
-              <a:rPr lang="en-US" smtClean="0"/>
+              <a:rPr lang="en-US"/>
               <a:t>Fifth level</a:t>
             </a:r>
-            <a:endParaRPr lang="en-US"/>
           </a:p>
         </p:txBody>
       </p:sp>
@@ -2582,7 +2562,7 @@
           <a:p>
             <a:pPr lvl="0"/>
             <a:r>
-              <a:rPr lang="en-US" smtClean="0"/>
+              <a:rPr lang="en-US"/>
               <a:t>Click to edit Master text styles</a:t>
             </a:r>
           </a:p>
@@ -2610,38 +2590,37 @@
           <a:p>
             <a:pPr lvl="0"/>
             <a:r>
-              <a:rPr lang="en-US" smtClean="0"/>
+              <a:rPr lang="en-US"/>
               <a:t>Click to edit Master text styles</a:t>
             </a:r>
           </a:p>
           <a:p>
             <a:pPr lvl="1"/>
             <a:r>
-              <a:rPr lang="en-US" smtClean="0"/>
+              <a:rPr lang="en-US"/>
               <a:t>Second level</a:t>
             </a:r>
           </a:p>
           <a:p>
             <a:pPr lvl="2"/>
             <a:r>
-              <a:rPr lang="en-US" smtClean="0"/>
+              <a:rPr lang="en-US"/>
               <a:t>Third level</a:t>
             </a:r>
           </a:p>
           <a:p>
             <a:pPr lvl="3"/>
             <a:r>
-              <a:rPr lang="en-US" smtClean="0"/>
+              <a:rPr lang="en-US"/>
               <a:t>Fourth level</a:t>
             </a:r>
           </a:p>
           <a:p>
             <a:pPr lvl="4"/>
             <a:r>
-              <a:rPr lang="en-US" smtClean="0"/>
+              <a:rPr lang="en-US"/>
               <a:t>Fifth level</a:t>
             </a:r>
-            <a:endParaRPr lang="en-US"/>
           </a:p>
         </p:txBody>
       </p:sp>
@@ -2662,7 +2641,7 @@
           <a:p>
             <a:fld id="{E9385586-C094-4874-A3EB-1898CF456001}" type="datetimeFigureOut">
               <a:rPr lang="en-US" smtClean="0"/>
-              <a:t>1/18/2016</a:t>
+              <a:t>5/16/2018</a:t>
             </a:fld>
             <a:endParaRPr lang="en-US"/>
           </a:p>
@@ -2757,10 +2736,9 @@
           <a:lstStyle/>
           <a:p>
             <a:r>
-              <a:rPr lang="en-US" smtClean="0"/>
+              <a:rPr lang="en-US"/>
               <a:t>Click to edit Master title style</a:t>
             </a:r>
-            <a:endParaRPr lang="en-US"/>
           </a:p>
         </p:txBody>
       </p:sp>
@@ -2781,7 +2759,7 @@
           <a:p>
             <a:fld id="{E9385586-C094-4874-A3EB-1898CF456001}" type="datetimeFigureOut">
               <a:rPr lang="en-US" smtClean="0"/>
-              <a:t>1/18/2016</a:t>
+              <a:t>5/16/2018</a:t>
             </a:fld>
             <a:endParaRPr lang="en-US"/>
           </a:p>
@@ -2876,7 +2854,7 @@
           <a:p>
             <a:fld id="{E9385586-C094-4874-A3EB-1898CF456001}" type="datetimeFigureOut">
               <a:rPr lang="en-US" smtClean="0"/>
-              <a:t>1/18/2016</a:t>
+              <a:t>5/16/2018</a:t>
             </a:fld>
             <a:endParaRPr lang="en-US"/>
           </a:p>
@@ -2980,10 +2958,9 @@
           </a:lstStyle>
           <a:p>
             <a:r>
-              <a:rPr lang="en-US" smtClean="0"/>
+              <a:rPr lang="en-US"/>
               <a:t>Click to edit Master title style</a:t>
             </a:r>
-            <a:endParaRPr lang="en-US"/>
           </a:p>
         </p:txBody>
       </p:sp>
@@ -3037,38 +3014,37 @@
           <a:p>
             <a:pPr lvl="0"/>
             <a:r>
-              <a:rPr lang="en-US" smtClean="0"/>
+              <a:rPr lang="en-US"/>
               <a:t>Click to edit Master text styles</a:t>
             </a:r>
           </a:p>
           <a:p>
             <a:pPr lvl="1"/>
             <a:r>
-              <a:rPr lang="en-US" smtClean="0"/>
+              <a:rPr lang="en-US"/>
               <a:t>Second level</a:t>
             </a:r>
           </a:p>
           <a:p>
             <a:pPr lvl="2"/>
             <a:r>
-              <a:rPr lang="en-US" smtClean="0"/>
+              <a:rPr lang="en-US"/>
               <a:t>Third level</a:t>
             </a:r>
           </a:p>
           <a:p>
             <a:pPr lvl="3"/>
             <a:r>
-              <a:rPr lang="en-US" smtClean="0"/>
+              <a:rPr lang="en-US"/>
               <a:t>Fourth level</a:t>
             </a:r>
           </a:p>
           <a:p>
             <a:pPr lvl="4"/>
             <a:r>
-              <a:rPr lang="en-US" smtClean="0"/>
+              <a:rPr lang="en-US"/>
               <a:t>Fifth level</a:t>
             </a:r>
-            <a:endParaRPr lang="en-US"/>
           </a:p>
         </p:txBody>
       </p:sp>
@@ -3131,7 +3107,7 @@
           <a:p>
             <a:pPr lvl="0"/>
             <a:r>
-              <a:rPr lang="en-US" smtClean="0"/>
+              <a:rPr lang="en-US"/>
               <a:t>Click to edit Master text styles</a:t>
             </a:r>
           </a:p>
@@ -3154,7 +3130,7 @@
           <a:p>
             <a:fld id="{E9385586-C094-4874-A3EB-1898CF456001}" type="datetimeFigureOut">
               <a:rPr lang="en-US" smtClean="0"/>
-              <a:t>1/18/2016</a:t>
+              <a:t>5/16/2018</a:t>
             </a:fld>
             <a:endParaRPr lang="en-US"/>
           </a:p>
@@ -3258,10 +3234,9 @@
           </a:lstStyle>
           <a:p>
             <a:r>
-              <a:rPr lang="en-US" smtClean="0"/>
+              <a:rPr lang="en-US"/>
               <a:t>Click to edit Master title style</a:t>
             </a:r>
-            <a:endParaRPr lang="en-US"/>
           </a:p>
         </p:txBody>
       </p:sp>
@@ -3385,7 +3360,7 @@
           <a:p>
             <a:pPr lvl="0"/>
             <a:r>
-              <a:rPr lang="en-US" smtClean="0"/>
+              <a:rPr lang="en-US"/>
               <a:t>Click to edit Master text styles</a:t>
             </a:r>
           </a:p>
@@ -3408,7 +3383,7 @@
           <a:p>
             <a:fld id="{E9385586-C094-4874-A3EB-1898CF456001}" type="datetimeFigureOut">
               <a:rPr lang="en-US" smtClean="0"/>
-              <a:t>1/18/2016</a:t>
+              <a:t>5/16/2018</a:t>
             </a:fld>
             <a:endParaRPr lang="en-US"/>
           </a:p>
@@ -3518,10 +3493,9 @@
           <a:lstStyle/>
           <a:p>
             <a:r>
-              <a:rPr lang="en-US" dirty="0" smtClean="0"/>
+              <a:rPr lang="en-US" dirty="0"/>
               <a:t>Click to edit Master title style</a:t>
             </a:r>
-            <a:endParaRPr lang="en-US" dirty="0"/>
           </a:p>
         </p:txBody>
       </p:sp>
@@ -3552,38 +3526,37 @@
           <a:p>
             <a:pPr lvl="0"/>
             <a:r>
-              <a:rPr lang="en-US" dirty="0" smtClean="0"/>
+              <a:rPr lang="en-US" dirty="0"/>
               <a:t>Click to edit Master text styles</a:t>
             </a:r>
           </a:p>
           <a:p>
             <a:pPr lvl="1"/>
             <a:r>
-              <a:rPr lang="en-US" dirty="0" smtClean="0"/>
+              <a:rPr lang="en-US" dirty="0"/>
               <a:t>Second level</a:t>
             </a:r>
           </a:p>
           <a:p>
             <a:pPr lvl="2"/>
             <a:r>
-              <a:rPr lang="en-US" dirty="0" smtClean="0"/>
+              <a:rPr lang="en-US" dirty="0"/>
               <a:t>Third level</a:t>
             </a:r>
           </a:p>
           <a:p>
             <a:pPr lvl="3"/>
             <a:r>
-              <a:rPr lang="en-US" dirty="0" smtClean="0"/>
+              <a:rPr lang="en-US" dirty="0"/>
               <a:t>Fourth level</a:t>
             </a:r>
           </a:p>
           <a:p>
             <a:pPr lvl="4"/>
             <a:r>
-              <a:rPr lang="en-US" dirty="0" smtClean="0"/>
+              <a:rPr lang="en-US" dirty="0"/>
               <a:t>Fifth level</a:t>
             </a:r>
-            <a:endParaRPr lang="en-US" dirty="0"/>
           </a:p>
         </p:txBody>
       </p:sp>
@@ -3626,7 +3599,7 @@
             <a:fld id="{E9385586-C094-4874-A3EB-1898CF456001}" type="datetimeFigureOut">
               <a:rPr lang="en-US" smtClean="0"/>
               <a:pPr/>
-              <a:t>1/18/2016</a:t>
+              <a:t>5/16/2018</a:t>
             </a:fld>
             <a:endParaRPr lang="en-US" dirty="0"/>
           </a:p>
@@ -4048,8 +4021,8 @@
         </p:nvSpPr>
         <p:spPr>
           <a:xfrm>
-            <a:off x="237009" y="2899229"/>
-            <a:ext cx="8604668" cy="1754326"/>
+            <a:off x="269666" y="1799772"/>
+            <a:ext cx="8604668" cy="2862322"/>
           </a:xfrm>
           <a:prstGeom prst="rect">
             <a:avLst/>
@@ -4059,7 +4032,7 @@
           </a:ln>
           <a:extLst>
             <a:ext uri="{C572A759-6A51-4108-AA02-DFA0A04FC94B}">
-              <ma14:wrappingTextBoxFlag xmlns="" xmlns:ma14="http://schemas.microsoft.com/office/mac/drawingml/2011/main" val="1"/>
+              <ma14:wrappingTextBoxFlag xmlns:ma14="http://schemas.microsoft.com/office/mac/drawingml/2011/main" xmlns="" val="1"/>
             </a:ext>
           </a:extLst>
         </p:spPr>
@@ -4086,9 +4059,9 @@
               </a:defRPr>
             </a:pPr>
             <a:r>
-              <a:rPr lang="en-US" sz="3600" dirty="0" smtClean="0">
-                <a:solidFill>
-                  <a:schemeClr val="tx1"/>
+              <a:rPr lang="en-US" sz="3600" dirty="0">
+                <a:solidFill>
+                  <a:srgbClr val="57068C"/>
                 </a:solidFill>
                 <a:uFill>
                   <a:solidFill/>
@@ -4100,9 +4073,9 @@
               <a:t>From a business narrative </a:t>
             </a:r>
             <a:br>
-              <a:rPr lang="en-US" sz="3600" dirty="0" smtClean="0">
-                <a:solidFill>
-                  <a:schemeClr val="tx1"/>
+              <a:rPr lang="en-US" sz="3600" dirty="0">
+                <a:solidFill>
+                  <a:srgbClr val="57068C"/>
                 </a:solidFill>
                 <a:uFill>
                   <a:solidFill/>
@@ -4113,9 +4086,9 @@
               </a:rPr>
             </a:br>
             <a:r>
-              <a:rPr lang="en-US" sz="3600" dirty="0" smtClean="0">
-                <a:solidFill>
-                  <a:schemeClr val="tx1"/>
+              <a:rPr lang="en-US" sz="3600" dirty="0">
+                <a:solidFill>
+                  <a:srgbClr val="57068C"/>
                 </a:solidFill>
                 <a:uFill>
                   <a:solidFill/>
@@ -4126,10 +4099,20 @@
               </a:rPr>
               <a:t>to an </a:t>
             </a:r>
-            <a:r>
-              <a:rPr sz="3600" dirty="0" smtClean="0">
-                <a:solidFill>
-                  <a:schemeClr val="tx1"/>
+          </a:p>
+          <a:p>
+            <a:pPr lvl="0" algn="ctr">
+              <a:defRPr sz="1800">
+                <a:solidFill>
+                  <a:srgbClr val="000000"/>
+                </a:solidFill>
+                <a:uFillTx/>
+              </a:defRPr>
+            </a:pPr>
+            <a:r>
+              <a:rPr sz="3600" dirty="0">
+                <a:solidFill>
+                  <a:srgbClr val="57068C"/>
                 </a:solidFill>
                 <a:uFill>
                   <a:solidFill/>
@@ -4138,12 +4121,12 @@
                 <a:ea typeface="Arial Unicode MS" panose="020B0604020202020204" pitchFamily="34" charset="-128"/>
                 <a:cs typeface="Arial Unicode MS" panose="020B0604020202020204" pitchFamily="34" charset="-128"/>
               </a:rPr>
-              <a:t>Entity </a:t>
-            </a:r>
-            <a:r>
-              <a:rPr sz="3600" dirty="0">
-                <a:solidFill>
-                  <a:schemeClr val="tx1"/>
+              <a:t>Entity - Relationship Model</a:t>
+            </a:r>
+            <a:r>
+              <a:rPr lang="en-US" sz="3600" dirty="0">
+                <a:solidFill>
+                  <a:srgbClr val="57068C"/>
                 </a:solidFill>
                 <a:uFill>
                   <a:solidFill/>
@@ -4152,12 +4135,12 @@
                 <a:ea typeface="Arial Unicode MS" panose="020B0604020202020204" pitchFamily="34" charset="-128"/>
                 <a:cs typeface="Arial Unicode MS" panose="020B0604020202020204" pitchFamily="34" charset="-128"/>
               </a:rPr>
-              <a:t>- Relationship </a:t>
-            </a:r>
-            <a:r>
-              <a:rPr sz="3600" dirty="0" smtClean="0">
-                <a:solidFill>
-                  <a:schemeClr val="tx1"/>
+              <a:t> </a:t>
+            </a:r>
+            <a:br>
+              <a:rPr lang="en-US" sz="3600" dirty="0">
+                <a:solidFill>
+                  <a:srgbClr val="57068C"/>
                 </a:solidFill>
                 <a:uFill>
                   <a:solidFill/>
@@ -4166,12 +4149,11 @@
                 <a:ea typeface="Arial Unicode MS" panose="020B0604020202020204" pitchFamily="34" charset="-128"/>
                 <a:cs typeface="Arial Unicode MS" panose="020B0604020202020204" pitchFamily="34" charset="-128"/>
               </a:rPr>
-              <a:t>Model</a:t>
-            </a:r>
-            <a:r>
-              <a:rPr lang="en-US" sz="3600" dirty="0" smtClean="0">
-                <a:solidFill>
-                  <a:schemeClr val="tx1"/>
+            </a:br>
+            <a:r>
+              <a:rPr lang="en-US" sz="3600" dirty="0">
+                <a:solidFill>
+                  <a:srgbClr val="57068C"/>
                 </a:solidFill>
                 <a:uFill>
                   <a:solidFill/>
@@ -4180,12 +4162,22 @@
                 <a:ea typeface="Arial Unicode MS" panose="020B0604020202020204" pitchFamily="34" charset="-128"/>
                 <a:cs typeface="Arial Unicode MS" panose="020B0604020202020204" pitchFamily="34" charset="-128"/>
               </a:rPr>
-              <a:t> </a:t>
-            </a:r>
-            <a:br>
-              <a:rPr lang="en-US" sz="3600" dirty="0" smtClean="0">
-                <a:solidFill>
-                  <a:schemeClr val="tx1"/>
+              <a:t>to a </a:t>
+            </a:r>
+          </a:p>
+          <a:p>
+            <a:pPr lvl="0" algn="ctr">
+              <a:defRPr sz="1800">
+                <a:solidFill>
+                  <a:srgbClr val="000000"/>
+                </a:solidFill>
+                <a:uFillTx/>
+              </a:defRPr>
+            </a:pPr>
+            <a:r>
+              <a:rPr lang="en-US" sz="3600" dirty="0">
+                <a:solidFill>
+                  <a:srgbClr val="57068C"/>
                 </a:solidFill>
                 <a:uFill>
                   <a:solidFill/>
@@ -4194,20 +4186,7 @@
                 <a:ea typeface="Arial Unicode MS" panose="020B0604020202020204" pitchFamily="34" charset="-128"/>
                 <a:cs typeface="Arial Unicode MS" panose="020B0604020202020204" pitchFamily="34" charset="-128"/>
               </a:rPr>
-            </a:br>
-            <a:r>
-              <a:rPr lang="en-US" sz="3600" dirty="0" smtClean="0">
-                <a:solidFill>
-                  <a:schemeClr val="tx1"/>
-                </a:solidFill>
-                <a:uFill>
-                  <a:solidFill/>
-                </a:uFill>
-                <a:latin typeface="Arial Unicode MS" panose="020B0604020202020204" pitchFamily="34" charset="-128"/>
-                <a:ea typeface="Arial Unicode MS" panose="020B0604020202020204" pitchFamily="34" charset="-128"/>
-                <a:cs typeface="Arial Unicode MS" panose="020B0604020202020204" pitchFamily="34" charset="-128"/>
-              </a:rPr>
-              <a:t>to a Relational Database</a:t>
+              <a:t>Relational Database</a:t>
             </a:r>
           </a:p>
         </p:txBody>
@@ -4262,7 +4241,7 @@
           </a:ln>
           <a:extLst>
             <a:ext uri="{C572A759-6A51-4108-AA02-DFA0A04FC94B}">
-              <ma14:wrappingTextBoxFlag xmlns:ma14="http://schemas.microsoft.com/office/mac/drawingml/2011/main" xmlns="" val="1"/>
+              <ma14:wrappingTextBoxFlag xmlns="" xmlns:ma14="http://schemas.microsoft.com/office/mac/drawingml/2011/main" val="1"/>
             </a:ext>
           </a:extLst>
         </p:spPr>
@@ -4293,7 +4272,7 @@
             <a:r>
               <a:rPr sz="3000" b="1" dirty="0">
                 <a:solidFill>
-                  <a:schemeClr val="tx1"/>
+                  <a:srgbClr val="57068C"/>
                 </a:solidFill>
                 <a:uFill>
                   <a:solidFill>
@@ -4328,7 +4307,7 @@
           </a:ln>
           <a:extLst>
             <a:ext uri="{C572A759-6A51-4108-AA02-DFA0A04FC94B}">
-              <ma14:wrappingTextBoxFlag xmlns:ma14="http://schemas.microsoft.com/office/mac/drawingml/2011/main" xmlns="" val="1"/>
+              <ma14:wrappingTextBoxFlag xmlns="" xmlns:ma14="http://schemas.microsoft.com/office/mac/drawingml/2011/main" val="1"/>
             </a:ext>
           </a:extLst>
         </p:spPr>
@@ -5851,7 +5830,7 @@
           </a:ln>
           <a:extLst>
             <a:ext uri="{C572A759-6A51-4108-AA02-DFA0A04FC94B}">
-              <ma14:wrappingTextBoxFlag xmlns:ma14="http://schemas.microsoft.com/office/mac/drawingml/2011/main" xmlns="" val="1"/>
+              <ma14:wrappingTextBoxFlag xmlns="" xmlns:ma14="http://schemas.microsoft.com/office/mac/drawingml/2011/main" val="1"/>
             </a:ext>
           </a:extLst>
         </p:spPr>
@@ -5882,7 +5861,7 @@
             <a:r>
               <a:rPr sz="3000" b="1" dirty="0">
                 <a:solidFill>
-                  <a:schemeClr val="tx1"/>
+                  <a:srgbClr val="57068C"/>
                 </a:solidFill>
                 <a:uFill>
                   <a:solidFill>
@@ -5975,7 +5954,7 @@
           </a:ln>
           <a:extLst>
             <a:ext uri="{C572A759-6A51-4108-AA02-DFA0A04FC94B}">
-              <ma14:wrappingTextBoxFlag xmlns:ma14="http://schemas.microsoft.com/office/mac/drawingml/2011/main" xmlns="" val="1"/>
+              <ma14:wrappingTextBoxFlag xmlns="" xmlns:ma14="http://schemas.microsoft.com/office/mac/drawingml/2011/main" val="1"/>
             </a:ext>
           </a:extLst>
         </p:spPr>
@@ -6004,9 +5983,9 @@
               </a:defRPr>
             </a:pPr>
             <a:r>
-              <a:rPr sz="3000" b="1" dirty="0" smtClean="0">
-                <a:solidFill>
-                  <a:schemeClr val="tx1"/>
+              <a:rPr sz="3000" b="1" dirty="0">
+                <a:solidFill>
+                  <a:srgbClr val="57068C"/>
                 </a:solidFill>
                 <a:uFill>
                   <a:solidFill>
@@ -6020,9 +5999,9 @@
               <a:t>Step 3: Identify Relationships</a:t>
             </a:r>
             <a:r>
-              <a:rPr lang="en-US" sz="3000" b="1" dirty="0" smtClean="0">
-                <a:solidFill>
-                  <a:schemeClr val="tx1"/>
+              <a:rPr lang="en-US" sz="3000" b="1" dirty="0">
+                <a:solidFill>
+                  <a:srgbClr val="57068C"/>
                 </a:solidFill>
                 <a:uFill>
                   <a:solidFill>
@@ -6037,7 +6016,7 @@
             </a:r>
             <a:endParaRPr sz="3000" b="1" dirty="0">
               <a:solidFill>
-                <a:schemeClr val="tx1"/>
+                <a:srgbClr val="57068C"/>
               </a:solidFill>
               <a:uFill>
                 <a:solidFill>
@@ -6070,7 +6049,7 @@
           </a:ln>
           <a:extLst>
             <a:ext uri="{C572A759-6A51-4108-AA02-DFA0A04FC94B}">
-              <ma14:wrappingTextBoxFlag xmlns:ma14="http://schemas.microsoft.com/office/mac/drawingml/2011/main" xmlns="" val="1"/>
+              <ma14:wrappingTextBoxFlag xmlns="" xmlns:ma14="http://schemas.microsoft.com/office/mac/drawingml/2011/main" val="1"/>
             </a:ext>
           </a:extLst>
         </p:spPr>
@@ -6159,23 +6138,9 @@
                 <a:ea typeface="Arial Unicode MS" panose="020B0604020202020204" pitchFamily="34" charset="-128"/>
                 <a:cs typeface="Arial Unicode MS" panose="020B0604020202020204" pitchFamily="34" charset="-128"/>
               </a:rPr>
-              <a:t>Relationships = associations among nouns representing entity </a:t>
-            </a:r>
-            <a:r>
-              <a:rPr sz="2400" dirty="0" smtClean="0">
-                <a:solidFill>
-                  <a:schemeClr val="tx1"/>
-                </a:solidFill>
-                <a:uFill>
-                  <a:solidFill/>
-                </a:uFill>
-                <a:latin typeface="Arial Unicode MS" panose="020B0604020202020204" pitchFamily="34" charset="-128"/>
-                <a:ea typeface="Arial Unicode MS" panose="020B0604020202020204" pitchFamily="34" charset="-128"/>
-                <a:cs typeface="Arial Unicode MS" panose="020B0604020202020204" pitchFamily="34" charset="-128"/>
-              </a:rPr>
-              <a:t>types</a:t>
-            </a:r>
-            <a:endParaRPr lang="en-US" sz="2400" dirty="0" smtClean="0">
+              <a:t>Relationships = associations among nouns representing entity types</a:t>
+            </a:r>
+            <a:endParaRPr lang="en-US" sz="2400" dirty="0">
               <a:solidFill>
                 <a:schemeClr val="tx1"/>
               </a:solidFill>
@@ -6296,7 +6261,7 @@
           </a:ln>
           <a:extLst>
             <a:ext uri="{C572A759-6A51-4108-AA02-DFA0A04FC94B}">
-              <ma14:wrappingTextBoxFlag xmlns:ma14="http://schemas.microsoft.com/office/mac/drawingml/2011/main" xmlns="" val="1"/>
+              <ma14:wrappingTextBoxFlag xmlns="" xmlns:ma14="http://schemas.microsoft.com/office/mac/drawingml/2011/main" val="1"/>
             </a:ext>
           </a:extLst>
         </p:spPr>
@@ -6327,7 +6292,7 @@
             <a:r>
               <a:rPr sz="3000" b="1" dirty="0">
                 <a:solidFill>
-                  <a:schemeClr val="tx1"/>
+                  <a:srgbClr val="57068C"/>
                 </a:solidFill>
                 <a:uFill>
                   <a:solidFill>
@@ -6362,7 +6327,7 @@
           </a:ln>
           <a:extLst>
             <a:ext uri="{C572A759-6A51-4108-AA02-DFA0A04FC94B}">
-              <ma14:wrappingTextBoxFlag xmlns:ma14="http://schemas.microsoft.com/office/mac/drawingml/2011/main" xmlns="" val="1"/>
+              <ma14:wrappingTextBoxFlag xmlns="" xmlns:ma14="http://schemas.microsoft.com/office/mac/drawingml/2011/main" val="1"/>
             </a:ext>
           </a:extLst>
         </p:spPr>
@@ -6528,22 +6493,7 @@
                 <a:cs typeface="Arial Unicode MS" panose="020B0604020202020204" pitchFamily="34" charset="-128"/>
                 <a:sym typeface="Iowan Old Style Roman"/>
               </a:rPr>
-              <a:t>Rate has rate number, description, fixed and variable dollar amounts, consumption </a:t>
-            </a:r>
-            <a:r>
-              <a:rPr sz="2100" dirty="0" smtClean="0">
-                <a:solidFill>
-                  <a:schemeClr val="tx1"/>
-                </a:solidFill>
-                <a:uFill>
-                  <a:solidFill/>
-                </a:uFill>
-                <a:latin typeface="Arial Unicode MS" panose="020B0604020202020204" pitchFamily="34" charset="-128"/>
-                <a:ea typeface="Arial Unicode MS" panose="020B0604020202020204" pitchFamily="34" charset="-128"/>
-                <a:cs typeface="Arial Unicode MS" panose="020B0604020202020204" pitchFamily="34" charset="-128"/>
-                <a:sym typeface="Iowan Old Style Roman"/>
-              </a:rPr>
-              <a:t>threshold</a:t>
+              <a:t>Rate has rate number, description, fixed and variable dollar amounts, consumption threshold</a:t>
             </a:r>
             <a:r>
               <a:rPr lang="en-US" sz="2100" dirty="0">
@@ -6557,7 +6507,7 @@
               </a:rPr>
               <a:t>.</a:t>
             </a:r>
-            <a:endParaRPr lang="en-US" sz="2100" dirty="0" smtClean="0">
+            <a:endParaRPr lang="en-US" sz="2100" dirty="0">
               <a:solidFill>
                 <a:schemeClr val="tx1"/>
               </a:solidFill>
@@ -7354,7 +7304,7 @@
           </a:ln>
           <a:extLst>
             <a:ext uri="{C572A759-6A51-4108-AA02-DFA0A04FC94B}">
-              <ma14:wrappingTextBoxFlag xmlns:ma14="http://schemas.microsoft.com/office/mac/drawingml/2011/main" xmlns="" val="1"/>
+              <ma14:wrappingTextBoxFlag xmlns="" xmlns:ma14="http://schemas.microsoft.com/office/mac/drawingml/2011/main" val="1"/>
             </a:ext>
           </a:extLst>
         </p:spPr>
@@ -7385,7 +7335,7 @@
             <a:r>
               <a:rPr sz="3000" b="1" dirty="0">
                 <a:solidFill>
-                  <a:schemeClr val="tx1"/>
+                  <a:srgbClr val="57068C"/>
                 </a:solidFill>
                 <a:uFill>
                   <a:solidFill>
@@ -7478,7 +7428,7 @@
           </a:ln>
           <a:extLst>
             <a:ext uri="{C572A759-6A51-4108-AA02-DFA0A04FC94B}">
-              <ma14:wrappingTextBoxFlag xmlns:ma14="http://schemas.microsoft.com/office/mac/drawingml/2011/main" xmlns="" val="1"/>
+              <ma14:wrappingTextBoxFlag xmlns="" xmlns:ma14="http://schemas.microsoft.com/office/mac/drawingml/2011/main" val="1"/>
             </a:ext>
           </a:extLst>
         </p:spPr>
@@ -7509,7 +7459,7 @@
             <a:r>
               <a:rPr sz="3000" b="1" dirty="0">
                 <a:solidFill>
-                  <a:schemeClr val="tx1"/>
+                  <a:srgbClr val="57068C"/>
                 </a:solidFill>
                 <a:uFill>
                   <a:solidFill>
@@ -7544,7 +7494,7 @@
           </a:ln>
           <a:extLst>
             <a:ext uri="{C572A759-6A51-4108-AA02-DFA0A04FC94B}">
-              <ma14:wrappingTextBoxFlag xmlns:ma14="http://schemas.microsoft.com/office/mac/drawingml/2011/main" xmlns="" val="1"/>
+              <ma14:wrappingTextBoxFlag xmlns="" xmlns:ma14="http://schemas.microsoft.com/office/mac/drawingml/2011/main" val="1"/>
             </a:ext>
           </a:extLst>
         </p:spPr>
@@ -7761,7 +7711,7 @@
           </a:ln>
           <a:extLst>
             <a:ext uri="{C572A759-6A51-4108-AA02-DFA0A04FC94B}">
-              <ma14:wrappingTextBoxFlag xmlns:ma14="http://schemas.microsoft.com/office/mac/drawingml/2011/main" xmlns="" val="1"/>
+              <ma14:wrappingTextBoxFlag xmlns="" xmlns:ma14="http://schemas.microsoft.com/office/mac/drawingml/2011/main" val="1"/>
             </a:ext>
           </a:extLst>
         </p:spPr>
@@ -7792,7 +7742,7 @@
             <a:r>
               <a:rPr sz="3000" b="1" dirty="0">
                 <a:solidFill>
-                  <a:schemeClr val="tx1"/>
+                  <a:srgbClr val="57068C"/>
                 </a:solidFill>
                 <a:uFill>
                   <a:solidFill>
@@ -7827,7 +7777,7 @@
           </a:ln>
           <a:extLst>
             <a:ext uri="{C572A759-6A51-4108-AA02-DFA0A04FC94B}">
-              <ma14:wrappingTextBoxFlag xmlns:ma14="http://schemas.microsoft.com/office/mac/drawingml/2011/main" xmlns="" val="1"/>
+              <ma14:wrappingTextBoxFlag xmlns="" xmlns:ma14="http://schemas.microsoft.com/office/mac/drawingml/2011/main" val="1"/>
             </a:ext>
           </a:extLst>
         </p:spPr>
@@ -7959,7 +7909,7 @@
           </a:prstGeom>
           <a:extLst>
             <a:ext uri="{C572A759-6A51-4108-AA02-DFA0A04FC94B}">
-              <ma14:wrappingTextBoxFlag xmlns:ma14="http://schemas.microsoft.com/office/mac/drawingml/2011/main" xmlns="" val="1"/>
+              <ma14:wrappingTextBoxFlag xmlns="" xmlns:ma14="http://schemas.microsoft.com/office/mac/drawingml/2011/main" val="1"/>
             </a:ext>
           </a:extLst>
         </p:spPr>
@@ -8013,7 +7963,7 @@
           </a:ln>
           <a:extLst>
             <a:ext uri="{C572A759-6A51-4108-AA02-DFA0A04FC94B}">
-              <ma14:wrappingTextBoxFlag xmlns:ma14="http://schemas.microsoft.com/office/mac/drawingml/2011/main" xmlns="" val="1"/>
+              <ma14:wrappingTextBoxFlag xmlns="" xmlns:ma14="http://schemas.microsoft.com/office/mac/drawingml/2011/main" val="1"/>
             </a:ext>
           </a:extLst>
         </p:spPr>
@@ -8044,7 +7994,7 @@
             <a:r>
               <a:rPr sz="3000" b="1" dirty="0">
                 <a:solidFill>
-                  <a:schemeClr val="tx1"/>
+                  <a:srgbClr val="57068C"/>
                 </a:solidFill>
                 <a:uFill>
                   <a:solidFill>
@@ -8079,7 +8029,7 @@
           </a:ln>
           <a:extLst>
             <a:ext uri="{C572A759-6A51-4108-AA02-DFA0A04FC94B}">
-              <ma14:wrappingTextBoxFlag xmlns:ma14="http://schemas.microsoft.com/office/mac/drawingml/2011/main" xmlns="" val="1"/>
+              <ma14:wrappingTextBoxFlag xmlns="" xmlns:ma14="http://schemas.microsoft.com/office/mac/drawingml/2011/main" val="1"/>
             </a:ext>
           </a:extLst>
         </p:spPr>
@@ -8211,7 +8161,7 @@
           </a:prstGeom>
           <a:extLst>
             <a:ext uri="{C572A759-6A51-4108-AA02-DFA0A04FC94B}">
-              <ma14:wrappingTextBoxFlag xmlns:ma14="http://schemas.microsoft.com/office/mac/drawingml/2011/main" xmlns="" val="1"/>
+              <ma14:wrappingTextBoxFlag xmlns="" xmlns:ma14="http://schemas.microsoft.com/office/mac/drawingml/2011/main" val="1"/>
             </a:ext>
           </a:extLst>
         </p:spPr>
@@ -8265,7 +8215,7 @@
           </a:ln>
           <a:extLst>
             <a:ext uri="{C572A759-6A51-4108-AA02-DFA0A04FC94B}">
-              <ma14:wrappingTextBoxFlag xmlns:ma14="http://schemas.microsoft.com/office/mac/drawingml/2011/main" xmlns="" val="1"/>
+              <ma14:wrappingTextBoxFlag xmlns="" xmlns:ma14="http://schemas.microsoft.com/office/mac/drawingml/2011/main" val="1"/>
             </a:ext>
           </a:extLst>
         </p:spPr>
@@ -8296,7 +8246,7 @@
             <a:r>
               <a:rPr sz="3000" b="1" dirty="0">
                 <a:solidFill>
-                  <a:schemeClr val="tx1"/>
+                  <a:srgbClr val="57068C"/>
                 </a:solidFill>
                 <a:uFill>
                   <a:solidFill>
@@ -8391,10 +8341,13 @@
           <a:lstStyle/>
           <a:p>
             <a:r>
-              <a:rPr lang="en-US" dirty="0" smtClean="0"/>
+              <a:rPr lang="en-US" dirty="0">
+                <a:solidFill>
+                  <a:srgbClr val="57068C"/>
+                </a:solidFill>
+              </a:rPr>
               <a:t>From ER diagrams to Tables</a:t>
             </a:r>
-            <a:endParaRPr lang="en-US" dirty="0"/>
           </a:p>
         </p:txBody>
       </p:sp>
@@ -8408,14 +8361,6 @@
   <p:clrMapOvr>
     <a:masterClrMapping/>
   </p:clrMapOvr>
-  <mc:AlternateContent xmlns:mc="http://schemas.openxmlformats.org/markup-compatibility/2006" xmlns:p14="http://schemas.microsoft.com/office/powerpoint/2010/main">
-    <mc:Choice Requires="p14">
-      <p:transition spd="slow" p14:dur="2000"/>
-    </mc:Choice>
-    <mc:Fallback xmlns="">
-      <p:transition spd="slow"/>
-    </mc:Fallback>
-  </mc:AlternateContent>
 </p:sld>
 </file>
 
@@ -8455,7 +8400,7 @@
           </a:ln>
           <a:extLst>
             <a:ext uri="{C572A759-6A51-4108-AA02-DFA0A04FC94B}">
-              <ma14:wrappingTextBoxFlag xmlns:ma14="http://schemas.microsoft.com/office/mac/drawingml/2011/main" xmlns="" val="1"/>
+              <ma14:wrappingTextBoxFlag xmlns="" xmlns:ma14="http://schemas.microsoft.com/office/mac/drawingml/2011/main" val="1"/>
             </a:ext>
           </a:extLst>
         </p:spPr>
@@ -8484,9 +8429,9 @@
               </a:defRPr>
             </a:pPr>
             <a:r>
-              <a:rPr lang="en-US" sz="3000" b="1" dirty="0" smtClean="0">
-                <a:solidFill>
-                  <a:schemeClr val="tx1"/>
+              <a:rPr lang="en-US" sz="3000" b="1" dirty="0">
+                <a:solidFill>
+                  <a:srgbClr val="57068C"/>
                 </a:solidFill>
                 <a:uFill>
                   <a:solidFill>
@@ -8497,7 +8442,23 @@
                 <a:ea typeface="Arial Unicode MS" panose="020B0604020202020204" pitchFamily="34" charset="-128"/>
                 <a:cs typeface="Arial Unicode MS" panose="020B0604020202020204" pitchFamily="34" charset="-128"/>
               </a:rPr>
-              <a:t>Questions </a:t>
+              <a:t>Questions</a:t>
+            </a:r>
+            <a:r>
+              <a:rPr lang="en-US" sz="3000" b="1" dirty="0">
+                <a:solidFill>
+                  <a:schemeClr val="tx1"/>
+                </a:solidFill>
+                <a:uFill>
+                  <a:solidFill>
+                    <a:srgbClr val="FFFFFF"/>
+                  </a:solidFill>
+                </a:uFill>
+                <a:latin typeface="Arial Unicode MS" panose="020B0604020202020204" pitchFamily="34" charset="-128"/>
+                <a:ea typeface="Arial Unicode MS" panose="020B0604020202020204" pitchFamily="34" charset="-128"/>
+                <a:cs typeface="Arial Unicode MS" panose="020B0604020202020204" pitchFamily="34" charset="-128"/>
+              </a:rPr>
+              <a:t> </a:t>
             </a:r>
             <a:endParaRPr sz="3000" b="1" dirty="0">
               <a:solidFill>
@@ -8534,7 +8495,7 @@
           </a:ln>
           <a:extLst>
             <a:ext uri="{C572A759-6A51-4108-AA02-DFA0A04FC94B}">
-              <ma14:wrappingTextBoxFlag xmlns:ma14="http://schemas.microsoft.com/office/mac/drawingml/2011/main" xmlns="" val="1"/>
+              <ma14:wrappingTextBoxFlag xmlns="" xmlns:ma14="http://schemas.microsoft.com/office/mac/drawingml/2011/main" val="1"/>
             </a:ext>
           </a:extLst>
         </p:spPr>
@@ -8560,7 +8521,7 @@
               </a:defRPr>
             </a:pPr>
             <a:r>
-              <a:rPr lang="en-US" sz="2800" dirty="0" smtClean="0">
+              <a:rPr lang="en-US" sz="2800" dirty="0">
                 <a:solidFill>
                   <a:schemeClr val="tx1"/>
                 </a:solidFill>
@@ -8618,7 +8579,7 @@
               </a:defRPr>
             </a:pPr>
             <a:r>
-              <a:rPr lang="en-US" sz="2800" dirty="0" smtClean="0">
+              <a:rPr lang="en-US" sz="2800" dirty="0">
                 <a:solidFill>
                   <a:schemeClr val="tx1"/>
                 </a:solidFill>
@@ -8676,7 +8637,7 @@
               </a:defRPr>
             </a:pPr>
             <a:r>
-              <a:rPr lang="en-US" sz="2800" dirty="0" smtClean="0">
+              <a:rPr lang="en-US" sz="2800" dirty="0">
                 <a:solidFill>
                   <a:schemeClr val="tx1"/>
                 </a:solidFill>
@@ -8755,7 +8716,7 @@
           </a:ln>
           <a:extLst>
             <a:ext uri="{C572A759-6A51-4108-AA02-DFA0A04FC94B}">
-              <ma14:wrappingTextBoxFlag xmlns:ma14="http://schemas.microsoft.com/office/mac/drawingml/2011/main" xmlns="" val="1"/>
+              <ma14:wrappingTextBoxFlag xmlns="" xmlns:ma14="http://schemas.microsoft.com/office/mac/drawingml/2011/main" val="1"/>
             </a:ext>
           </a:extLst>
         </p:spPr>
@@ -8786,7 +8747,7 @@
             <a:r>
               <a:rPr sz="3000" b="1" dirty="0">
                 <a:solidFill>
-                  <a:schemeClr val="tx1"/>
+                  <a:srgbClr val="57068C"/>
                 </a:solidFill>
                 <a:uFill>
                   <a:solidFill>
@@ -8800,9 +8761,9 @@
               <a:t>ER Diagram </a:t>
             </a:r>
             <a:r>
-              <a:rPr lang="en-US" sz="3000" b="1" dirty="0" smtClean="0">
-                <a:solidFill>
-                  <a:schemeClr val="tx1"/>
+              <a:rPr lang="en-US" sz="3000" b="1" dirty="0">
+                <a:solidFill>
+                  <a:srgbClr val="57068C"/>
                 </a:solidFill>
                 <a:uFill>
                   <a:solidFill>
@@ -8817,9 +8778,9 @@
               <a:t></a:t>
             </a:r>
             <a:r>
-              <a:rPr sz="3000" b="1" dirty="0" smtClean="0">
-                <a:solidFill>
-                  <a:schemeClr val="tx1"/>
+              <a:rPr sz="3000" b="1" dirty="0">
+                <a:solidFill>
+                  <a:srgbClr val="57068C"/>
                 </a:solidFill>
                 <a:uFill>
                   <a:solidFill>
@@ -8830,23 +8791,7 @@
                 <a:ea typeface="Arial Unicode MS" panose="020B0604020202020204" pitchFamily="34" charset="-128"/>
                 <a:cs typeface="Arial Unicode MS" panose="020B0604020202020204" pitchFamily="34" charset="-128"/>
               </a:rPr>
-              <a:t> </a:t>
-            </a:r>
-            <a:r>
-              <a:rPr sz="3000" b="1" dirty="0">
-                <a:solidFill>
-                  <a:schemeClr val="tx1"/>
-                </a:solidFill>
-                <a:uFill>
-                  <a:solidFill>
-                    <a:srgbClr val="FFFFFF"/>
-                  </a:solidFill>
-                </a:uFill>
-                <a:latin typeface="Arial Unicode MS" panose="020B0604020202020204" pitchFamily="34" charset="-128"/>
-                <a:ea typeface="Arial Unicode MS" panose="020B0604020202020204" pitchFamily="34" charset="-128"/>
-                <a:cs typeface="Arial Unicode MS" panose="020B0604020202020204" pitchFamily="34" charset="-128"/>
-              </a:rPr>
-              <a:t>Relational Model</a:t>
+              <a:t> Relational Model</a:t>
             </a:r>
           </a:p>
         </p:txBody>
@@ -8870,7 +8815,7 @@
           </a:ln>
           <a:extLst>
             <a:ext uri="{C572A759-6A51-4108-AA02-DFA0A04FC94B}">
-              <ma14:wrappingTextBoxFlag xmlns:ma14="http://schemas.microsoft.com/office/mac/drawingml/2011/main" xmlns="" val="1"/>
+              <ma14:wrappingTextBoxFlag xmlns="" xmlns:ma14="http://schemas.microsoft.com/office/mac/drawingml/2011/main" val="1"/>
             </a:ext>
           </a:extLst>
         </p:spPr>
@@ -9181,7 +9126,7 @@
           </a:ln>
           <a:extLst>
             <a:ext uri="{C572A759-6A51-4108-AA02-DFA0A04FC94B}">
-              <ma14:wrappingTextBoxFlag xmlns:ma14="http://schemas.microsoft.com/office/mac/drawingml/2011/main" xmlns="" val="1"/>
+              <ma14:wrappingTextBoxFlag xmlns="" xmlns:ma14="http://schemas.microsoft.com/office/mac/drawingml/2011/main" val="1"/>
             </a:ext>
           </a:extLst>
         </p:spPr>
@@ -9212,7 +9157,7 @@
             <a:r>
               <a:rPr sz="3000" b="1" dirty="0">
                 <a:solidFill>
-                  <a:schemeClr val="tx1"/>
+                  <a:srgbClr val="57068C"/>
                 </a:solidFill>
                 <a:uFill>
                   <a:solidFill>
@@ -9305,7 +9250,7 @@
           </a:ln>
           <a:extLst>
             <a:ext uri="{C572A759-6A51-4108-AA02-DFA0A04FC94B}">
-              <ma14:wrappingTextBoxFlag xmlns:ma14="http://schemas.microsoft.com/office/mac/drawingml/2011/main" xmlns="" val="1"/>
+              <ma14:wrappingTextBoxFlag xmlns="" xmlns:ma14="http://schemas.microsoft.com/office/mac/drawingml/2011/main" val="1"/>
             </a:ext>
           </a:extLst>
         </p:spPr>
@@ -9334,9 +9279,9 @@
               </a:defRPr>
             </a:pPr>
             <a:r>
-              <a:rPr lang="en-US" sz="3000" b="1" dirty="0" smtClean="0">
-                <a:solidFill>
-                  <a:schemeClr val="tx1"/>
+              <a:rPr lang="en-US" sz="3000" b="1" dirty="0">
+                <a:solidFill>
+                  <a:srgbClr val="57068C"/>
                 </a:solidFill>
                 <a:uFill>
                   <a:solidFill>
@@ -9350,9 +9295,9 @@
               <a:t>Step 0: </a:t>
             </a:r>
             <a:r>
-              <a:rPr sz="3000" b="1" dirty="0" smtClean="0">
-                <a:solidFill>
-                  <a:schemeClr val="tx1"/>
+              <a:rPr sz="3000" b="1" dirty="0">
+                <a:solidFill>
+                  <a:srgbClr val="57068C"/>
                 </a:solidFill>
                 <a:uFill>
                   <a:solidFill>
@@ -9363,23 +9308,7 @@
                 <a:ea typeface="Arial Unicode MS" panose="020B0604020202020204" pitchFamily="34" charset="-128"/>
                 <a:cs typeface="Arial Unicode MS" panose="020B0604020202020204" pitchFamily="34" charset="-128"/>
               </a:rPr>
-              <a:t>Entities </a:t>
-            </a:r>
-            <a:r>
-              <a:rPr sz="3000" b="1" dirty="0">
-                <a:solidFill>
-                  <a:schemeClr val="tx1"/>
-                </a:solidFill>
-                <a:uFill>
-                  <a:solidFill>
-                    <a:srgbClr val="FFFFFF"/>
-                  </a:solidFill>
-                </a:uFill>
-                <a:latin typeface="Arial Unicode MS" panose="020B0604020202020204" pitchFamily="34" charset="-128"/>
-                <a:ea typeface="Arial Unicode MS" panose="020B0604020202020204" pitchFamily="34" charset="-128"/>
-                <a:cs typeface="Arial Unicode MS" panose="020B0604020202020204" pitchFamily="34" charset="-128"/>
-              </a:rPr>
-              <a:t>map to Tables</a:t>
+              <a:t>Entities map to Tables</a:t>
             </a:r>
           </a:p>
         </p:txBody>
@@ -9403,7 +9332,7 @@
           </a:ln>
           <a:extLst>
             <a:ext uri="{C572A759-6A51-4108-AA02-DFA0A04FC94B}">
-              <ma14:wrappingTextBoxFlag xmlns:ma14="http://schemas.microsoft.com/office/mac/drawingml/2011/main" xmlns="" val="1"/>
+              <ma14:wrappingTextBoxFlag xmlns="" xmlns:ma14="http://schemas.microsoft.com/office/mac/drawingml/2011/main" val="1"/>
             </a:ext>
           </a:extLst>
         </p:spPr>
@@ -9607,7 +9536,7 @@
           </a:ln>
           <a:extLst>
             <a:ext uri="{C572A759-6A51-4108-AA02-DFA0A04FC94B}">
-              <ma14:wrappingTextBoxFlag xmlns:ma14="http://schemas.microsoft.com/office/mac/drawingml/2011/main" xmlns="" val="1"/>
+              <ma14:wrappingTextBoxFlag xmlns="" xmlns:ma14="http://schemas.microsoft.com/office/mac/drawingml/2011/main" val="1"/>
             </a:ext>
           </a:extLst>
         </p:spPr>
@@ -9638,7 +9567,7 @@
             <a:r>
               <a:rPr sz="3000" b="1" dirty="0">
                 <a:solidFill>
-                  <a:schemeClr val="tx1"/>
+                  <a:srgbClr val="57068C"/>
                 </a:solidFill>
                 <a:uFill>
                   <a:solidFill>
@@ -9673,7 +9602,7 @@
           </a:ln>
           <a:extLst>
             <a:ext uri="{C572A759-6A51-4108-AA02-DFA0A04FC94B}">
-              <ma14:wrappingTextBoxFlag xmlns:ma14="http://schemas.microsoft.com/office/mac/drawingml/2011/main" xmlns="" val="1"/>
+              <ma14:wrappingTextBoxFlag xmlns="" xmlns:ma14="http://schemas.microsoft.com/office/mac/drawingml/2011/main" val="1"/>
             </a:ext>
           </a:extLst>
         </p:spPr>
@@ -11120,7 +11049,7 @@
           </a:ln>
           <a:extLst>
             <a:ext uri="{C572A759-6A51-4108-AA02-DFA0A04FC94B}">
-              <ma14:wrappingTextBoxFlag xmlns:ma14="http://schemas.microsoft.com/office/mac/drawingml/2011/main" xmlns="" val="1"/>
+              <ma14:wrappingTextBoxFlag xmlns="" xmlns:ma14="http://schemas.microsoft.com/office/mac/drawingml/2011/main" val="1"/>
             </a:ext>
           </a:extLst>
         </p:spPr>
@@ -11408,7 +11337,7 @@
           </a:ln>
           <a:extLst>
             <a:ext uri="{C572A759-6A51-4108-AA02-DFA0A04FC94B}">
-              <ma14:wrappingTextBoxFlag xmlns:ma14="http://schemas.microsoft.com/office/mac/drawingml/2011/main" xmlns="" val="1"/>
+              <ma14:wrappingTextBoxFlag xmlns="" xmlns:ma14="http://schemas.microsoft.com/office/mac/drawingml/2011/main" val="1"/>
             </a:ext>
           </a:extLst>
         </p:spPr>
@@ -11439,7 +11368,7 @@
             <a:r>
               <a:rPr sz="3000" b="1" dirty="0">
                 <a:solidFill>
-                  <a:schemeClr val="tx1"/>
+                  <a:srgbClr val="57068C"/>
                 </a:solidFill>
                 <a:uFill>
                   <a:solidFill>
@@ -11453,9 +11382,9 @@
               <a:t>Step </a:t>
             </a:r>
             <a:r>
-              <a:rPr lang="en-US" sz="3000" b="1" dirty="0" smtClean="0">
-                <a:solidFill>
-                  <a:schemeClr val="tx1"/>
+              <a:rPr lang="en-US" sz="3000" b="1" dirty="0">
+                <a:solidFill>
+                  <a:srgbClr val="57068C"/>
                 </a:solidFill>
                 <a:uFill>
                   <a:solidFill>
@@ -11469,9 +11398,9 @@
               <a:t>2</a:t>
             </a:r>
             <a:r>
-              <a:rPr sz="3000" b="1" dirty="0" smtClean="0">
-                <a:solidFill>
-                  <a:schemeClr val="tx1"/>
+              <a:rPr sz="3000" b="1" dirty="0">
+                <a:solidFill>
+                  <a:srgbClr val="57068C"/>
                 </a:solidFill>
                 <a:uFill>
                   <a:solidFill>
@@ -11482,23 +11411,7 @@
                 <a:ea typeface="Arial Unicode MS" panose="020B0604020202020204" pitchFamily="34" charset="-128"/>
                 <a:cs typeface="Arial Unicode MS" panose="020B0604020202020204" pitchFamily="34" charset="-128"/>
               </a:rPr>
-              <a:t>: </a:t>
-            </a:r>
-            <a:r>
-              <a:rPr sz="3000" b="1" dirty="0">
-                <a:solidFill>
-                  <a:schemeClr val="tx1"/>
-                </a:solidFill>
-                <a:uFill>
-                  <a:solidFill>
-                    <a:srgbClr val="FFFFFF"/>
-                  </a:solidFill>
-                </a:uFill>
-                <a:latin typeface="Arial Unicode MS" panose="020B0604020202020204" pitchFamily="34" charset="-128"/>
-                <a:ea typeface="Arial Unicode MS" panose="020B0604020202020204" pitchFamily="34" charset="-128"/>
-                <a:cs typeface="Arial Unicode MS" panose="020B0604020202020204" pitchFamily="34" charset="-128"/>
-              </a:rPr>
-              <a:t>One to many relationships</a:t>
+              <a:t>: One to many relationships</a:t>
             </a:r>
           </a:p>
         </p:txBody>
@@ -11522,7 +11435,7 @@
           </a:ln>
           <a:extLst>
             <a:ext uri="{C572A759-6A51-4108-AA02-DFA0A04FC94B}">
-              <ma14:wrappingTextBoxFlag xmlns:ma14="http://schemas.microsoft.com/office/mac/drawingml/2011/main" xmlns="" val="1"/>
+              <ma14:wrappingTextBoxFlag xmlns="" xmlns:ma14="http://schemas.microsoft.com/office/mac/drawingml/2011/main" val="1"/>
             </a:ext>
           </a:extLst>
         </p:spPr>
@@ -11578,7 +11491,7 @@
               </a:defRPr>
             </a:pPr>
             <a:r>
-              <a:rPr sz="2300" dirty="0" smtClean="0">
+              <a:rPr sz="2300" dirty="0">
                 <a:solidFill>
                   <a:schemeClr val="tx1"/>
                 </a:solidFill>
@@ -11590,7 +11503,22 @@
                 <a:cs typeface="Arial Unicode MS" panose="020B0604020202020204" pitchFamily="34" charset="-128"/>
                 <a:sym typeface="Iowan Old Style Roman"/>
               </a:rPr>
-              <a:t>Add </a:t>
+              <a:t>Add a foreign key (FK)</a:t>
+            </a:r>
+            <a:r>
+              <a:rPr lang="en-US" sz="2300" dirty="0">
+                <a:solidFill>
+                  <a:schemeClr val="tx1"/>
+                </a:solidFill>
+                <a:uFill>
+                  <a:solidFill/>
+                </a:uFill>
+                <a:latin typeface="Arial Unicode MS" panose="020B0604020202020204" pitchFamily="34" charset="-128"/>
+                <a:ea typeface="Arial Unicode MS" panose="020B0604020202020204" pitchFamily="34" charset="-128"/>
+                <a:cs typeface="Arial Unicode MS" panose="020B0604020202020204" pitchFamily="34" charset="-128"/>
+                <a:sym typeface="Iowan Old Style Roman"/>
+              </a:rPr>
+              <a:t> </a:t>
             </a:r>
             <a:r>
               <a:rPr sz="2300" dirty="0">
@@ -11605,67 +11533,7 @@
                 <a:cs typeface="Arial Unicode MS" panose="020B0604020202020204" pitchFamily="34" charset="-128"/>
                 <a:sym typeface="Iowan Old Style Roman"/>
               </a:rPr>
-              <a:t>a foreign key (</a:t>
-            </a:r>
-            <a:r>
-              <a:rPr sz="2300" dirty="0" smtClean="0">
-                <a:solidFill>
-                  <a:schemeClr val="tx1"/>
-                </a:solidFill>
-                <a:uFill>
-                  <a:solidFill/>
-                </a:uFill>
-                <a:latin typeface="Arial Unicode MS" panose="020B0604020202020204" pitchFamily="34" charset="-128"/>
-                <a:ea typeface="Arial Unicode MS" panose="020B0604020202020204" pitchFamily="34" charset="-128"/>
-                <a:cs typeface="Arial Unicode MS" panose="020B0604020202020204" pitchFamily="34" charset="-128"/>
-                <a:sym typeface="Iowan Old Style Roman"/>
-              </a:rPr>
-              <a:t>FK)</a:t>
-            </a:r>
-            <a:r>
-              <a:rPr lang="en-US" sz="2300" dirty="0" smtClean="0">
-                <a:solidFill>
-                  <a:schemeClr val="tx1"/>
-                </a:solidFill>
-                <a:uFill>
-                  <a:solidFill/>
-                </a:uFill>
-                <a:latin typeface="Arial Unicode MS" panose="020B0604020202020204" pitchFamily="34" charset="-128"/>
-                <a:ea typeface="Arial Unicode MS" panose="020B0604020202020204" pitchFamily="34" charset="-128"/>
-                <a:cs typeface="Arial Unicode MS" panose="020B0604020202020204" pitchFamily="34" charset="-128"/>
-                <a:sym typeface="Iowan Old Style Roman"/>
-              </a:rPr>
-              <a:t> </a:t>
-            </a:r>
-            <a:r>
-              <a:rPr sz="2300" dirty="0" smtClean="0">
-                <a:solidFill>
-                  <a:schemeClr val="tx1"/>
-                </a:solidFill>
-                <a:uFill>
-                  <a:solidFill/>
-                </a:uFill>
-                <a:latin typeface="Arial Unicode MS" panose="020B0604020202020204" pitchFamily="34" charset="-128"/>
-                <a:ea typeface="Arial Unicode MS" panose="020B0604020202020204" pitchFamily="34" charset="-128"/>
-                <a:cs typeface="Arial Unicode MS" panose="020B0604020202020204" pitchFamily="34" charset="-128"/>
-                <a:sym typeface="Iowan Old Style Roman"/>
-              </a:rPr>
-              <a:t>to </a:t>
-            </a:r>
-            <a:r>
-              <a:rPr sz="2300" dirty="0">
-                <a:solidFill>
-                  <a:schemeClr val="tx1"/>
-                </a:solidFill>
-                <a:uFill>
-                  <a:solidFill/>
-                </a:uFill>
-                <a:latin typeface="Arial Unicode MS" panose="020B0604020202020204" pitchFamily="34" charset="-128"/>
-                <a:ea typeface="Arial Unicode MS" panose="020B0604020202020204" pitchFamily="34" charset="-128"/>
-                <a:cs typeface="Arial Unicode MS" panose="020B0604020202020204" pitchFamily="34" charset="-128"/>
-                <a:sym typeface="Iowan Old Style Roman"/>
-              </a:rPr>
-              <a:t>the table corresponding to the “many” entity</a:t>
+              <a:t>to the table corresponding to the “many” entity</a:t>
             </a:r>
           </a:p>
         </p:txBody>
@@ -11720,7 +11588,7 @@
           </a:ln>
           <a:extLst>
             <a:ext uri="{C572A759-6A51-4108-AA02-DFA0A04FC94B}">
-              <ma14:wrappingTextBoxFlag xmlns:ma14="http://schemas.microsoft.com/office/mac/drawingml/2011/main" xmlns="" val="1"/>
+              <ma14:wrappingTextBoxFlag xmlns="" xmlns:ma14="http://schemas.microsoft.com/office/mac/drawingml/2011/main" val="1"/>
             </a:ext>
           </a:extLst>
         </p:spPr>
@@ -11751,7 +11619,7 @@
             <a:r>
               <a:rPr sz="3000" b="1" dirty="0">
                 <a:solidFill>
-                  <a:schemeClr val="tx1"/>
+                  <a:srgbClr val="57068C"/>
                 </a:solidFill>
                 <a:uFill>
                   <a:solidFill>
@@ -11765,9 +11633,9 @@
               <a:t>Step </a:t>
             </a:r>
             <a:r>
-              <a:rPr lang="en-US" sz="3000" b="1" dirty="0" smtClean="0">
-                <a:solidFill>
-                  <a:schemeClr val="tx1"/>
+              <a:rPr lang="en-US" sz="3000" b="1" dirty="0">
+                <a:solidFill>
+                  <a:srgbClr val="57068C"/>
                 </a:solidFill>
                 <a:uFill>
                   <a:solidFill>
@@ -11781,9 +11649,9 @@
               <a:t>2</a:t>
             </a:r>
             <a:r>
-              <a:rPr sz="3000" b="1" dirty="0" smtClean="0">
-                <a:solidFill>
-                  <a:schemeClr val="tx1"/>
+              <a:rPr sz="3000" b="1" dirty="0">
+                <a:solidFill>
+                  <a:srgbClr val="57068C"/>
                 </a:solidFill>
                 <a:uFill>
                   <a:solidFill>
@@ -11794,23 +11662,7 @@
                 <a:ea typeface="Arial Unicode MS" panose="020B0604020202020204" pitchFamily="34" charset="-128"/>
                 <a:cs typeface="Arial Unicode MS" panose="020B0604020202020204" pitchFamily="34" charset="-128"/>
               </a:rPr>
-              <a:t>: </a:t>
-            </a:r>
-            <a:r>
-              <a:rPr sz="3000" b="1" dirty="0">
-                <a:solidFill>
-                  <a:schemeClr val="tx1"/>
-                </a:solidFill>
-                <a:uFill>
-                  <a:solidFill>
-                    <a:srgbClr val="FFFFFF"/>
-                  </a:solidFill>
-                </a:uFill>
-                <a:latin typeface="Arial Unicode MS" panose="020B0604020202020204" pitchFamily="34" charset="-128"/>
-                <a:ea typeface="Arial Unicode MS" panose="020B0604020202020204" pitchFamily="34" charset="-128"/>
-                <a:cs typeface="Arial Unicode MS" panose="020B0604020202020204" pitchFamily="34" charset="-128"/>
-              </a:rPr>
-              <a:t>Example</a:t>
+              <a:t>: Example</a:t>
             </a:r>
           </a:p>
         </p:txBody>
@@ -11908,7 +11760,7 @@
           </a:ln>
           <a:extLst>
             <a:ext uri="{C572A759-6A51-4108-AA02-DFA0A04FC94B}">
-              <ma14:wrappingTextBoxFlag xmlns:ma14="http://schemas.microsoft.com/office/mac/drawingml/2011/main" xmlns="" val="1"/>
+              <ma14:wrappingTextBoxFlag xmlns="" xmlns:ma14="http://schemas.microsoft.com/office/mac/drawingml/2011/main" val="1"/>
             </a:ext>
           </a:extLst>
         </p:spPr>
@@ -12141,7 +11993,7 @@
           </a:ln>
           <a:extLst>
             <a:ext uri="{C572A759-6A51-4108-AA02-DFA0A04FC94B}">
-              <ma14:wrappingTextBoxFlag xmlns:ma14="http://schemas.microsoft.com/office/mac/drawingml/2011/main" xmlns="" val="1"/>
+              <ma14:wrappingTextBoxFlag xmlns="" xmlns:ma14="http://schemas.microsoft.com/office/mac/drawingml/2011/main" val="1"/>
             </a:ext>
           </a:extLst>
         </p:spPr>
@@ -12170,9 +12022,9 @@
               </a:defRPr>
             </a:pPr>
             <a:r>
-              <a:rPr sz="3000" b="1" dirty="0" smtClean="0">
-                <a:solidFill>
-                  <a:schemeClr val="tx1"/>
+              <a:rPr sz="3000" b="1" dirty="0">
+                <a:solidFill>
+                  <a:srgbClr val="57068C"/>
                 </a:solidFill>
                 <a:uFill>
                   <a:solidFill>
@@ -12186,9 +12038,9 @@
               <a:t>Step</a:t>
             </a:r>
             <a:r>
-              <a:rPr lang="en-US" sz="3000" b="1" dirty="0" smtClean="0">
-                <a:solidFill>
-                  <a:schemeClr val="tx1"/>
+              <a:rPr lang="en-US" sz="3000" b="1" dirty="0">
+                <a:solidFill>
+                  <a:srgbClr val="57068C"/>
                 </a:solidFill>
                 <a:uFill>
                   <a:solidFill>
@@ -12202,9 +12054,9 @@
               <a:t> 3</a:t>
             </a:r>
             <a:r>
-              <a:rPr sz="3000" b="1" dirty="0" smtClean="0">
-                <a:solidFill>
-                  <a:schemeClr val="tx1"/>
+              <a:rPr sz="3000" b="1" dirty="0">
+                <a:solidFill>
+                  <a:srgbClr val="57068C"/>
                 </a:solidFill>
                 <a:uFill>
                   <a:solidFill>
@@ -12215,23 +12067,7 @@
                 <a:ea typeface="Arial Unicode MS" panose="020B0604020202020204" pitchFamily="34" charset="-128"/>
                 <a:cs typeface="Arial Unicode MS" panose="020B0604020202020204" pitchFamily="34" charset="-128"/>
               </a:rPr>
-              <a:t>: </a:t>
-            </a:r>
-            <a:r>
-              <a:rPr sz="3000" b="1" dirty="0">
-                <a:solidFill>
-                  <a:schemeClr val="tx1"/>
-                </a:solidFill>
-                <a:uFill>
-                  <a:solidFill>
-                    <a:srgbClr val="FFFFFF"/>
-                  </a:solidFill>
-                </a:uFill>
-                <a:latin typeface="Arial Unicode MS" panose="020B0604020202020204" pitchFamily="34" charset="-128"/>
-                <a:ea typeface="Arial Unicode MS" panose="020B0604020202020204" pitchFamily="34" charset="-128"/>
-                <a:cs typeface="Arial Unicode MS" panose="020B0604020202020204" pitchFamily="34" charset="-128"/>
-              </a:rPr>
-              <a:t>One to one Relationships</a:t>
+              <a:t>: One to one Relationships</a:t>
             </a:r>
           </a:p>
         </p:txBody>
@@ -12255,7 +12091,7 @@
           </a:ln>
           <a:extLst>
             <a:ext uri="{C572A759-6A51-4108-AA02-DFA0A04FC94B}">
-              <ma14:wrappingTextBoxFlag xmlns:ma14="http://schemas.microsoft.com/office/mac/drawingml/2011/main" xmlns="" val="1"/>
+              <ma14:wrappingTextBoxFlag xmlns="" xmlns:ma14="http://schemas.microsoft.com/office/mac/drawingml/2011/main" val="1"/>
             </a:ext>
           </a:extLst>
         </p:spPr>
@@ -12313,7 +12149,7 @@
               </a:defRPr>
             </a:pPr>
             <a:r>
-              <a:rPr lang="en-US" sz="2200" dirty="0" smtClean="0">
+              <a:rPr lang="en-US" sz="2200" dirty="0">
                 <a:solidFill>
                   <a:schemeClr val="tx1"/>
                 </a:solidFill>
@@ -12328,7 +12164,7 @@
               <a:t>Option 1: A</a:t>
             </a:r>
             <a:r>
-              <a:rPr sz="2200" dirty="0" smtClean="0">
+              <a:rPr sz="2200" dirty="0">
                 <a:solidFill>
                   <a:schemeClr val="tx1"/>
                 </a:solidFill>
@@ -12340,7 +12176,22 @@
                 <a:cs typeface="Arial Unicode MS" panose="020B0604020202020204" pitchFamily="34" charset="-128"/>
                 <a:sym typeface="Iowan Old Style Roman"/>
               </a:rPr>
-              <a:t>dd </a:t>
+              <a:t>dd a Foreign Key to either</a:t>
+            </a:r>
+            <a:r>
+              <a:rPr lang="en-US" sz="2200" dirty="0">
+                <a:solidFill>
+                  <a:schemeClr val="tx1"/>
+                </a:solidFill>
+                <a:uFill>
+                  <a:solidFill/>
+                </a:uFill>
+                <a:latin typeface="Arial Unicode MS" panose="020B0604020202020204" pitchFamily="34" charset="-128"/>
+                <a:ea typeface="Arial Unicode MS" panose="020B0604020202020204" pitchFamily="34" charset="-128"/>
+                <a:cs typeface="Arial Unicode MS" panose="020B0604020202020204" pitchFamily="34" charset="-128"/>
+                <a:sym typeface="Iowan Old Style Roman"/>
+              </a:rPr>
+              <a:t> of the two</a:t>
             </a:r>
             <a:r>
               <a:rPr sz="2200" dirty="0">
@@ -12355,55 +12206,10 @@
                 <a:cs typeface="Arial Unicode MS" panose="020B0604020202020204" pitchFamily="34" charset="-128"/>
                 <a:sym typeface="Iowan Old Style Roman"/>
               </a:rPr>
-              <a:t>a Foreign Key to </a:t>
-            </a:r>
-            <a:r>
-              <a:rPr sz="2200" dirty="0" smtClean="0">
-                <a:solidFill>
-                  <a:schemeClr val="tx1"/>
-                </a:solidFill>
-                <a:uFill>
-                  <a:solidFill/>
-                </a:uFill>
-                <a:latin typeface="Arial Unicode MS" panose="020B0604020202020204" pitchFamily="34" charset="-128"/>
-                <a:ea typeface="Arial Unicode MS" panose="020B0604020202020204" pitchFamily="34" charset="-128"/>
-                <a:cs typeface="Arial Unicode MS" panose="020B0604020202020204" pitchFamily="34" charset="-128"/>
-                <a:sym typeface="Iowan Old Style Roman"/>
-              </a:rPr>
-              <a:t>either</a:t>
-            </a:r>
-            <a:r>
-              <a:rPr lang="en-US" sz="2200" dirty="0" smtClean="0">
-                <a:solidFill>
-                  <a:schemeClr val="tx1"/>
-                </a:solidFill>
-                <a:uFill>
-                  <a:solidFill/>
-                </a:uFill>
-                <a:latin typeface="Arial Unicode MS" panose="020B0604020202020204" pitchFamily="34" charset="-128"/>
-                <a:ea typeface="Arial Unicode MS" panose="020B0604020202020204" pitchFamily="34" charset="-128"/>
-                <a:cs typeface="Arial Unicode MS" panose="020B0604020202020204" pitchFamily="34" charset="-128"/>
-                <a:sym typeface="Iowan Old Style Roman"/>
-              </a:rPr>
-              <a:t> of the two</a:t>
-            </a:r>
-            <a:r>
-              <a:rPr sz="2200" dirty="0" smtClean="0">
-                <a:solidFill>
-                  <a:schemeClr val="tx1"/>
-                </a:solidFill>
-                <a:uFill>
-                  <a:solidFill/>
-                </a:uFill>
-                <a:latin typeface="Arial Unicode MS" panose="020B0604020202020204" pitchFamily="34" charset="-128"/>
-                <a:ea typeface="Arial Unicode MS" panose="020B0604020202020204" pitchFamily="34" charset="-128"/>
-                <a:cs typeface="Arial Unicode MS" panose="020B0604020202020204" pitchFamily="34" charset="-128"/>
-                <a:sym typeface="Iowan Old Style Roman"/>
-              </a:rPr>
               <a:t> table</a:t>
             </a:r>
             <a:r>
-              <a:rPr lang="en-US" sz="2200" dirty="0" smtClean="0">
+              <a:rPr lang="en-US" sz="2200" dirty="0">
                 <a:solidFill>
                   <a:schemeClr val="tx1"/>
                 </a:solidFill>
@@ -12435,7 +12241,7 @@
               </a:defRPr>
             </a:pPr>
             <a:r>
-              <a:rPr lang="en-US" sz="2200" dirty="0" smtClean="0">
+              <a:rPr lang="en-US" sz="2200" dirty="0">
                 <a:solidFill>
                   <a:schemeClr val="tx1"/>
                 </a:solidFill>
@@ -12511,7 +12317,7 @@
           </a:ln>
           <a:extLst>
             <a:ext uri="{C572A759-6A51-4108-AA02-DFA0A04FC94B}">
-              <ma14:wrappingTextBoxFlag xmlns:ma14="http://schemas.microsoft.com/office/mac/drawingml/2011/main" xmlns="" val="1"/>
+              <ma14:wrappingTextBoxFlag xmlns="" xmlns:ma14="http://schemas.microsoft.com/office/mac/drawingml/2011/main" val="1"/>
             </a:ext>
           </a:extLst>
         </p:spPr>
@@ -12542,7 +12348,7 @@
             <a:r>
               <a:rPr sz="3000" b="1" dirty="0">
                 <a:solidFill>
-                  <a:schemeClr val="tx1"/>
+                  <a:srgbClr val="57068C"/>
                 </a:solidFill>
                 <a:uFill>
                   <a:solidFill>
@@ -12556,9 +12362,9 @@
               <a:t>Step </a:t>
             </a:r>
             <a:r>
-              <a:rPr lang="en-US" sz="3000" b="1" dirty="0" smtClean="0">
-                <a:solidFill>
-                  <a:schemeClr val="tx1"/>
+              <a:rPr lang="en-US" sz="3000" b="1" dirty="0">
+                <a:solidFill>
+                  <a:srgbClr val="57068C"/>
                 </a:solidFill>
                 <a:uFill>
                   <a:solidFill>
@@ -12572,9 +12378,9 @@
               <a:t>3</a:t>
             </a:r>
             <a:r>
-              <a:rPr sz="3000" b="1" dirty="0" smtClean="0">
-                <a:solidFill>
-                  <a:schemeClr val="tx1"/>
+              <a:rPr sz="3000" b="1" dirty="0">
+                <a:solidFill>
+                  <a:srgbClr val="57068C"/>
                 </a:solidFill>
                 <a:uFill>
                   <a:solidFill>
@@ -12585,23 +12391,7 @@
                 <a:ea typeface="Arial Unicode MS" panose="020B0604020202020204" pitchFamily="34" charset="-128"/>
                 <a:cs typeface="Arial Unicode MS" panose="020B0604020202020204" pitchFamily="34" charset="-128"/>
               </a:rPr>
-              <a:t>: </a:t>
-            </a:r>
-            <a:r>
-              <a:rPr sz="3000" b="1" dirty="0">
-                <a:solidFill>
-                  <a:schemeClr val="tx1"/>
-                </a:solidFill>
-                <a:uFill>
-                  <a:solidFill>
-                    <a:srgbClr val="FFFFFF"/>
-                  </a:solidFill>
-                </a:uFill>
-                <a:latin typeface="Arial Unicode MS" panose="020B0604020202020204" pitchFamily="34" charset="-128"/>
-                <a:ea typeface="Arial Unicode MS" panose="020B0604020202020204" pitchFamily="34" charset="-128"/>
-                <a:cs typeface="Arial Unicode MS" panose="020B0604020202020204" pitchFamily="34" charset="-128"/>
-              </a:rPr>
-              <a:t>Example</a:t>
+              <a:t>: Example</a:t>
             </a:r>
           </a:p>
         </p:txBody>
@@ -12699,7 +12489,7 @@
           </a:ln>
           <a:extLst>
             <a:ext uri="{C572A759-6A51-4108-AA02-DFA0A04FC94B}">
-              <ma14:wrappingTextBoxFlag xmlns:ma14="http://schemas.microsoft.com/office/mac/drawingml/2011/main" xmlns="" val="1"/>
+              <ma14:wrappingTextBoxFlag xmlns="" xmlns:ma14="http://schemas.microsoft.com/office/mac/drawingml/2011/main" val="1"/>
             </a:ext>
           </a:extLst>
         </p:spPr>
@@ -12932,7 +12722,7 @@
           </a:ln>
           <a:extLst>
             <a:ext uri="{C572A759-6A51-4108-AA02-DFA0A04FC94B}">
-              <ma14:wrappingTextBoxFlag xmlns:ma14="http://schemas.microsoft.com/office/mac/drawingml/2011/main" xmlns="" val="1"/>
+              <ma14:wrappingTextBoxFlag xmlns="" xmlns:ma14="http://schemas.microsoft.com/office/mac/drawingml/2011/main" val="1"/>
             </a:ext>
           </a:extLst>
         </p:spPr>
@@ -12963,7 +12753,7 @@
             <a:r>
               <a:rPr sz="3000" b="1" dirty="0">
                 <a:solidFill>
-                  <a:schemeClr val="tx1"/>
+                  <a:srgbClr val="57068C"/>
                 </a:solidFill>
                 <a:uFill>
                   <a:solidFill>
@@ -12977,9 +12767,9 @@
               <a:t>Step </a:t>
             </a:r>
             <a:r>
-              <a:rPr lang="en-US" sz="3000" b="1" dirty="0" smtClean="0">
-                <a:solidFill>
-                  <a:schemeClr val="tx1"/>
+              <a:rPr lang="en-US" sz="3000" b="1" dirty="0">
+                <a:solidFill>
+                  <a:srgbClr val="57068C"/>
                 </a:solidFill>
                 <a:uFill>
                   <a:solidFill>
@@ -12993,9 +12783,9 @@
               <a:t>4</a:t>
             </a:r>
             <a:r>
-              <a:rPr sz="3000" b="1" dirty="0" smtClean="0">
-                <a:solidFill>
-                  <a:schemeClr val="tx1"/>
+              <a:rPr sz="3000" b="1" dirty="0">
+                <a:solidFill>
+                  <a:srgbClr val="57068C"/>
                 </a:solidFill>
                 <a:uFill>
                   <a:solidFill>
@@ -13006,23 +12796,7 @@
                 <a:ea typeface="Arial Unicode MS" panose="020B0604020202020204" pitchFamily="34" charset="-128"/>
                 <a:cs typeface="Arial Unicode MS" panose="020B0604020202020204" pitchFamily="34" charset="-128"/>
               </a:rPr>
-              <a:t>: </a:t>
-            </a:r>
-            <a:r>
-              <a:rPr sz="3000" b="1" dirty="0">
-                <a:solidFill>
-                  <a:schemeClr val="tx1"/>
-                </a:solidFill>
-                <a:uFill>
-                  <a:solidFill>
-                    <a:srgbClr val="FFFFFF"/>
-                  </a:solidFill>
-                </a:uFill>
-                <a:latin typeface="Arial Unicode MS" panose="020B0604020202020204" pitchFamily="34" charset="-128"/>
-                <a:ea typeface="Arial Unicode MS" panose="020B0604020202020204" pitchFamily="34" charset="-128"/>
-                <a:cs typeface="Arial Unicode MS" panose="020B0604020202020204" pitchFamily="34" charset="-128"/>
-              </a:rPr>
-              <a:t>Many to many relationships</a:t>
+              <a:t>: Many to many relationships</a:t>
             </a:r>
           </a:p>
         </p:txBody>
@@ -13046,7 +12820,7 @@
           </a:ln>
           <a:extLst>
             <a:ext uri="{C572A759-6A51-4108-AA02-DFA0A04FC94B}">
-              <ma14:wrappingTextBoxFlag xmlns:ma14="http://schemas.microsoft.com/office/mac/drawingml/2011/main" xmlns="" val="1"/>
+              <ma14:wrappingTextBoxFlag xmlns="" xmlns:ma14="http://schemas.microsoft.com/office/mac/drawingml/2011/main" val="1"/>
             </a:ext>
           </a:extLst>
         </p:spPr>
@@ -13072,7 +12846,7 @@
               </a:defRPr>
             </a:pPr>
             <a:r>
-              <a:rPr lang="en-US" sz="2400" dirty="0" smtClean="0">
+              <a:rPr lang="en-US" sz="2400" dirty="0">
                 <a:solidFill>
                   <a:schemeClr val="tx1"/>
                 </a:solidFill>
@@ -13096,19 +12870,7 @@
                 <a:cs typeface="Arial Unicode MS" panose="020B0604020202020204" pitchFamily="34" charset="-128"/>
                 <a:sym typeface="Iowan Old Style Roman"/>
               </a:rPr>
-              <a:t>bridge </a:t>
-            </a:r>
-            <a:r>
-              <a:rPr lang="en-US" sz="2400" b="1" dirty="0" smtClean="0">
-                <a:solidFill>
-                  <a:schemeClr val="tx1"/>
-                </a:solidFill>
-                <a:latin typeface="Arial Unicode MS" panose="020B0604020202020204" pitchFamily="34" charset="-128"/>
-                <a:ea typeface="Arial Unicode MS" panose="020B0604020202020204" pitchFamily="34" charset="-128"/>
-                <a:cs typeface="Arial Unicode MS" panose="020B0604020202020204" pitchFamily="34" charset="-128"/>
-                <a:sym typeface="Iowan Old Style Roman"/>
-              </a:rPr>
-              <a:t>table</a:t>
+              <a:t>bridge table</a:t>
             </a:r>
             <a:r>
               <a:rPr lang="en-US" sz="2400" dirty="0">
@@ -13120,22 +12882,10 @@
                 <a:cs typeface="Arial Unicode MS" panose="020B0604020202020204" pitchFamily="34" charset="-128"/>
                 <a:sym typeface="Iowan Old Style Roman"/>
               </a:rPr>
-              <a:t> </a:t>
-            </a:r>
-            <a:r>
-              <a:rPr lang="en-US" sz="2400" dirty="0" smtClean="0">
-                <a:solidFill>
-                  <a:schemeClr val="tx1"/>
-                </a:solidFill>
-                <a:latin typeface="Arial Unicode MS" panose="020B0604020202020204" pitchFamily="34" charset="-128"/>
-                <a:ea typeface="Arial Unicode MS" panose="020B0604020202020204" pitchFamily="34" charset="-128"/>
-                <a:cs typeface="Arial Unicode MS" panose="020B0604020202020204" pitchFamily="34" charset="-128"/>
-                <a:sym typeface="Iowan Old Style Roman"/>
-              </a:rPr>
-              <a:t>(</a:t>
-            </a:r>
-            <a:r>
-              <a:rPr sz="2400" dirty="0" smtClean="0">
+              <a:t> (</a:t>
+            </a:r>
+            <a:r>
+              <a:rPr sz="2400" dirty="0">
                 <a:solidFill>
                   <a:schemeClr val="tx1"/>
                 </a:solidFill>
@@ -13147,40 +12897,10 @@
                 <a:cs typeface="Arial Unicode MS" panose="020B0604020202020204" pitchFamily="34" charset="-128"/>
                 <a:sym typeface="Iowan Old Style Roman"/>
               </a:rPr>
-              <a:t>Each </a:t>
-            </a:r>
-            <a:r>
-              <a:rPr sz="2400" dirty="0">
-                <a:solidFill>
-                  <a:schemeClr val="tx1"/>
-                </a:solidFill>
-                <a:uFill>
-                  <a:solidFill/>
-                </a:uFill>
-                <a:latin typeface="Arial Unicode MS" panose="020B0604020202020204" pitchFamily="34" charset="-128"/>
-                <a:ea typeface="Arial Unicode MS" panose="020B0604020202020204" pitchFamily="34" charset="-128"/>
-                <a:cs typeface="Arial Unicode MS" panose="020B0604020202020204" pitchFamily="34" charset="-128"/>
-                <a:sym typeface="Iowan Old Style Roman"/>
-              </a:rPr>
-              <a:t>Many-to-Many relationship becomes a separate </a:t>
-            </a:r>
-            <a:r>
-              <a:rPr sz="2400" dirty="0" smtClean="0">
-                <a:solidFill>
-                  <a:schemeClr val="tx1"/>
-                </a:solidFill>
-                <a:uFill>
-                  <a:solidFill/>
-                </a:uFill>
-                <a:latin typeface="Arial Unicode MS" panose="020B0604020202020204" pitchFamily="34" charset="-128"/>
-                <a:ea typeface="Arial Unicode MS" panose="020B0604020202020204" pitchFamily="34" charset="-128"/>
-                <a:cs typeface="Arial Unicode MS" panose="020B0604020202020204" pitchFamily="34" charset="-128"/>
-                <a:sym typeface="Iowan Old Style Roman"/>
-              </a:rPr>
-              <a:t>table</a:t>
-            </a:r>
-            <a:r>
-              <a:rPr lang="en-US" sz="2400" dirty="0" smtClean="0">
+              <a:t>Each Many-to-Many relationship becomes a separate table</a:t>
+            </a:r>
+            <a:r>
+              <a:rPr lang="en-US" sz="2400" dirty="0">
                 <a:solidFill>
                   <a:schemeClr val="tx1"/>
                 </a:solidFill>
@@ -13236,10 +12956,10 @@
                 <a:cs typeface="Arial Unicode MS" panose="020B0604020202020204" pitchFamily="34" charset="-128"/>
                 <a:sym typeface="Iowan Old Style Roman"/>
               </a:rPr>
-              <a:t>The primary key of </a:t>
-            </a:r>
-            <a:r>
-              <a:rPr sz="2400" dirty="0" smtClean="0">
+              <a:t>The primary key of the</a:t>
+            </a:r>
+            <a:r>
+              <a:rPr lang="en-US" sz="2400" dirty="0">
                 <a:solidFill>
                   <a:schemeClr val="tx1"/>
                 </a:solidFill>
@@ -13251,10 +12971,10 @@
                 <a:cs typeface="Arial Unicode MS" panose="020B0604020202020204" pitchFamily="34" charset="-128"/>
                 <a:sym typeface="Iowan Old Style Roman"/>
               </a:rPr>
-              <a:t>the</a:t>
-            </a:r>
-            <a:r>
-              <a:rPr lang="en-US" sz="2400" dirty="0" smtClean="0">
+              <a:t> bridge</a:t>
+            </a:r>
+            <a:r>
+              <a:rPr sz="2400" dirty="0">
                 <a:solidFill>
                   <a:schemeClr val="tx1"/>
                 </a:solidFill>
@@ -13266,37 +12986,7 @@
                 <a:cs typeface="Arial Unicode MS" panose="020B0604020202020204" pitchFamily="34" charset="-128"/>
                 <a:sym typeface="Iowan Old Style Roman"/>
               </a:rPr>
-              <a:t> bridge</a:t>
-            </a:r>
-            <a:r>
-              <a:rPr sz="2400" dirty="0" smtClean="0">
-                <a:solidFill>
-                  <a:schemeClr val="tx1"/>
-                </a:solidFill>
-                <a:uFill>
-                  <a:solidFill/>
-                </a:uFill>
-                <a:latin typeface="Arial Unicode MS" panose="020B0604020202020204" pitchFamily="34" charset="-128"/>
-                <a:ea typeface="Arial Unicode MS" panose="020B0604020202020204" pitchFamily="34" charset="-128"/>
-                <a:cs typeface="Arial Unicode MS" panose="020B0604020202020204" pitchFamily="34" charset="-128"/>
-                <a:sym typeface="Iowan Old Style Roman"/>
-              </a:rPr>
-              <a:t> </a:t>
-            </a:r>
-            <a:r>
-              <a:rPr sz="2400" dirty="0">
-                <a:solidFill>
-                  <a:schemeClr val="tx1"/>
-                </a:solidFill>
-                <a:uFill>
-                  <a:solidFill/>
-                </a:uFill>
-                <a:latin typeface="Arial Unicode MS" panose="020B0604020202020204" pitchFamily="34" charset="-128"/>
-                <a:ea typeface="Arial Unicode MS" panose="020B0604020202020204" pitchFamily="34" charset="-128"/>
-                <a:cs typeface="Arial Unicode MS" panose="020B0604020202020204" pitchFamily="34" charset="-128"/>
-                <a:sym typeface="Iowan Old Style Roman"/>
-              </a:rPr>
-              <a:t>table is the </a:t>
+              <a:t> table is the </a:t>
             </a:r>
             <a:r>
               <a:rPr sz="2400" b="1" i="1" dirty="0">
@@ -13346,7 +13036,7 @@
               </a:defRPr>
             </a:pPr>
             <a:r>
-              <a:rPr lang="en-US" sz="2400" dirty="0" smtClean="0">
+              <a:rPr lang="en-US" sz="2400" dirty="0">
                 <a:solidFill>
                   <a:schemeClr val="tx1"/>
                 </a:solidFill>
@@ -13361,7 +13051,7 @@
               <a:t>Each of the primary keys stored in the bridge table is a </a:t>
             </a:r>
             <a:r>
-              <a:rPr sz="2400" dirty="0" smtClean="0">
+              <a:rPr sz="2400" dirty="0">
                 <a:solidFill>
                   <a:schemeClr val="tx1"/>
                 </a:solidFill>
@@ -13376,7 +13066,7 @@
               <a:t>foreign key</a:t>
             </a:r>
             <a:r>
-              <a:rPr lang="en-US" sz="2400" dirty="0" smtClean="0">
+              <a:rPr lang="en-US" sz="2400" dirty="0">
                 <a:solidFill>
                   <a:schemeClr val="tx1"/>
                 </a:solidFill>
@@ -13455,7 +13145,7 @@
           </a:ln>
           <a:extLst>
             <a:ext uri="{C572A759-6A51-4108-AA02-DFA0A04FC94B}">
-              <ma14:wrappingTextBoxFlag xmlns:ma14="http://schemas.microsoft.com/office/mac/drawingml/2011/main" xmlns="" val="1"/>
+              <ma14:wrappingTextBoxFlag xmlns="" xmlns:ma14="http://schemas.microsoft.com/office/mac/drawingml/2011/main" val="1"/>
             </a:ext>
           </a:extLst>
         </p:spPr>
@@ -13486,7 +13176,7 @@
             <a:r>
               <a:rPr sz="3000" b="1" dirty="0">
                 <a:solidFill>
-                  <a:schemeClr val="tx1"/>
+                  <a:srgbClr val="57068C"/>
                 </a:solidFill>
                 <a:uFill>
                   <a:solidFill>
@@ -13500,9 +13190,9 @@
               <a:t>Step </a:t>
             </a:r>
             <a:r>
-              <a:rPr lang="en-US" sz="3000" b="1" dirty="0" smtClean="0">
-                <a:solidFill>
-                  <a:schemeClr val="tx1"/>
+              <a:rPr lang="en-US" sz="3000" b="1" dirty="0">
+                <a:solidFill>
+                  <a:srgbClr val="57068C"/>
                 </a:solidFill>
                 <a:uFill>
                   <a:solidFill>
@@ -13516,9 +13206,9 @@
               <a:t>4</a:t>
             </a:r>
             <a:r>
-              <a:rPr sz="3000" b="1" dirty="0" smtClean="0">
-                <a:solidFill>
-                  <a:schemeClr val="tx1"/>
+              <a:rPr sz="3000" b="1" dirty="0">
+                <a:solidFill>
+                  <a:srgbClr val="57068C"/>
                 </a:solidFill>
                 <a:uFill>
                   <a:solidFill>
@@ -13529,23 +13219,7 @@
                 <a:ea typeface="Arial Unicode MS" panose="020B0604020202020204" pitchFamily="34" charset="-128"/>
                 <a:cs typeface="Arial Unicode MS" panose="020B0604020202020204" pitchFamily="34" charset="-128"/>
               </a:rPr>
-              <a:t>: </a:t>
-            </a:r>
-            <a:r>
-              <a:rPr sz="3000" b="1" dirty="0">
-                <a:solidFill>
-                  <a:schemeClr val="tx1"/>
-                </a:solidFill>
-                <a:uFill>
-                  <a:solidFill>
-                    <a:srgbClr val="FFFFFF"/>
-                  </a:solidFill>
-                </a:uFill>
-                <a:latin typeface="Arial Unicode MS" panose="020B0604020202020204" pitchFamily="34" charset="-128"/>
-                <a:ea typeface="Arial Unicode MS" panose="020B0604020202020204" pitchFamily="34" charset="-128"/>
-                <a:cs typeface="Arial Unicode MS" panose="020B0604020202020204" pitchFamily="34" charset="-128"/>
-              </a:rPr>
-              <a:t>Example</a:t>
+              <a:t>: Example</a:t>
             </a:r>
           </a:p>
         </p:txBody>
@@ -13569,7 +13243,7 @@
           </a:ln>
           <a:extLst>
             <a:ext uri="{C572A759-6A51-4108-AA02-DFA0A04FC94B}">
-              <ma14:wrappingTextBoxFlag xmlns:ma14="http://schemas.microsoft.com/office/mac/drawingml/2011/main" xmlns="" val="1"/>
+              <ma14:wrappingTextBoxFlag xmlns="" xmlns:ma14="http://schemas.microsoft.com/office/mac/drawingml/2011/main" val="1"/>
             </a:ext>
           </a:extLst>
         </p:spPr>
@@ -15472,7 +15146,7 @@
           </a:ln>
           <a:extLst>
             <a:ext uri="{C572A759-6A51-4108-AA02-DFA0A04FC94B}">
-              <ma14:wrappingTextBoxFlag xmlns:ma14="http://schemas.microsoft.com/office/mac/drawingml/2011/main" xmlns="" val="1"/>
+              <ma14:wrappingTextBoxFlag xmlns="" xmlns:ma14="http://schemas.microsoft.com/office/mac/drawingml/2011/main" val="1"/>
             </a:ext>
           </a:extLst>
         </p:spPr>
@@ -15503,7 +15177,7 @@
             <a:r>
               <a:rPr sz="3000" b="1" dirty="0">
                 <a:solidFill>
-                  <a:schemeClr val="tx1"/>
+                  <a:srgbClr val="57068C"/>
                 </a:solidFill>
                 <a:uFill>
                   <a:solidFill>
@@ -15538,7 +15212,7 @@
           </a:ln>
           <a:extLst>
             <a:ext uri="{C572A759-6A51-4108-AA02-DFA0A04FC94B}">
-              <ma14:wrappingTextBoxFlag xmlns:ma14="http://schemas.microsoft.com/office/mac/drawingml/2011/main" xmlns="" val="1"/>
+              <ma14:wrappingTextBoxFlag xmlns="" xmlns:ma14="http://schemas.microsoft.com/office/mac/drawingml/2011/main" val="1"/>
             </a:ext>
           </a:extLst>
         </p:spPr>
@@ -15595,7 +15269,7 @@
                 <a:uFillTx/>
               </a:defRPr>
             </a:pPr>
-            <a:endParaRPr lang="en-US" sz="2600" dirty="0" smtClean="0">
+            <a:endParaRPr lang="en-US" sz="2600" dirty="0">
               <a:solidFill>
                 <a:schemeClr val="tx1"/>
               </a:solidFill>
@@ -15625,7 +15299,7 @@
               </a:defRPr>
             </a:pPr>
             <a:r>
-              <a:rPr sz="2600" dirty="0" smtClean="0">
+              <a:rPr sz="2600" dirty="0">
                 <a:solidFill>
                   <a:schemeClr val="tx1"/>
                 </a:solidFill>
@@ -15637,39 +15311,9 @@
                 <a:cs typeface="Arial Unicode MS" panose="020B0604020202020204" pitchFamily="34" charset="-128"/>
                 <a:sym typeface="Iowan Old Style Roman"/>
               </a:rPr>
-              <a:t>Application </a:t>
-            </a:r>
-            <a:r>
-              <a:rPr sz="2600" dirty="0">
-                <a:solidFill>
-                  <a:schemeClr val="tx1"/>
-                </a:solidFill>
-                <a:uFill>
-                  <a:solidFill/>
-                </a:uFill>
-                <a:latin typeface="Arial Unicode MS" panose="020B0604020202020204" pitchFamily="34" charset="-128"/>
-                <a:ea typeface="Arial Unicode MS" panose="020B0604020202020204" pitchFamily="34" charset="-128"/>
-                <a:cs typeface="Arial Unicode MS" panose="020B0604020202020204" pitchFamily="34" charset="-128"/>
-                <a:sym typeface="Iowan Old Style Roman"/>
-              </a:rPr>
-              <a:t>of the procedure for designing a DB for water-utility </a:t>
-            </a:r>
-            <a:r>
-              <a:rPr sz="2600" dirty="0" smtClean="0">
-                <a:solidFill>
-                  <a:schemeClr val="tx1"/>
-                </a:solidFill>
-                <a:uFill>
-                  <a:solidFill/>
-                </a:uFill>
-                <a:latin typeface="Arial Unicode MS" panose="020B0604020202020204" pitchFamily="34" charset="-128"/>
-                <a:ea typeface="Arial Unicode MS" panose="020B0604020202020204" pitchFamily="34" charset="-128"/>
-                <a:cs typeface="Arial Unicode MS" panose="020B0604020202020204" pitchFamily="34" charset="-128"/>
-                <a:sym typeface="Iowan Old Style Roman"/>
-              </a:rPr>
-              <a:t>company</a:t>
-            </a:r>
-            <a:endParaRPr lang="en-US" sz="2600" dirty="0" smtClean="0">
+              <a:t>Application of the procedure for designing a DB for water-utility company</a:t>
+            </a:r>
+            <a:endParaRPr lang="en-US" sz="2600" dirty="0">
               <a:solidFill>
                 <a:schemeClr val="tx1"/>
               </a:solidFill>
@@ -15728,7 +15372,7 @@
               </a:defRPr>
             </a:pPr>
             <a:r>
-              <a:rPr lang="en-US" sz="2600" dirty="0" smtClean="0">
+              <a:rPr lang="en-US" sz="2600" dirty="0">
                 <a:solidFill>
                   <a:schemeClr val="tx1"/>
                 </a:solidFill>
@@ -15743,7 +15387,7 @@
               <a:t>Common </a:t>
             </a:r>
             <a:r>
-              <a:rPr sz="2600" dirty="0" smtClean="0">
+              <a:rPr sz="2600" dirty="0">
                 <a:solidFill>
                   <a:schemeClr val="tx1"/>
                 </a:solidFill>
@@ -15758,7 +15402,7 @@
               <a:t>problems </a:t>
             </a:r>
             <a:r>
-              <a:rPr lang="en-US" sz="2600" dirty="0" smtClean="0">
+              <a:rPr lang="en-US" sz="2600" dirty="0">
                 <a:solidFill>
                   <a:schemeClr val="tx1"/>
                 </a:solidFill>
@@ -15773,7 +15417,7 @@
               <a:t>during </a:t>
             </a:r>
             <a:r>
-              <a:rPr sz="2600" dirty="0" smtClean="0">
+              <a:rPr sz="2600" dirty="0">
                 <a:solidFill>
                   <a:schemeClr val="tx1"/>
                 </a:solidFill>
@@ -15785,22 +15429,7 @@
                 <a:cs typeface="Arial Unicode MS" panose="020B0604020202020204" pitchFamily="34" charset="-128"/>
                 <a:sym typeface="Iowan Old Style Roman"/>
               </a:rPr>
-              <a:t>ER </a:t>
-            </a:r>
-            <a:r>
-              <a:rPr sz="2600" dirty="0">
-                <a:solidFill>
-                  <a:schemeClr val="tx1"/>
-                </a:solidFill>
-                <a:uFill>
-                  <a:solidFill/>
-                </a:uFill>
-                <a:latin typeface="Arial Unicode MS" panose="020B0604020202020204" pitchFamily="34" charset="-128"/>
-                <a:ea typeface="Arial Unicode MS" panose="020B0604020202020204" pitchFamily="34" charset="-128"/>
-                <a:cs typeface="Arial Unicode MS" panose="020B0604020202020204" pitchFamily="34" charset="-128"/>
-                <a:sym typeface="Iowan Old Style Roman"/>
-              </a:rPr>
-              <a:t>Design</a:t>
+              <a:t>ER Design</a:t>
             </a:r>
           </a:p>
           <a:p>
@@ -15884,7 +15513,7 @@
           </a:ln>
           <a:extLst>
             <a:ext uri="{C572A759-6A51-4108-AA02-DFA0A04FC94B}">
-              <ma14:wrappingTextBoxFlag xmlns:ma14="http://schemas.microsoft.com/office/mac/drawingml/2011/main" xmlns="" val="1"/>
+              <ma14:wrappingTextBoxFlag xmlns="" xmlns:ma14="http://schemas.microsoft.com/office/mac/drawingml/2011/main" val="1"/>
             </a:ext>
           </a:extLst>
         </p:spPr>
@@ -15915,7 +15544,7 @@
             <a:r>
               <a:rPr sz="3000" b="1" dirty="0">
                 <a:solidFill>
-                  <a:schemeClr val="tx1"/>
+                  <a:srgbClr val="57068C"/>
                 </a:solidFill>
                 <a:uFill>
                   <a:solidFill>
@@ -15950,7 +15579,7 @@
           </a:ln>
           <a:extLst>
             <a:ext uri="{C572A759-6A51-4108-AA02-DFA0A04FC94B}">
-              <ma14:wrappingTextBoxFlag xmlns:ma14="http://schemas.microsoft.com/office/mac/drawingml/2011/main" xmlns="" val="1"/>
+              <ma14:wrappingTextBoxFlag xmlns="" xmlns:ma14="http://schemas.microsoft.com/office/mac/drawingml/2011/main" val="1"/>
             </a:ext>
           </a:extLst>
         </p:spPr>
@@ -16984,10 +16613,13 @@
           <a:lstStyle/>
           <a:p>
             <a:r>
-              <a:rPr lang="en-US" dirty="0" smtClean="0"/>
+              <a:rPr lang="en-US" dirty="0">
+                <a:solidFill>
+                  <a:srgbClr val="57068C"/>
+                </a:solidFill>
+              </a:rPr>
               <a:t>Creating Tables in SQL</a:t>
             </a:r>
-            <a:endParaRPr lang="en-US" dirty="0"/>
           </a:p>
         </p:txBody>
       </p:sp>
@@ -17001,14 +16633,6 @@
   <p:clrMapOvr>
     <a:masterClrMapping/>
   </p:clrMapOvr>
-  <mc:AlternateContent xmlns:mc="http://schemas.openxmlformats.org/markup-compatibility/2006" xmlns:p14="http://schemas.microsoft.com/office/powerpoint/2010/main">
-    <mc:Choice Requires="p14">
-      <p:transition spd="slow" p14:dur="2000"/>
-    </mc:Choice>
-    <mc:Fallback xmlns="">
-      <p:transition spd="slow"/>
-    </mc:Fallback>
-  </mc:AlternateContent>
 </p:sld>
 </file>
 
@@ -17048,7 +16672,7 @@
           </a:ln>
           <a:extLst>
             <a:ext uri="{C572A759-6A51-4108-AA02-DFA0A04FC94B}">
-              <ma14:wrappingTextBoxFlag xmlns:ma14="http://schemas.microsoft.com/office/mac/drawingml/2011/main" xmlns="" val="1"/>
+              <ma14:wrappingTextBoxFlag xmlns="" xmlns:ma14="http://schemas.microsoft.com/office/mac/drawingml/2011/main" val="1"/>
             </a:ext>
           </a:extLst>
         </p:spPr>
@@ -17077,9 +16701,9 @@
               </a:defRPr>
             </a:pPr>
             <a:r>
-              <a:rPr lang="en-US" sz="3000" b="1" dirty="0" smtClean="0">
-                <a:solidFill>
-                  <a:schemeClr val="tx1"/>
+              <a:rPr lang="en-US" sz="3000" b="1" dirty="0">
+                <a:solidFill>
+                  <a:srgbClr val="57068C"/>
                 </a:solidFill>
                 <a:uFill>
                   <a:solidFill>
@@ -17094,7 +16718,7 @@
             </a:r>
             <a:endParaRPr sz="3000" b="1" dirty="0">
               <a:solidFill>
-                <a:schemeClr val="tx1"/>
+                <a:srgbClr val="57068C"/>
               </a:solidFill>
               <a:uFill>
                 <a:solidFill>
@@ -17127,7 +16751,7 @@
           </a:ln>
           <a:extLst>
             <a:ext uri="{C572A759-6A51-4108-AA02-DFA0A04FC94B}">
-              <ma14:wrappingTextBoxFlag xmlns:ma14="http://schemas.microsoft.com/office/mac/drawingml/2011/main" xmlns="" val="1"/>
+              <ma14:wrappingTextBoxFlag xmlns="" xmlns:ma14="http://schemas.microsoft.com/office/mac/drawingml/2011/main" val="1"/>
             </a:ext>
           </a:extLst>
         </p:spPr>
@@ -17410,7 +17034,7 @@
               </a:rPr>
               <a:t>);</a:t>
             </a:r>
-            <a:endParaRPr lang="en-US" sz="2600" dirty="0" smtClean="0">
+            <a:endParaRPr lang="en-US" sz="2600" dirty="0">
               <a:solidFill>
                 <a:schemeClr val="tx1"/>
               </a:solidFill>
@@ -17475,7 +17099,7 @@
           </a:ln>
           <a:extLst>
             <a:ext uri="{C572A759-6A51-4108-AA02-DFA0A04FC94B}">
-              <ma14:wrappingTextBoxFlag xmlns:ma14="http://schemas.microsoft.com/office/mac/drawingml/2011/main" xmlns="" val="1"/>
+              <ma14:wrappingTextBoxFlag xmlns="" xmlns:ma14="http://schemas.microsoft.com/office/mac/drawingml/2011/main" val="1"/>
             </a:ext>
           </a:extLst>
         </p:spPr>
@@ -17504,9 +17128,9 @@
               </a:defRPr>
             </a:pPr>
             <a:r>
-              <a:rPr lang="en-US" sz="3000" b="1" dirty="0" smtClean="0">
-                <a:solidFill>
-                  <a:schemeClr val="tx1"/>
+              <a:rPr lang="en-US" sz="3000" b="1" dirty="0">
+                <a:solidFill>
+                  <a:srgbClr val="57068C"/>
                 </a:solidFill>
                 <a:uFill>
                   <a:solidFill>
@@ -17521,7 +17145,7 @@
             </a:r>
             <a:endParaRPr sz="3000" b="1" dirty="0">
               <a:solidFill>
-                <a:schemeClr val="tx1"/>
+                <a:srgbClr val="57068C"/>
               </a:solidFill>
               <a:uFill>
                 <a:solidFill>
@@ -17554,7 +17178,7 @@
           </a:ln>
           <a:extLst>
             <a:ext uri="{C572A759-6A51-4108-AA02-DFA0A04FC94B}">
-              <ma14:wrappingTextBoxFlag xmlns:ma14="http://schemas.microsoft.com/office/mac/drawingml/2011/main" xmlns="" val="1"/>
+              <ma14:wrappingTextBoxFlag xmlns="" xmlns:ma14="http://schemas.microsoft.com/office/mac/drawingml/2011/main" val="1"/>
             </a:ext>
           </a:extLst>
         </p:spPr>
@@ -17588,20 +17212,8 @@
               </a:rPr>
               <a:t>CREATE TABLE Rate </a:t>
             </a:r>
-            <a:r>
-              <a:rPr lang="en-US" sz="2600" dirty="0" smtClean="0">
-                <a:solidFill>
-                  <a:schemeClr val="tx1"/>
-                </a:solidFill>
-                <a:latin typeface="Arial Unicode MS" panose="020B0604020202020204" pitchFamily="34" charset="-128"/>
-                <a:ea typeface="Arial Unicode MS" panose="020B0604020202020204" pitchFamily="34" charset="-128"/>
-                <a:cs typeface="Arial Unicode MS" panose="020B0604020202020204" pitchFamily="34" charset="-128"/>
-                <a:sym typeface="Iowan Old Style Roman"/>
-              </a:rPr>
-              <a:t/>
-            </a:r>
             <a:br>
-              <a:rPr lang="en-US" sz="2600" dirty="0" smtClean="0">
+              <a:rPr lang="en-US" sz="2600" dirty="0">
                 <a:solidFill>
                   <a:schemeClr val="tx1"/>
                 </a:solidFill>
@@ -17612,7 +17224,7 @@
               </a:rPr>
             </a:br>
             <a:r>
-              <a:rPr lang="en-US" sz="2600" dirty="0" smtClean="0">
+              <a:rPr lang="en-US" sz="2600" dirty="0">
                 <a:solidFill>
                   <a:schemeClr val="tx1"/>
                 </a:solidFill>
@@ -17624,7 +17236,7 @@
               <a:t>(</a:t>
             </a:r>
             <a:br>
-              <a:rPr lang="en-US" sz="2600" dirty="0" smtClean="0">
+              <a:rPr lang="en-US" sz="2600" dirty="0">
                 <a:solidFill>
                   <a:schemeClr val="tx1"/>
                 </a:solidFill>
@@ -17635,18 +17247,6 @@
               </a:rPr>
             </a:br>
             <a:r>
-              <a:rPr lang="en-US" sz="2600" dirty="0" smtClean="0">
-                <a:solidFill>
-                  <a:schemeClr val="tx1"/>
-                </a:solidFill>
-                <a:latin typeface="Arial Unicode MS" panose="020B0604020202020204" pitchFamily="34" charset="-128"/>
-                <a:ea typeface="Arial Unicode MS" panose="020B0604020202020204" pitchFamily="34" charset="-128"/>
-                <a:cs typeface="Arial Unicode MS" panose="020B0604020202020204" pitchFamily="34" charset="-128"/>
-                <a:sym typeface="Iowan Old Style Roman"/>
-              </a:rPr>
-              <a:t>id </a:t>
-            </a:r>
-            <a:r>
               <a:rPr lang="en-US" sz="2600" dirty="0">
                 <a:solidFill>
                   <a:schemeClr val="tx1"/>
@@ -17656,22 +17256,10 @@
                 <a:cs typeface="Arial Unicode MS" panose="020B0604020202020204" pitchFamily="34" charset="-128"/>
                 <a:sym typeface="Iowan Old Style Roman"/>
               </a:rPr>
-              <a:t>INT</a:t>
-            </a:r>
-            <a:r>
-              <a:rPr lang="en-US" sz="2600" dirty="0" smtClean="0">
-                <a:solidFill>
-                  <a:schemeClr val="tx1"/>
-                </a:solidFill>
-                <a:latin typeface="Arial Unicode MS" panose="020B0604020202020204" pitchFamily="34" charset="-128"/>
-                <a:ea typeface="Arial Unicode MS" panose="020B0604020202020204" pitchFamily="34" charset="-128"/>
-                <a:cs typeface="Arial Unicode MS" panose="020B0604020202020204" pitchFamily="34" charset="-128"/>
-                <a:sym typeface="Iowan Old Style Roman"/>
-              </a:rPr>
-              <a:t>,</a:t>
+              <a:t>id INT,</a:t>
             </a:r>
             <a:br>
-              <a:rPr lang="en-US" sz="2600" dirty="0" smtClean="0">
+              <a:rPr lang="en-US" sz="2600" dirty="0">
                 <a:solidFill>
                   <a:schemeClr val="tx1"/>
                 </a:solidFill>
@@ -17682,18 +17270,6 @@
               </a:rPr>
             </a:br>
             <a:r>
-              <a:rPr lang="en-US" sz="2600" dirty="0" smtClean="0">
-                <a:solidFill>
-                  <a:schemeClr val="tx1"/>
-                </a:solidFill>
-                <a:latin typeface="Arial Unicode MS" panose="020B0604020202020204" pitchFamily="34" charset="-128"/>
-                <a:ea typeface="Arial Unicode MS" panose="020B0604020202020204" pitchFamily="34" charset="-128"/>
-                <a:cs typeface="Arial Unicode MS" panose="020B0604020202020204" pitchFamily="34" charset="-128"/>
-                <a:sym typeface="Iowan Old Style Roman"/>
-              </a:rPr>
-              <a:t>name </a:t>
-            </a:r>
-            <a:r>
               <a:rPr lang="en-US" sz="2600" dirty="0">
                 <a:solidFill>
                   <a:schemeClr val="tx1"/>
@@ -17703,22 +17279,10 @@
                 <a:cs typeface="Arial Unicode MS" panose="020B0604020202020204" pitchFamily="34" charset="-128"/>
                 <a:sym typeface="Iowan Old Style Roman"/>
               </a:rPr>
-              <a:t>VARCHAR(20</a:t>
-            </a:r>
-            <a:r>
-              <a:rPr lang="en-US" sz="2600" dirty="0" smtClean="0">
-                <a:solidFill>
-                  <a:schemeClr val="tx1"/>
-                </a:solidFill>
-                <a:latin typeface="Arial Unicode MS" panose="020B0604020202020204" pitchFamily="34" charset="-128"/>
-                <a:ea typeface="Arial Unicode MS" panose="020B0604020202020204" pitchFamily="34" charset="-128"/>
-                <a:cs typeface="Arial Unicode MS" panose="020B0604020202020204" pitchFamily="34" charset="-128"/>
-                <a:sym typeface="Iowan Old Style Roman"/>
-              </a:rPr>
-              <a:t>),</a:t>
+              <a:t>name VARCHAR(20),</a:t>
             </a:r>
             <a:br>
-              <a:rPr lang="en-US" sz="2600" dirty="0" smtClean="0">
+              <a:rPr lang="en-US" sz="2600" dirty="0">
                 <a:solidFill>
                   <a:schemeClr val="tx1"/>
                 </a:solidFill>
@@ -17729,18 +17293,6 @@
               </a:rPr>
             </a:br>
             <a:r>
-              <a:rPr lang="en-US" sz="2600" dirty="0" smtClean="0">
-                <a:solidFill>
-                  <a:schemeClr val="tx1"/>
-                </a:solidFill>
-                <a:latin typeface="Arial Unicode MS" panose="020B0604020202020204" pitchFamily="34" charset="-128"/>
-                <a:ea typeface="Arial Unicode MS" panose="020B0604020202020204" pitchFamily="34" charset="-128"/>
-                <a:cs typeface="Arial Unicode MS" panose="020B0604020202020204" pitchFamily="34" charset="-128"/>
-                <a:sym typeface="Iowan Old Style Roman"/>
-              </a:rPr>
-              <a:t>price </a:t>
-            </a:r>
-            <a:r>
               <a:rPr lang="en-US" sz="2600" dirty="0">
                 <a:solidFill>
                   <a:schemeClr val="tx1"/>
@@ -17750,22 +17302,10 @@
                 <a:cs typeface="Arial Unicode MS" panose="020B0604020202020204" pitchFamily="34" charset="-128"/>
                 <a:sym typeface="Iowan Old Style Roman"/>
               </a:rPr>
-              <a:t>FLOAT</a:t>
-            </a:r>
-            <a:r>
-              <a:rPr lang="en-US" sz="2600" dirty="0" smtClean="0">
-                <a:solidFill>
-                  <a:schemeClr val="tx1"/>
-                </a:solidFill>
-                <a:latin typeface="Arial Unicode MS" panose="020B0604020202020204" pitchFamily="34" charset="-128"/>
-                <a:ea typeface="Arial Unicode MS" panose="020B0604020202020204" pitchFamily="34" charset="-128"/>
-                <a:cs typeface="Arial Unicode MS" panose="020B0604020202020204" pitchFamily="34" charset="-128"/>
-                <a:sym typeface="Iowan Old Style Roman"/>
-              </a:rPr>
-              <a:t>,</a:t>
+              <a:t>price FLOAT,</a:t>
             </a:r>
             <a:br>
-              <a:rPr lang="en-US" sz="2600" dirty="0" smtClean="0">
+              <a:rPr lang="en-US" sz="2600" dirty="0">
                 <a:solidFill>
                   <a:schemeClr val="tx1"/>
                 </a:solidFill>
@@ -17776,7 +17316,7 @@
               </a:rPr>
             </a:br>
             <a:r>
-              <a:rPr lang="en-US" sz="2600" dirty="0" err="1" smtClean="0">
+              <a:rPr lang="en-US" sz="2600" dirty="0" err="1">
                 <a:solidFill>
                   <a:schemeClr val="tx1"/>
                 </a:solidFill>
@@ -17788,7 +17328,7 @@
               <a:t>startdate</a:t>
             </a:r>
             <a:r>
-              <a:rPr lang="en-US" sz="2600" dirty="0" smtClean="0">
+              <a:rPr lang="en-US" sz="2600" dirty="0">
                 <a:solidFill>
                   <a:schemeClr val="tx1"/>
                 </a:solidFill>
@@ -17800,7 +17340,7 @@
               <a:t> DATE</a:t>
             </a:r>
             <a:br>
-              <a:rPr lang="en-US" sz="2600" dirty="0" smtClean="0">
+              <a:rPr lang="en-US" sz="2600" dirty="0">
                 <a:solidFill>
                   <a:schemeClr val="tx1"/>
                 </a:solidFill>
@@ -17811,7 +17351,7 @@
               </a:rPr>
             </a:br>
             <a:r>
-              <a:rPr lang="en-US" sz="2600" dirty="0" smtClean="0">
+              <a:rPr lang="en-US" sz="2600" dirty="0">
                 <a:solidFill>
                   <a:schemeClr val="tx1"/>
                 </a:solidFill>
@@ -17822,7 +17362,7 @@
               </a:rPr>
               <a:t>);</a:t>
             </a:r>
-            <a:endParaRPr lang="en-US" sz="2600" dirty="0" smtClean="0">
+            <a:endParaRPr lang="en-US" sz="2600" dirty="0">
               <a:solidFill>
                 <a:schemeClr val="tx1"/>
               </a:solidFill>
@@ -17887,7 +17427,7 @@
           </a:ln>
           <a:extLst>
             <a:ext uri="{C572A759-6A51-4108-AA02-DFA0A04FC94B}">
-              <ma14:wrappingTextBoxFlag xmlns:ma14="http://schemas.microsoft.com/office/mac/drawingml/2011/main" xmlns="" val="1"/>
+              <ma14:wrappingTextBoxFlag xmlns="" xmlns:ma14="http://schemas.microsoft.com/office/mac/drawingml/2011/main" val="1"/>
             </a:ext>
           </a:extLst>
         </p:spPr>
@@ -17916,9 +17456,9 @@
               </a:defRPr>
             </a:pPr>
             <a:r>
-              <a:rPr lang="en-US" sz="3000" b="1" dirty="0" smtClean="0">
-                <a:solidFill>
-                  <a:schemeClr val="tx1"/>
+              <a:rPr lang="en-US" sz="3000" b="1" dirty="0">
+                <a:solidFill>
+                  <a:srgbClr val="57068C"/>
                 </a:solidFill>
                 <a:uFill>
                   <a:solidFill>
@@ -17933,7 +17473,7 @@
             </a:r>
             <a:endParaRPr sz="3000" b="1" dirty="0">
               <a:solidFill>
-                <a:schemeClr val="tx1"/>
+                <a:srgbClr val="57068C"/>
               </a:solidFill>
               <a:uFill>
                 <a:solidFill>
@@ -17966,7 +17506,7 @@
           </a:ln>
           <a:extLst>
             <a:ext uri="{C572A759-6A51-4108-AA02-DFA0A04FC94B}">
-              <ma14:wrappingTextBoxFlag xmlns:ma14="http://schemas.microsoft.com/office/mac/drawingml/2011/main" xmlns="" val="1"/>
+              <ma14:wrappingTextBoxFlag xmlns="" xmlns:ma14="http://schemas.microsoft.com/office/mac/drawingml/2011/main" val="1"/>
             </a:ext>
           </a:extLst>
         </p:spPr>
@@ -18000,20 +17540,8 @@
               </a:rPr>
               <a:t>CREATE TABLE Rate </a:t>
             </a:r>
-            <a:r>
-              <a:rPr lang="en-US" sz="2600" dirty="0" smtClean="0">
-                <a:solidFill>
-                  <a:schemeClr val="tx1"/>
-                </a:solidFill>
-                <a:latin typeface="Arial Unicode MS" panose="020B0604020202020204" pitchFamily="34" charset="-128"/>
-                <a:ea typeface="Arial Unicode MS" panose="020B0604020202020204" pitchFamily="34" charset="-128"/>
-                <a:cs typeface="Arial Unicode MS" panose="020B0604020202020204" pitchFamily="34" charset="-128"/>
-                <a:sym typeface="Iowan Old Style Roman"/>
-              </a:rPr>
-              <a:t/>
-            </a:r>
             <a:br>
-              <a:rPr lang="en-US" sz="2600" dirty="0" smtClean="0">
+              <a:rPr lang="en-US" sz="2600" dirty="0">
                 <a:solidFill>
                   <a:schemeClr val="tx1"/>
                 </a:solidFill>
@@ -18024,7 +17552,7 @@
               </a:rPr>
             </a:br>
             <a:r>
-              <a:rPr lang="en-US" sz="2600" dirty="0" smtClean="0">
+              <a:rPr lang="en-US" sz="2600" dirty="0">
                 <a:solidFill>
                   <a:schemeClr val="tx1"/>
                 </a:solidFill>
@@ -18036,7 +17564,7 @@
               <a:t>(</a:t>
             </a:r>
             <a:br>
-              <a:rPr lang="en-US" sz="2600" dirty="0" smtClean="0">
+              <a:rPr lang="en-US" sz="2600" dirty="0">
                 <a:solidFill>
                   <a:schemeClr val="tx1"/>
                 </a:solidFill>
@@ -18047,18 +17575,6 @@
               </a:rPr>
             </a:br>
             <a:r>
-              <a:rPr lang="en-US" sz="2600" dirty="0" smtClean="0">
-                <a:solidFill>
-                  <a:schemeClr val="tx1"/>
-                </a:solidFill>
-                <a:latin typeface="Arial Unicode MS" panose="020B0604020202020204" pitchFamily="34" charset="-128"/>
-                <a:ea typeface="Arial Unicode MS" panose="020B0604020202020204" pitchFamily="34" charset="-128"/>
-                <a:cs typeface="Arial Unicode MS" panose="020B0604020202020204" pitchFamily="34" charset="-128"/>
-                <a:sym typeface="Iowan Old Style Roman"/>
-              </a:rPr>
-              <a:t>id </a:t>
-            </a:r>
-            <a:r>
               <a:rPr lang="en-US" sz="2600" dirty="0">
                 <a:solidFill>
                   <a:schemeClr val="tx1"/>
@@ -18068,22 +17584,10 @@
                 <a:cs typeface="Arial Unicode MS" panose="020B0604020202020204" pitchFamily="34" charset="-128"/>
                 <a:sym typeface="Iowan Old Style Roman"/>
               </a:rPr>
-              <a:t>INT</a:t>
-            </a:r>
-            <a:r>
-              <a:rPr lang="en-US" sz="2600" dirty="0" smtClean="0">
-                <a:solidFill>
-                  <a:schemeClr val="tx1"/>
-                </a:solidFill>
-                <a:latin typeface="Arial Unicode MS" panose="020B0604020202020204" pitchFamily="34" charset="-128"/>
-                <a:ea typeface="Arial Unicode MS" panose="020B0604020202020204" pitchFamily="34" charset="-128"/>
-                <a:cs typeface="Arial Unicode MS" panose="020B0604020202020204" pitchFamily="34" charset="-128"/>
-                <a:sym typeface="Iowan Old Style Roman"/>
-              </a:rPr>
-              <a:t>,</a:t>
+              <a:t>id INT,</a:t>
             </a:r>
             <a:br>
-              <a:rPr lang="en-US" sz="2600" dirty="0" smtClean="0">
+              <a:rPr lang="en-US" sz="2600" dirty="0">
                 <a:solidFill>
                   <a:schemeClr val="tx1"/>
                 </a:solidFill>
@@ -18094,18 +17598,6 @@
               </a:rPr>
             </a:br>
             <a:r>
-              <a:rPr lang="en-US" sz="2600" dirty="0" smtClean="0">
-                <a:solidFill>
-                  <a:schemeClr val="tx1"/>
-                </a:solidFill>
-                <a:latin typeface="Arial Unicode MS" panose="020B0604020202020204" pitchFamily="34" charset="-128"/>
-                <a:ea typeface="Arial Unicode MS" panose="020B0604020202020204" pitchFamily="34" charset="-128"/>
-                <a:cs typeface="Arial Unicode MS" panose="020B0604020202020204" pitchFamily="34" charset="-128"/>
-                <a:sym typeface="Iowan Old Style Roman"/>
-              </a:rPr>
-              <a:t>name </a:t>
-            </a:r>
-            <a:r>
               <a:rPr lang="en-US" sz="2600" dirty="0">
                 <a:solidFill>
                   <a:schemeClr val="tx1"/>
@@ -18115,22 +17607,10 @@
                 <a:cs typeface="Arial Unicode MS" panose="020B0604020202020204" pitchFamily="34" charset="-128"/>
                 <a:sym typeface="Iowan Old Style Roman"/>
               </a:rPr>
-              <a:t>VARCHAR(20</a:t>
-            </a:r>
-            <a:r>
-              <a:rPr lang="en-US" sz="2600" dirty="0" smtClean="0">
-                <a:solidFill>
-                  <a:schemeClr val="tx1"/>
-                </a:solidFill>
-                <a:latin typeface="Arial Unicode MS" panose="020B0604020202020204" pitchFamily="34" charset="-128"/>
-                <a:ea typeface="Arial Unicode MS" panose="020B0604020202020204" pitchFamily="34" charset="-128"/>
-                <a:cs typeface="Arial Unicode MS" panose="020B0604020202020204" pitchFamily="34" charset="-128"/>
-                <a:sym typeface="Iowan Old Style Roman"/>
-              </a:rPr>
-              <a:t>),</a:t>
+              <a:t>name VARCHAR(20),</a:t>
             </a:r>
             <a:br>
-              <a:rPr lang="en-US" sz="2600" dirty="0" smtClean="0">
+              <a:rPr lang="en-US" sz="2600" dirty="0">
                 <a:solidFill>
                   <a:schemeClr val="tx1"/>
                 </a:solidFill>
@@ -18141,18 +17621,6 @@
               </a:rPr>
             </a:br>
             <a:r>
-              <a:rPr lang="en-US" sz="2600" dirty="0" smtClean="0">
-                <a:solidFill>
-                  <a:schemeClr val="tx1"/>
-                </a:solidFill>
-                <a:latin typeface="Arial Unicode MS" panose="020B0604020202020204" pitchFamily="34" charset="-128"/>
-                <a:ea typeface="Arial Unicode MS" panose="020B0604020202020204" pitchFamily="34" charset="-128"/>
-                <a:cs typeface="Arial Unicode MS" panose="020B0604020202020204" pitchFamily="34" charset="-128"/>
-                <a:sym typeface="Iowan Old Style Roman"/>
-              </a:rPr>
-              <a:t>price </a:t>
-            </a:r>
-            <a:r>
               <a:rPr lang="en-US" sz="2600" dirty="0">
                 <a:solidFill>
                   <a:schemeClr val="tx1"/>
@@ -18162,22 +17630,10 @@
                 <a:cs typeface="Arial Unicode MS" panose="020B0604020202020204" pitchFamily="34" charset="-128"/>
                 <a:sym typeface="Iowan Old Style Roman"/>
               </a:rPr>
-              <a:t>FLOAT</a:t>
-            </a:r>
-            <a:r>
-              <a:rPr lang="en-US" sz="2600" dirty="0" smtClean="0">
-                <a:solidFill>
-                  <a:schemeClr val="tx1"/>
-                </a:solidFill>
-                <a:latin typeface="Arial Unicode MS" panose="020B0604020202020204" pitchFamily="34" charset="-128"/>
-                <a:ea typeface="Arial Unicode MS" panose="020B0604020202020204" pitchFamily="34" charset="-128"/>
-                <a:cs typeface="Arial Unicode MS" panose="020B0604020202020204" pitchFamily="34" charset="-128"/>
-                <a:sym typeface="Iowan Old Style Roman"/>
-              </a:rPr>
-              <a:t>,</a:t>
+              <a:t>price FLOAT,</a:t>
             </a:r>
             <a:br>
-              <a:rPr lang="en-US" sz="2600" dirty="0" smtClean="0">
+              <a:rPr lang="en-US" sz="2600" dirty="0">
                 <a:solidFill>
                   <a:schemeClr val="tx1"/>
                 </a:solidFill>
@@ -18188,7 +17644,7 @@
               </a:rPr>
             </a:br>
             <a:r>
-              <a:rPr lang="en-US" sz="2600" dirty="0" err="1" smtClean="0">
+              <a:rPr lang="en-US" sz="2600" dirty="0" err="1">
                 <a:solidFill>
                   <a:schemeClr val="tx1"/>
                 </a:solidFill>
@@ -18200,7 +17656,7 @@
               <a:t>startdate</a:t>
             </a:r>
             <a:r>
-              <a:rPr lang="en-US" sz="2600" dirty="0" smtClean="0">
+              <a:rPr lang="en-US" sz="2600" dirty="0">
                 <a:solidFill>
                   <a:schemeClr val="tx1"/>
                 </a:solidFill>
@@ -18226,9 +17682,9 @@
               </a:defRPr>
             </a:pPr>
             <a:r>
-              <a:rPr lang="en-US" sz="2600" b="1" dirty="0" smtClean="0">
-                <a:solidFill>
-                  <a:srgbClr val="C00000"/>
+              <a:rPr lang="en-US" sz="2600" b="1" dirty="0">
+                <a:solidFill>
+                  <a:srgbClr val="57068C"/>
                 </a:solidFill>
                 <a:latin typeface="Arial Unicode MS" panose="020B0604020202020204" pitchFamily="34" charset="-128"/>
                 <a:ea typeface="Arial Unicode MS" panose="020B0604020202020204" pitchFamily="34" charset="-128"/>
@@ -18252,7 +17708,7 @@
               </a:defRPr>
             </a:pPr>
             <a:r>
-              <a:rPr lang="en-US" sz="2600" dirty="0" smtClean="0">
+              <a:rPr lang="en-US" sz="2600" dirty="0">
                 <a:solidFill>
                   <a:schemeClr val="tx1"/>
                 </a:solidFill>
@@ -18263,7 +17719,7 @@
               </a:rPr>
               <a:t>);</a:t>
             </a:r>
-            <a:endParaRPr lang="en-US" sz="2600" dirty="0" smtClean="0">
+            <a:endParaRPr lang="en-US" sz="2600" dirty="0">
               <a:solidFill>
                 <a:schemeClr val="tx1"/>
               </a:solidFill>
@@ -18328,7 +17784,7 @@
           </a:ln>
           <a:extLst>
             <a:ext uri="{C572A759-6A51-4108-AA02-DFA0A04FC94B}">
-              <ma14:wrappingTextBoxFlag xmlns:ma14="http://schemas.microsoft.com/office/mac/drawingml/2011/main" xmlns="" val="1"/>
+              <ma14:wrappingTextBoxFlag xmlns="" xmlns:ma14="http://schemas.microsoft.com/office/mac/drawingml/2011/main" val="1"/>
             </a:ext>
           </a:extLst>
         </p:spPr>
@@ -18357,9 +17813,9 @@
               </a:defRPr>
             </a:pPr>
             <a:r>
-              <a:rPr lang="en-US" sz="3000" b="1" dirty="0" smtClean="0">
-                <a:solidFill>
-                  <a:schemeClr val="tx1"/>
+              <a:rPr lang="en-US" sz="3000" b="1" dirty="0">
+                <a:solidFill>
+                  <a:srgbClr val="57068C"/>
                 </a:solidFill>
                 <a:uFill>
                   <a:solidFill>
@@ -18374,7 +17830,7 @@
             </a:r>
             <a:endParaRPr sz="3000" b="1" dirty="0">
               <a:solidFill>
-                <a:schemeClr val="tx1"/>
+                <a:srgbClr val="57068C"/>
               </a:solidFill>
               <a:uFill>
                 <a:solidFill>
@@ -18397,7 +17853,7 @@
         <p:spPr>
           <a:xfrm>
             <a:off x="136071" y="2022157"/>
-            <a:ext cx="8746672" cy="3962623"/>
+            <a:ext cx="8746672" cy="4362733"/>
           </a:xfrm>
           <a:prstGeom prst="rect">
             <a:avLst/>
@@ -18407,7 +17863,7 @@
           </a:ln>
           <a:extLst>
             <a:ext uri="{C572A759-6A51-4108-AA02-DFA0A04FC94B}">
-              <ma14:wrappingTextBoxFlag xmlns:ma14="http://schemas.microsoft.com/office/mac/drawingml/2011/main" xmlns="" val="1"/>
+              <ma14:wrappingTextBoxFlag xmlns="" xmlns:ma14="http://schemas.microsoft.com/office/mac/drawingml/2011/main" val="1"/>
             </a:ext>
           </a:extLst>
         </p:spPr>
@@ -18441,20 +17897,8 @@
               </a:rPr>
               <a:t>CREATE TABLE Rate </a:t>
             </a:r>
-            <a:r>
-              <a:rPr lang="en-US" sz="2600" dirty="0" smtClean="0">
-                <a:solidFill>
-                  <a:schemeClr val="tx1"/>
-                </a:solidFill>
-                <a:latin typeface="Arial Unicode MS" panose="020B0604020202020204" pitchFamily="34" charset="-128"/>
-                <a:ea typeface="Arial Unicode MS" panose="020B0604020202020204" pitchFamily="34" charset="-128"/>
-                <a:cs typeface="Arial Unicode MS" panose="020B0604020202020204" pitchFamily="34" charset="-128"/>
-                <a:sym typeface="Iowan Old Style Roman"/>
-              </a:rPr>
-              <a:t/>
-            </a:r>
             <a:br>
-              <a:rPr lang="en-US" sz="2600" dirty="0" smtClean="0">
+              <a:rPr lang="en-US" sz="2600" dirty="0">
                 <a:solidFill>
                   <a:schemeClr val="tx1"/>
                 </a:solidFill>
@@ -18465,7 +17909,7 @@
               </a:rPr>
             </a:br>
             <a:r>
-              <a:rPr lang="en-US" sz="2600" dirty="0" smtClean="0">
+              <a:rPr lang="en-US" sz="2600" dirty="0">
                 <a:solidFill>
                   <a:schemeClr val="tx1"/>
                 </a:solidFill>
@@ -18477,7 +17921,7 @@
               <a:t>(</a:t>
             </a:r>
             <a:br>
-              <a:rPr lang="en-US" sz="2600" dirty="0" smtClean="0">
+              <a:rPr lang="en-US" sz="2600" dirty="0">
                 <a:solidFill>
                   <a:schemeClr val="tx1"/>
                 </a:solidFill>
@@ -18488,18 +17932,6 @@
               </a:rPr>
             </a:br>
             <a:r>
-              <a:rPr lang="en-US" sz="2600" dirty="0" smtClean="0">
-                <a:solidFill>
-                  <a:schemeClr val="tx1"/>
-                </a:solidFill>
-                <a:latin typeface="Arial Unicode MS" panose="020B0604020202020204" pitchFamily="34" charset="-128"/>
-                <a:ea typeface="Arial Unicode MS" panose="020B0604020202020204" pitchFamily="34" charset="-128"/>
-                <a:cs typeface="Arial Unicode MS" panose="020B0604020202020204" pitchFamily="34" charset="-128"/>
-                <a:sym typeface="Iowan Old Style Roman"/>
-              </a:rPr>
-              <a:t>id </a:t>
-            </a:r>
-            <a:r>
               <a:rPr lang="en-US" sz="2600" dirty="0">
                 <a:solidFill>
                   <a:schemeClr val="tx1"/>
@@ -18509,19 +17941,7 @@
                 <a:cs typeface="Arial Unicode MS" panose="020B0604020202020204" pitchFamily="34" charset="-128"/>
                 <a:sym typeface="Iowan Old Style Roman"/>
               </a:rPr>
-              <a:t>INT</a:t>
-            </a:r>
-            <a:r>
-              <a:rPr lang="en-US" sz="2600" dirty="0" smtClean="0">
-                <a:solidFill>
-                  <a:schemeClr val="tx1"/>
-                </a:solidFill>
-                <a:latin typeface="Arial Unicode MS" panose="020B0604020202020204" pitchFamily="34" charset="-128"/>
-                <a:ea typeface="Arial Unicode MS" panose="020B0604020202020204" pitchFamily="34" charset="-128"/>
-                <a:cs typeface="Arial Unicode MS" panose="020B0604020202020204" pitchFamily="34" charset="-128"/>
-                <a:sym typeface="Iowan Old Style Roman"/>
-              </a:rPr>
-              <a:t>,</a:t>
+              <a:t>id INT,</a:t>
             </a:r>
           </a:p>
           <a:p>
@@ -18538,7 +17958,7 @@
               </a:defRPr>
             </a:pPr>
             <a:r>
-              <a:rPr lang="en-US" sz="2600" dirty="0" err="1" smtClean="0">
+              <a:rPr lang="en-US" sz="2600" dirty="0" err="1">
                 <a:solidFill>
                   <a:schemeClr val="tx1"/>
                 </a:solidFill>
@@ -18559,22 +17979,10 @@
                 <a:cs typeface="Arial Unicode MS" panose="020B0604020202020204" pitchFamily="34" charset="-128"/>
                 <a:sym typeface="Iowan Old Style Roman"/>
               </a:rPr>
-              <a:t> </a:t>
-            </a:r>
-            <a:r>
-              <a:rPr lang="en-US" sz="2600" dirty="0" smtClean="0">
-                <a:solidFill>
-                  <a:schemeClr val="tx1"/>
-                </a:solidFill>
-                <a:latin typeface="Arial Unicode MS" panose="020B0604020202020204" pitchFamily="34" charset="-128"/>
-                <a:ea typeface="Arial Unicode MS" panose="020B0604020202020204" pitchFamily="34" charset="-128"/>
-                <a:cs typeface="Arial Unicode MS" panose="020B0604020202020204" pitchFamily="34" charset="-128"/>
-                <a:sym typeface="Iowan Old Style Roman"/>
-              </a:rPr>
-              <a:t>INT,</a:t>
+              <a:t> INT,</a:t>
             </a:r>
             <a:br>
-              <a:rPr lang="en-US" sz="2600" dirty="0" smtClean="0">
+              <a:rPr lang="en-US" sz="2600" dirty="0">
                 <a:solidFill>
                   <a:schemeClr val="tx1"/>
                 </a:solidFill>
@@ -18585,18 +17993,6 @@
               </a:rPr>
             </a:br>
             <a:r>
-              <a:rPr lang="en-US" sz="2600" dirty="0" smtClean="0">
-                <a:solidFill>
-                  <a:schemeClr val="tx1"/>
-                </a:solidFill>
-                <a:latin typeface="Arial Unicode MS" panose="020B0604020202020204" pitchFamily="34" charset="-128"/>
-                <a:ea typeface="Arial Unicode MS" panose="020B0604020202020204" pitchFamily="34" charset="-128"/>
-                <a:cs typeface="Arial Unicode MS" panose="020B0604020202020204" pitchFamily="34" charset="-128"/>
-                <a:sym typeface="Iowan Old Style Roman"/>
-              </a:rPr>
-              <a:t>price </a:t>
-            </a:r>
-            <a:r>
               <a:rPr lang="en-US" sz="2600" dirty="0">
                 <a:solidFill>
                   <a:schemeClr val="tx1"/>
@@ -18606,22 +18002,10 @@
                 <a:cs typeface="Arial Unicode MS" panose="020B0604020202020204" pitchFamily="34" charset="-128"/>
                 <a:sym typeface="Iowan Old Style Roman"/>
               </a:rPr>
-              <a:t>FLOAT</a:t>
-            </a:r>
-            <a:r>
-              <a:rPr lang="en-US" sz="2600" dirty="0" smtClean="0">
-                <a:solidFill>
-                  <a:schemeClr val="tx1"/>
-                </a:solidFill>
-                <a:latin typeface="Arial Unicode MS" panose="020B0604020202020204" pitchFamily="34" charset="-128"/>
-                <a:ea typeface="Arial Unicode MS" panose="020B0604020202020204" pitchFamily="34" charset="-128"/>
-                <a:cs typeface="Arial Unicode MS" panose="020B0604020202020204" pitchFamily="34" charset="-128"/>
-                <a:sym typeface="Iowan Old Style Roman"/>
-              </a:rPr>
-              <a:t>,</a:t>
+              <a:t>price FLOAT,</a:t>
             </a:r>
             <a:br>
-              <a:rPr lang="en-US" sz="2600" dirty="0" smtClean="0">
+              <a:rPr lang="en-US" sz="2600" dirty="0">
                 <a:solidFill>
                   <a:schemeClr val="tx1"/>
                 </a:solidFill>
@@ -18632,7 +18016,7 @@
               </a:rPr>
             </a:br>
             <a:r>
-              <a:rPr lang="en-US" sz="2600" dirty="0" err="1" smtClean="0">
+              <a:rPr lang="en-US" sz="2600" dirty="0" err="1">
                 <a:solidFill>
                   <a:schemeClr val="tx1"/>
                 </a:solidFill>
@@ -18644,7 +18028,7 @@
               <a:t>startdate</a:t>
             </a:r>
             <a:r>
-              <a:rPr lang="en-US" sz="2600" dirty="0" smtClean="0">
+              <a:rPr lang="en-US" sz="2600" dirty="0">
                 <a:solidFill>
                   <a:schemeClr val="tx1"/>
                 </a:solidFill>
@@ -18670,7 +18054,7 @@
               </a:defRPr>
             </a:pPr>
             <a:r>
-              <a:rPr lang="en-US" sz="2600" dirty="0" smtClean="0">
+              <a:rPr lang="en-US" sz="2600" dirty="0">
                 <a:solidFill>
                   <a:schemeClr val="tx1"/>
                 </a:solidFill>
@@ -18698,6 +18082,42 @@
             <a:r>
               <a:rPr lang="en-US" sz="2600" b="1" dirty="0">
                 <a:solidFill>
+                  <a:srgbClr val="57068C"/>
+                </a:solidFill>
+                <a:latin typeface="Arial Unicode MS" panose="020B0604020202020204" pitchFamily="34" charset="-128"/>
+                <a:ea typeface="Arial Unicode MS" panose="020B0604020202020204" pitchFamily="34" charset="-128"/>
+                <a:cs typeface="Arial Unicode MS" panose="020B0604020202020204" pitchFamily="34" charset="-128"/>
+                <a:sym typeface="Iowan Old Style Roman"/>
+              </a:rPr>
+              <a:t>FOREIGN KEY (</a:t>
+            </a:r>
+            <a:r>
+              <a:rPr lang="en-US" sz="2600" b="1" dirty="0" err="1">
+                <a:solidFill>
+                  <a:srgbClr val="57068C"/>
+                </a:solidFill>
+                <a:latin typeface="Arial Unicode MS" panose="020B0604020202020204" pitchFamily="34" charset="-128"/>
+                <a:ea typeface="Arial Unicode MS" panose="020B0604020202020204" pitchFamily="34" charset="-128"/>
+                <a:cs typeface="Arial Unicode MS" panose="020B0604020202020204" pitchFamily="34" charset="-128"/>
+                <a:sym typeface="Iowan Old Style Roman"/>
+              </a:rPr>
+              <a:t>customerid</a:t>
+            </a:r>
+            <a:r>
+              <a:rPr lang="en-US" sz="2600" b="1" dirty="0">
+                <a:solidFill>
+                  <a:srgbClr val="57068C"/>
+                </a:solidFill>
+                <a:latin typeface="Arial Unicode MS" panose="020B0604020202020204" pitchFamily="34" charset="-128"/>
+                <a:ea typeface="Arial Unicode MS" panose="020B0604020202020204" pitchFamily="34" charset="-128"/>
+                <a:cs typeface="Arial Unicode MS" panose="020B0604020202020204" pitchFamily="34" charset="-128"/>
+                <a:sym typeface="Iowan Old Style Roman"/>
+              </a:rPr>
+              <a:t>) REFERENCES Customer(id)</a:t>
+            </a:r>
+            <a:br>
+              <a:rPr lang="en-US" sz="2600" b="1" dirty="0">
+                <a:solidFill>
                   <a:srgbClr val="C00000"/>
                 </a:solidFill>
                 <a:latin typeface="Arial Unicode MS" panose="020B0604020202020204" pitchFamily="34" charset="-128"/>
@@ -18705,81 +18125,9 @@
                 <a:cs typeface="Arial Unicode MS" panose="020B0604020202020204" pitchFamily="34" charset="-128"/>
                 <a:sym typeface="Iowan Old Style Roman"/>
               </a:rPr>
-              <a:t>FOREIGN KEY </a:t>
-            </a:r>
-            <a:r>
-              <a:rPr lang="en-US" sz="2600" b="1" dirty="0" smtClean="0">
-                <a:solidFill>
-                  <a:srgbClr val="C00000"/>
-                </a:solidFill>
-                <a:latin typeface="Arial Unicode MS" panose="020B0604020202020204" pitchFamily="34" charset="-128"/>
-                <a:ea typeface="Arial Unicode MS" panose="020B0604020202020204" pitchFamily="34" charset="-128"/>
-                <a:cs typeface="Arial Unicode MS" panose="020B0604020202020204" pitchFamily="34" charset="-128"/>
-                <a:sym typeface="Iowan Old Style Roman"/>
-              </a:rPr>
-              <a:t>(</a:t>
-            </a:r>
-            <a:r>
-              <a:rPr lang="en-US" sz="2600" b="1" dirty="0" err="1" smtClean="0">
-                <a:solidFill>
-                  <a:srgbClr val="C00000"/>
-                </a:solidFill>
-                <a:latin typeface="Arial Unicode MS" panose="020B0604020202020204" pitchFamily="34" charset="-128"/>
-                <a:ea typeface="Arial Unicode MS" panose="020B0604020202020204" pitchFamily="34" charset="-128"/>
-                <a:cs typeface="Arial Unicode MS" panose="020B0604020202020204" pitchFamily="34" charset="-128"/>
-                <a:sym typeface="Iowan Old Style Roman"/>
-              </a:rPr>
-              <a:t>customerid</a:t>
-            </a:r>
-            <a:r>
-              <a:rPr lang="en-US" sz="2600" b="1" dirty="0" smtClean="0">
-                <a:solidFill>
-                  <a:srgbClr val="C00000"/>
-                </a:solidFill>
-                <a:latin typeface="Arial Unicode MS" panose="020B0604020202020204" pitchFamily="34" charset="-128"/>
-                <a:ea typeface="Arial Unicode MS" panose="020B0604020202020204" pitchFamily="34" charset="-128"/>
-                <a:cs typeface="Arial Unicode MS" panose="020B0604020202020204" pitchFamily="34" charset="-128"/>
-                <a:sym typeface="Iowan Old Style Roman"/>
-              </a:rPr>
-              <a:t>) REFERENCES Customer(id</a:t>
-            </a:r>
-            <a:r>
-              <a:rPr lang="en-US" sz="2600" b="1" dirty="0">
-                <a:solidFill>
-                  <a:srgbClr val="C00000"/>
-                </a:solidFill>
-                <a:latin typeface="Arial Unicode MS" panose="020B0604020202020204" pitchFamily="34" charset="-128"/>
-                <a:ea typeface="Arial Unicode MS" panose="020B0604020202020204" pitchFamily="34" charset="-128"/>
-                <a:cs typeface="Arial Unicode MS" panose="020B0604020202020204" pitchFamily="34" charset="-128"/>
-                <a:sym typeface="Iowan Old Style Roman"/>
-              </a:rPr>
-              <a:t>)</a:t>
-            </a:r>
-            <a:r>
-              <a:rPr lang="en-US" sz="2600" b="1" dirty="0" smtClean="0">
-                <a:solidFill>
-                  <a:srgbClr val="C00000"/>
-                </a:solidFill>
-                <a:latin typeface="Arial Unicode MS" panose="020B0604020202020204" pitchFamily="34" charset="-128"/>
-                <a:ea typeface="Arial Unicode MS" panose="020B0604020202020204" pitchFamily="34" charset="-128"/>
-                <a:cs typeface="Arial Unicode MS" panose="020B0604020202020204" pitchFamily="34" charset="-128"/>
-                <a:sym typeface="Iowan Old Style Roman"/>
-              </a:rPr>
-              <a:t/>
-            </a:r>
-            <a:br>
-              <a:rPr lang="en-US" sz="2600" b="1" dirty="0" smtClean="0">
-                <a:solidFill>
-                  <a:srgbClr val="C00000"/>
-                </a:solidFill>
-                <a:latin typeface="Arial Unicode MS" panose="020B0604020202020204" pitchFamily="34" charset="-128"/>
-                <a:ea typeface="Arial Unicode MS" panose="020B0604020202020204" pitchFamily="34" charset="-128"/>
-                <a:cs typeface="Arial Unicode MS" panose="020B0604020202020204" pitchFamily="34" charset="-128"/>
-                <a:sym typeface="Iowan Old Style Roman"/>
-              </a:rPr>
             </a:br>
             <a:r>
-              <a:rPr lang="en-US" sz="2600" dirty="0" smtClean="0">
+              <a:rPr lang="en-US" sz="2600" dirty="0">
                 <a:solidFill>
                   <a:schemeClr val="tx1"/>
                 </a:solidFill>
@@ -18790,7 +18138,7 @@
               </a:rPr>
               <a:t>);</a:t>
             </a:r>
-            <a:endParaRPr lang="en-US" sz="2600" dirty="0" smtClean="0">
+            <a:endParaRPr lang="en-US" sz="2600" dirty="0">
               <a:solidFill>
                 <a:schemeClr val="tx1"/>
               </a:solidFill>
@@ -18855,7 +18203,7 @@
           </a:ln>
           <a:extLst>
             <a:ext uri="{C572A759-6A51-4108-AA02-DFA0A04FC94B}">
-              <ma14:wrappingTextBoxFlag xmlns:ma14="http://schemas.microsoft.com/office/mac/drawingml/2011/main" xmlns="" val="1"/>
+              <ma14:wrappingTextBoxFlag xmlns="" xmlns:ma14="http://schemas.microsoft.com/office/mac/drawingml/2011/main" val="1"/>
             </a:ext>
           </a:extLst>
         </p:spPr>
@@ -18884,9 +18232,9 @@
               </a:defRPr>
             </a:pPr>
             <a:r>
-              <a:rPr lang="en-US" sz="3000" b="1" dirty="0" smtClean="0">
-                <a:solidFill>
-                  <a:schemeClr val="tx1"/>
+              <a:rPr lang="en-US" sz="3000" b="1" dirty="0">
+                <a:solidFill>
+                  <a:srgbClr val="57068C"/>
                 </a:solidFill>
                 <a:uFill>
                   <a:solidFill>
@@ -18901,7 +18249,7 @@
             </a:r>
             <a:endParaRPr sz="3000" b="1" dirty="0">
               <a:solidFill>
-                <a:schemeClr val="tx1"/>
+                <a:srgbClr val="57068C"/>
               </a:solidFill>
               <a:uFill>
                 <a:solidFill>
@@ -18934,7 +18282,7 @@
           </a:ln>
           <a:extLst>
             <a:ext uri="{C572A759-6A51-4108-AA02-DFA0A04FC94B}">
-              <ma14:wrappingTextBoxFlag xmlns:ma14="http://schemas.microsoft.com/office/mac/drawingml/2011/main" xmlns="" val="1"/>
+              <ma14:wrappingTextBoxFlag xmlns="" xmlns:ma14="http://schemas.microsoft.com/office/mac/drawingml/2011/main" val="1"/>
             </a:ext>
           </a:extLst>
         </p:spPr>
@@ -18957,7 +18305,7 @@
               </a:defRPr>
             </a:pPr>
             <a:r>
-              <a:rPr lang="en-US" sz="2600" dirty="0" smtClean="0">
+              <a:rPr lang="en-US" sz="2600" dirty="0">
                 <a:solidFill>
                   <a:schemeClr val="tx1"/>
                 </a:solidFill>
@@ -18969,7 +18317,7 @@
               <a:t>To specify that a relationship has a minimum cardinality of one, we specify that the attribute cannot be NULL (</a:t>
             </a:r>
             <a:r>
-              <a:rPr lang="en-US" sz="2600" dirty="0" err="1" smtClean="0">
+              <a:rPr lang="en-US" sz="2600" dirty="0" err="1">
                 <a:solidFill>
                   <a:schemeClr val="tx1"/>
                 </a:solidFill>
@@ -18981,7 +18329,7 @@
               <a:t>ie</a:t>
             </a:r>
             <a:r>
-              <a:rPr lang="en-US" sz="2600" dirty="0" smtClean="0">
+              <a:rPr lang="en-US" sz="2600" dirty="0">
                 <a:solidFill>
                   <a:schemeClr val="tx1"/>
                 </a:solidFill>
@@ -19006,41 +18354,6 @@
                 <a:uFillTx/>
               </a:defRPr>
             </a:pPr>
-            <a:endParaRPr lang="en-US" i="1" dirty="0" smtClean="0">
-              <a:solidFill>
-                <a:schemeClr val="tx1"/>
-              </a:solidFill>
-              <a:latin typeface="Arial Unicode MS" panose="020B0604020202020204" pitchFamily="34" charset="-128"/>
-              <a:ea typeface="Arial Unicode MS" panose="020B0604020202020204" pitchFamily="34" charset="-128"/>
-              <a:cs typeface="Arial Unicode MS" panose="020B0604020202020204" pitchFamily="34" charset="-128"/>
-              <a:sym typeface="Iowan Old Style Roman"/>
-            </a:endParaRPr>
-          </a:p>
-          <a:p>
-            <a:pPr marL="38100" lvl="0">
-              <a:spcBef>
-                <a:spcPts val="700"/>
-              </a:spcBef>
-              <a:buSzPct val="50000"/>
-              <a:defRPr sz="1800">
-                <a:solidFill>
-                  <a:srgbClr val="000000"/>
-                </a:solidFill>
-                <a:uFillTx/>
-              </a:defRPr>
-            </a:pPr>
-            <a:r>
-              <a:rPr lang="en-US" i="1" dirty="0" smtClean="0">
-                <a:solidFill>
-                  <a:schemeClr val="tx1"/>
-                </a:solidFill>
-                <a:latin typeface="Arial Unicode MS" panose="020B0604020202020204" pitchFamily="34" charset="-128"/>
-                <a:ea typeface="Arial Unicode MS" panose="020B0604020202020204" pitchFamily="34" charset="-128"/>
-                <a:cs typeface="Arial Unicode MS" panose="020B0604020202020204" pitchFamily="34" charset="-128"/>
-                <a:sym typeface="Iowan Old Style Roman"/>
-              </a:rPr>
-              <a:t>In this case, the rate needs to be associated with a customer</a:t>
-            </a:r>
             <a:endParaRPr lang="en-US" i="1" dirty="0">
               <a:solidFill>
                 <a:schemeClr val="tx1"/>
@@ -19064,7 +18377,33 @@
                 <a:uFillTx/>
               </a:defRPr>
             </a:pPr>
-            <a:endParaRPr lang="en-US" sz="2600" dirty="0" smtClean="0">
+            <a:r>
+              <a:rPr lang="en-US" i="1" dirty="0">
+                <a:solidFill>
+                  <a:schemeClr val="tx1"/>
+                </a:solidFill>
+                <a:latin typeface="Arial Unicode MS" panose="020B0604020202020204" pitchFamily="34" charset="-128"/>
+                <a:ea typeface="Arial Unicode MS" panose="020B0604020202020204" pitchFamily="34" charset="-128"/>
+                <a:cs typeface="Arial Unicode MS" panose="020B0604020202020204" pitchFamily="34" charset="-128"/>
+                <a:sym typeface="Iowan Old Style Roman"/>
+              </a:rPr>
+              <a:t>In this case, the rate needs to be associated with a customer</a:t>
+            </a:r>
+          </a:p>
+          <a:p>
+            <a:pPr marL="38100" lvl="0">
+              <a:spcBef>
+                <a:spcPts val="700"/>
+              </a:spcBef>
+              <a:buSzPct val="50000"/>
+              <a:defRPr sz="1800">
+                <a:solidFill>
+                  <a:srgbClr val="000000"/>
+                </a:solidFill>
+                <a:uFillTx/>
+              </a:defRPr>
+            </a:pPr>
+            <a:endParaRPr lang="en-US" sz="2600" dirty="0">
               <a:solidFill>
                 <a:schemeClr val="tx1"/>
               </a:solidFill>
@@ -19088,18 +18427,6 @@
               </a:defRPr>
             </a:pPr>
             <a:r>
-              <a:rPr lang="en-US" sz="2600" dirty="0" smtClean="0">
-                <a:solidFill>
-                  <a:schemeClr val="tx1"/>
-                </a:solidFill>
-                <a:latin typeface="Arial Unicode MS" panose="020B0604020202020204" pitchFamily="34" charset="-128"/>
-                <a:ea typeface="Arial Unicode MS" panose="020B0604020202020204" pitchFamily="34" charset="-128"/>
-                <a:cs typeface="Arial Unicode MS" panose="020B0604020202020204" pitchFamily="34" charset="-128"/>
-                <a:sym typeface="Iowan Old Style Roman"/>
-              </a:rPr>
-              <a:t>CREATE </a:t>
-            </a:r>
-            <a:r>
               <a:rPr lang="en-US" sz="2600" dirty="0">
                 <a:solidFill>
                   <a:schemeClr val="tx1"/>
@@ -19109,22 +18436,10 @@
                 <a:cs typeface="Arial Unicode MS" panose="020B0604020202020204" pitchFamily="34" charset="-128"/>
                 <a:sym typeface="Iowan Old Style Roman"/>
               </a:rPr>
-              <a:t>TABLE Rate </a:t>
-            </a:r>
-            <a:r>
-              <a:rPr lang="en-US" sz="2600" dirty="0" smtClean="0">
-                <a:solidFill>
-                  <a:schemeClr val="tx1"/>
-                </a:solidFill>
-                <a:latin typeface="Arial Unicode MS" panose="020B0604020202020204" pitchFamily="34" charset="-128"/>
-                <a:ea typeface="Arial Unicode MS" panose="020B0604020202020204" pitchFamily="34" charset="-128"/>
-                <a:cs typeface="Arial Unicode MS" panose="020B0604020202020204" pitchFamily="34" charset="-128"/>
-                <a:sym typeface="Iowan Old Style Roman"/>
-              </a:rPr>
-              <a:t/>
+              <a:t>CREATE TABLE Rate </a:t>
             </a:r>
             <a:br>
-              <a:rPr lang="en-US" sz="2600" dirty="0" smtClean="0">
+              <a:rPr lang="en-US" sz="2600" dirty="0">
                 <a:solidFill>
                   <a:schemeClr val="tx1"/>
                 </a:solidFill>
@@ -19135,7 +18450,7 @@
               </a:rPr>
             </a:br>
             <a:r>
-              <a:rPr lang="en-US" sz="2600" dirty="0" smtClean="0">
+              <a:rPr lang="en-US" sz="2600" dirty="0">
                 <a:solidFill>
                   <a:schemeClr val="tx1"/>
                 </a:solidFill>
@@ -19147,7 +18462,7 @@
               <a:t>(</a:t>
             </a:r>
             <a:br>
-              <a:rPr lang="en-US" sz="2600" dirty="0" smtClean="0">
+              <a:rPr lang="en-US" sz="2600" dirty="0">
                 <a:solidFill>
                   <a:schemeClr val="tx1"/>
                 </a:solidFill>
@@ -19158,18 +18473,6 @@
               </a:rPr>
             </a:br>
             <a:r>
-              <a:rPr lang="en-US" sz="2600" dirty="0" smtClean="0">
-                <a:solidFill>
-                  <a:schemeClr val="tx1"/>
-                </a:solidFill>
-                <a:latin typeface="Arial Unicode MS" panose="020B0604020202020204" pitchFamily="34" charset="-128"/>
-                <a:ea typeface="Arial Unicode MS" panose="020B0604020202020204" pitchFamily="34" charset="-128"/>
-                <a:cs typeface="Arial Unicode MS" panose="020B0604020202020204" pitchFamily="34" charset="-128"/>
-                <a:sym typeface="Iowan Old Style Roman"/>
-              </a:rPr>
-              <a:t>id </a:t>
-            </a:r>
-            <a:r>
               <a:rPr lang="en-US" sz="2600" dirty="0">
                 <a:solidFill>
                   <a:schemeClr val="tx1"/>
@@ -19179,19 +18482,7 @@
                 <a:cs typeface="Arial Unicode MS" panose="020B0604020202020204" pitchFamily="34" charset="-128"/>
                 <a:sym typeface="Iowan Old Style Roman"/>
               </a:rPr>
-              <a:t>INT</a:t>
-            </a:r>
-            <a:r>
-              <a:rPr lang="en-US" sz="2600" dirty="0" smtClean="0">
-                <a:solidFill>
-                  <a:schemeClr val="tx1"/>
-                </a:solidFill>
-                <a:latin typeface="Arial Unicode MS" panose="020B0604020202020204" pitchFamily="34" charset="-128"/>
-                <a:ea typeface="Arial Unicode MS" panose="020B0604020202020204" pitchFamily="34" charset="-128"/>
-                <a:cs typeface="Arial Unicode MS" panose="020B0604020202020204" pitchFamily="34" charset="-128"/>
-                <a:sym typeface="Iowan Old Style Roman"/>
-              </a:rPr>
-              <a:t>,</a:t>
+              <a:t>id INT,</a:t>
             </a:r>
           </a:p>
           <a:p>
@@ -19208,7 +18499,7 @@
               </a:defRPr>
             </a:pPr>
             <a:r>
-              <a:rPr lang="en-US" sz="2600" dirty="0" err="1" smtClean="0">
+              <a:rPr lang="en-US" sz="2600" dirty="0" err="1">
                 <a:solidFill>
                   <a:schemeClr val="tx1"/>
                 </a:solidFill>
@@ -19229,24 +18520,12 @@
                 <a:cs typeface="Arial Unicode MS" panose="020B0604020202020204" pitchFamily="34" charset="-128"/>
                 <a:sym typeface="Iowan Old Style Roman"/>
               </a:rPr>
-              <a:t> </a:t>
-            </a:r>
-            <a:r>
-              <a:rPr lang="en-US" sz="2600" dirty="0" smtClean="0">
-                <a:solidFill>
-                  <a:schemeClr val="tx1"/>
-                </a:solidFill>
-                <a:latin typeface="Arial Unicode MS" panose="020B0604020202020204" pitchFamily="34" charset="-128"/>
-                <a:ea typeface="Arial Unicode MS" panose="020B0604020202020204" pitchFamily="34" charset="-128"/>
-                <a:cs typeface="Arial Unicode MS" panose="020B0604020202020204" pitchFamily="34" charset="-128"/>
-                <a:sym typeface="Iowan Old Style Roman"/>
-              </a:rPr>
-              <a:t>INT </a:t>
-            </a:r>
-            <a:r>
-              <a:rPr lang="en-US" sz="2600" b="1" dirty="0" smtClean="0">
-                <a:solidFill>
-                  <a:srgbClr val="C00000"/>
+              <a:t> INT </a:t>
+            </a:r>
+            <a:r>
+              <a:rPr lang="en-US" sz="2600" b="1" dirty="0">
+                <a:solidFill>
+                  <a:srgbClr val="57068C"/>
                 </a:solidFill>
                 <a:latin typeface="Arial Unicode MS" panose="020B0604020202020204" pitchFamily="34" charset="-128"/>
                 <a:ea typeface="Arial Unicode MS" panose="020B0604020202020204" pitchFamily="34" charset="-128"/>
@@ -19256,7 +18535,7 @@
               <a:t>NOT NULL</a:t>
             </a:r>
             <a:r>
-              <a:rPr lang="en-US" sz="2600" dirty="0" smtClean="0">
+              <a:rPr lang="en-US" sz="2600" dirty="0">
                 <a:solidFill>
                   <a:schemeClr val="tx1"/>
                 </a:solidFill>
@@ -19268,7 +18547,7 @@
               <a:t>,</a:t>
             </a:r>
             <a:br>
-              <a:rPr lang="en-US" sz="2600" dirty="0" smtClean="0">
+              <a:rPr lang="en-US" sz="2600" dirty="0">
                 <a:solidFill>
                   <a:schemeClr val="tx1"/>
                 </a:solidFill>
@@ -19279,18 +18558,6 @@
               </a:rPr>
             </a:br>
             <a:r>
-              <a:rPr lang="en-US" sz="2600" dirty="0" smtClean="0">
-                <a:solidFill>
-                  <a:schemeClr val="tx1"/>
-                </a:solidFill>
-                <a:latin typeface="Arial Unicode MS" panose="020B0604020202020204" pitchFamily="34" charset="-128"/>
-                <a:ea typeface="Arial Unicode MS" panose="020B0604020202020204" pitchFamily="34" charset="-128"/>
-                <a:cs typeface="Arial Unicode MS" panose="020B0604020202020204" pitchFamily="34" charset="-128"/>
-                <a:sym typeface="Iowan Old Style Roman"/>
-              </a:rPr>
-              <a:t>price </a:t>
-            </a:r>
-            <a:r>
               <a:rPr lang="en-US" sz="2600" dirty="0">
                 <a:solidFill>
                   <a:schemeClr val="tx1"/>
@@ -19300,22 +18567,10 @@
                 <a:cs typeface="Arial Unicode MS" panose="020B0604020202020204" pitchFamily="34" charset="-128"/>
                 <a:sym typeface="Iowan Old Style Roman"/>
               </a:rPr>
-              <a:t>FLOAT</a:t>
-            </a:r>
-            <a:r>
-              <a:rPr lang="en-US" sz="2600" dirty="0" smtClean="0">
-                <a:solidFill>
-                  <a:schemeClr val="tx1"/>
-                </a:solidFill>
-                <a:latin typeface="Arial Unicode MS" panose="020B0604020202020204" pitchFamily="34" charset="-128"/>
-                <a:ea typeface="Arial Unicode MS" panose="020B0604020202020204" pitchFamily="34" charset="-128"/>
-                <a:cs typeface="Arial Unicode MS" panose="020B0604020202020204" pitchFamily="34" charset="-128"/>
-                <a:sym typeface="Iowan Old Style Roman"/>
-              </a:rPr>
-              <a:t>,</a:t>
+              <a:t>price FLOAT,</a:t>
             </a:r>
             <a:br>
-              <a:rPr lang="en-US" sz="2600" dirty="0" smtClean="0">
+              <a:rPr lang="en-US" sz="2600" dirty="0">
                 <a:solidFill>
                   <a:schemeClr val="tx1"/>
                 </a:solidFill>
@@ -19326,7 +18581,7 @@
               </a:rPr>
             </a:br>
             <a:r>
-              <a:rPr lang="en-US" sz="2600" dirty="0" err="1" smtClean="0">
+              <a:rPr lang="en-US" sz="2600" dirty="0" err="1">
                 <a:solidFill>
                   <a:schemeClr val="tx1"/>
                 </a:solidFill>
@@ -19338,7 +18593,7 @@
               <a:t>startdate</a:t>
             </a:r>
             <a:r>
-              <a:rPr lang="en-US" sz="2600" dirty="0" smtClean="0">
+              <a:rPr lang="en-US" sz="2600" dirty="0">
                 <a:solidFill>
                   <a:schemeClr val="tx1"/>
                 </a:solidFill>
@@ -19364,7 +18619,7 @@
               </a:defRPr>
             </a:pPr>
             <a:r>
-              <a:rPr lang="en-US" sz="2600" dirty="0" smtClean="0">
+              <a:rPr lang="en-US" sz="2600" dirty="0">
                 <a:solidFill>
                   <a:schemeClr val="tx1"/>
                 </a:solidFill>
@@ -19399,22 +18654,10 @@
                 <a:cs typeface="Arial Unicode MS" panose="020B0604020202020204" pitchFamily="34" charset="-128"/>
                 <a:sym typeface="Iowan Old Style Roman"/>
               </a:rPr>
-              <a:t>FOREIGN KEY </a:t>
-            </a:r>
-            <a:r>
-              <a:rPr lang="en-US" sz="2600" dirty="0" smtClean="0">
-                <a:solidFill>
-                  <a:schemeClr val="tx1"/>
-                </a:solidFill>
-                <a:latin typeface="Arial Unicode MS" panose="020B0604020202020204" pitchFamily="34" charset="-128"/>
-                <a:ea typeface="Arial Unicode MS" panose="020B0604020202020204" pitchFamily="34" charset="-128"/>
-                <a:cs typeface="Arial Unicode MS" panose="020B0604020202020204" pitchFamily="34" charset="-128"/>
-                <a:sym typeface="Iowan Old Style Roman"/>
-              </a:rPr>
-              <a:t>(</a:t>
-            </a:r>
-            <a:r>
-              <a:rPr lang="en-US" sz="2600" dirty="0" err="1" smtClean="0">
+              <a:t>FOREIGN KEY (</a:t>
+            </a:r>
+            <a:r>
+              <a:rPr lang="en-US" sz="2600" dirty="0" err="1">
                 <a:solidFill>
                   <a:schemeClr val="tx1"/>
                 </a:solidFill>
@@ -19426,18 +18669,6 @@
               <a:t>customerid</a:t>
             </a:r>
             <a:r>
-              <a:rPr lang="en-US" sz="2600" dirty="0" smtClean="0">
-                <a:solidFill>
-                  <a:schemeClr val="tx1"/>
-                </a:solidFill>
-                <a:latin typeface="Arial Unicode MS" panose="020B0604020202020204" pitchFamily="34" charset="-128"/>
-                <a:ea typeface="Arial Unicode MS" panose="020B0604020202020204" pitchFamily="34" charset="-128"/>
-                <a:cs typeface="Arial Unicode MS" panose="020B0604020202020204" pitchFamily="34" charset="-128"/>
-                <a:sym typeface="Iowan Old Style Roman"/>
-              </a:rPr>
-              <a:t>) REFERENCES Customer(id</a:t>
-            </a:r>
-            <a:r>
               <a:rPr lang="en-US" sz="2600" dirty="0">
                 <a:solidFill>
                   <a:schemeClr val="tx1"/>
@@ -19447,22 +18678,10 @@
                 <a:cs typeface="Arial Unicode MS" panose="020B0604020202020204" pitchFamily="34" charset="-128"/>
                 <a:sym typeface="Iowan Old Style Roman"/>
               </a:rPr>
-              <a:t>)</a:t>
-            </a:r>
-            <a:r>
-              <a:rPr lang="en-US" sz="2600" dirty="0" smtClean="0">
-                <a:solidFill>
-                  <a:schemeClr val="tx1"/>
-                </a:solidFill>
-                <a:latin typeface="Arial Unicode MS" panose="020B0604020202020204" pitchFamily="34" charset="-128"/>
-                <a:ea typeface="Arial Unicode MS" panose="020B0604020202020204" pitchFamily="34" charset="-128"/>
-                <a:cs typeface="Arial Unicode MS" panose="020B0604020202020204" pitchFamily="34" charset="-128"/>
-                <a:sym typeface="Iowan Old Style Roman"/>
-              </a:rPr>
-              <a:t/>
+              <a:t>) REFERENCES Customer(id)</a:t>
             </a:r>
             <a:br>
-              <a:rPr lang="en-US" sz="2600" dirty="0" smtClean="0">
+              <a:rPr lang="en-US" sz="2600" dirty="0">
                 <a:solidFill>
                   <a:schemeClr val="tx1"/>
                 </a:solidFill>
@@ -19473,7 +18692,7 @@
               </a:rPr>
             </a:br>
             <a:r>
-              <a:rPr lang="en-US" sz="2600" dirty="0" smtClean="0">
+              <a:rPr lang="en-US" sz="2600" dirty="0">
                 <a:solidFill>
                   <a:schemeClr val="tx1"/>
                 </a:solidFill>
@@ -19484,7 +18703,7 @@
               </a:rPr>
               <a:t>);</a:t>
             </a:r>
-            <a:endParaRPr lang="en-US" sz="2600" dirty="0" smtClean="0">
+            <a:endParaRPr lang="en-US" sz="2600" dirty="0">
               <a:solidFill>
                 <a:schemeClr val="tx1"/>
               </a:solidFill>
@@ -19549,7 +18768,7 @@
           </a:ln>
           <a:extLst>
             <a:ext uri="{C572A759-6A51-4108-AA02-DFA0A04FC94B}">
-              <ma14:wrappingTextBoxFlag xmlns:ma14="http://schemas.microsoft.com/office/mac/drawingml/2011/main" xmlns="" val="1"/>
+              <ma14:wrappingTextBoxFlag xmlns="" xmlns:ma14="http://schemas.microsoft.com/office/mac/drawingml/2011/main" val="1"/>
             </a:ext>
           </a:extLst>
         </p:spPr>
@@ -19578,9 +18797,9 @@
               </a:defRPr>
             </a:pPr>
             <a:r>
-              <a:rPr lang="en-US" sz="3000" b="1" dirty="0" smtClean="0">
-                <a:solidFill>
-                  <a:schemeClr val="tx1"/>
+              <a:rPr lang="en-US" sz="3000" b="1" dirty="0">
+                <a:solidFill>
+                  <a:srgbClr val="57068C"/>
                 </a:solidFill>
                 <a:uFill>
                   <a:solidFill>
@@ -19595,7 +18814,7 @@
             </a:r>
             <a:endParaRPr sz="3000" b="1" dirty="0">
               <a:solidFill>
-                <a:schemeClr val="tx1"/>
+                <a:srgbClr val="57068C"/>
               </a:solidFill>
               <a:uFill>
                 <a:solidFill>
@@ -19628,7 +18847,7 @@
           </a:ln>
           <a:extLst>
             <a:ext uri="{C572A759-6A51-4108-AA02-DFA0A04FC94B}">
-              <ma14:wrappingTextBoxFlag xmlns:ma14="http://schemas.microsoft.com/office/mac/drawingml/2011/main" xmlns="" val="1"/>
+              <ma14:wrappingTextBoxFlag xmlns="" xmlns:ma14="http://schemas.microsoft.com/office/mac/drawingml/2011/main" val="1"/>
             </a:ext>
           </a:extLst>
         </p:spPr>
@@ -19651,7 +18870,7 @@
               </a:defRPr>
             </a:pPr>
             <a:r>
-              <a:rPr lang="en-US" sz="2600" dirty="0" smtClean="0">
+              <a:rPr lang="en-US" sz="2600" dirty="0">
                 <a:solidFill>
                   <a:schemeClr val="tx1"/>
                 </a:solidFill>
@@ -19677,7 +18896,7 @@
               </a:defRPr>
             </a:pPr>
             <a:r>
-              <a:rPr lang="en-US" i="1" dirty="0" smtClean="0">
+              <a:rPr lang="en-US" i="1" dirty="0">
                 <a:solidFill>
                   <a:schemeClr val="tx1"/>
                 </a:solidFill>
@@ -19688,15 +18907,6 @@
               </a:rPr>
               <a:t>In this case, the rate needs to be associated with a customer, and a customer can be assigned with only one rate (due to the UNIQUE)</a:t>
             </a:r>
-            <a:endParaRPr lang="en-US" i="1" dirty="0">
-              <a:solidFill>
-                <a:schemeClr val="tx1"/>
-              </a:solidFill>
-              <a:latin typeface="Arial Unicode MS" panose="020B0604020202020204" pitchFamily="34" charset="-128"/>
-              <a:ea typeface="Arial Unicode MS" panose="020B0604020202020204" pitchFamily="34" charset="-128"/>
-              <a:cs typeface="Arial Unicode MS" panose="020B0604020202020204" pitchFamily="34" charset="-128"/>
-              <a:sym typeface="Iowan Old Style Roman"/>
-            </a:endParaRPr>
           </a:p>
           <a:p>
             <a:pPr marL="38100" lvl="0">
@@ -19712,18 +18922,6 @@
               </a:defRPr>
             </a:pPr>
             <a:r>
-              <a:rPr lang="en-US" sz="2600" dirty="0" smtClean="0">
-                <a:solidFill>
-                  <a:schemeClr val="tx1"/>
-                </a:solidFill>
-                <a:latin typeface="Arial Unicode MS" panose="020B0604020202020204" pitchFamily="34" charset="-128"/>
-                <a:ea typeface="Arial Unicode MS" panose="020B0604020202020204" pitchFamily="34" charset="-128"/>
-                <a:cs typeface="Arial Unicode MS" panose="020B0604020202020204" pitchFamily="34" charset="-128"/>
-                <a:sym typeface="Iowan Old Style Roman"/>
-              </a:rPr>
-              <a:t>CREATE </a:t>
-            </a:r>
-            <a:r>
               <a:rPr lang="en-US" sz="2600" dirty="0">
                 <a:solidFill>
                   <a:schemeClr val="tx1"/>
@@ -19733,22 +18931,10 @@
                 <a:cs typeface="Arial Unicode MS" panose="020B0604020202020204" pitchFamily="34" charset="-128"/>
                 <a:sym typeface="Iowan Old Style Roman"/>
               </a:rPr>
-              <a:t>TABLE Rate </a:t>
-            </a:r>
-            <a:r>
-              <a:rPr lang="en-US" sz="2600" dirty="0" smtClean="0">
-                <a:solidFill>
-                  <a:schemeClr val="tx1"/>
-                </a:solidFill>
-                <a:latin typeface="Arial Unicode MS" panose="020B0604020202020204" pitchFamily="34" charset="-128"/>
-                <a:ea typeface="Arial Unicode MS" panose="020B0604020202020204" pitchFamily="34" charset="-128"/>
-                <a:cs typeface="Arial Unicode MS" panose="020B0604020202020204" pitchFamily="34" charset="-128"/>
-                <a:sym typeface="Iowan Old Style Roman"/>
-              </a:rPr>
-              <a:t/>
+              <a:t>CREATE TABLE Rate </a:t>
             </a:r>
             <a:br>
-              <a:rPr lang="en-US" sz="2600" dirty="0" smtClean="0">
+              <a:rPr lang="en-US" sz="2600" dirty="0">
                 <a:solidFill>
                   <a:schemeClr val="tx1"/>
                 </a:solidFill>
@@ -19759,7 +18945,7 @@
               </a:rPr>
             </a:br>
             <a:r>
-              <a:rPr lang="en-US" sz="2600" dirty="0" smtClean="0">
+              <a:rPr lang="en-US" sz="2600" dirty="0">
                 <a:solidFill>
                   <a:schemeClr val="tx1"/>
                 </a:solidFill>
@@ -19771,7 +18957,7 @@
               <a:t>(</a:t>
             </a:r>
             <a:br>
-              <a:rPr lang="en-US" sz="2600" dirty="0" smtClean="0">
+              <a:rPr lang="en-US" sz="2600" dirty="0">
                 <a:solidFill>
                   <a:schemeClr val="tx1"/>
                 </a:solidFill>
@@ -19782,18 +18968,6 @@
               </a:rPr>
             </a:br>
             <a:r>
-              <a:rPr lang="en-US" sz="2600" dirty="0" smtClean="0">
-                <a:solidFill>
-                  <a:schemeClr val="tx1"/>
-                </a:solidFill>
-                <a:latin typeface="Arial Unicode MS" panose="020B0604020202020204" pitchFamily="34" charset="-128"/>
-                <a:ea typeface="Arial Unicode MS" panose="020B0604020202020204" pitchFamily="34" charset="-128"/>
-                <a:cs typeface="Arial Unicode MS" panose="020B0604020202020204" pitchFamily="34" charset="-128"/>
-                <a:sym typeface="Iowan Old Style Roman"/>
-              </a:rPr>
-              <a:t>id </a:t>
-            </a:r>
-            <a:r>
               <a:rPr lang="en-US" sz="2600" dirty="0">
                 <a:solidFill>
                   <a:schemeClr val="tx1"/>
@@ -19803,19 +18977,7 @@
                 <a:cs typeface="Arial Unicode MS" panose="020B0604020202020204" pitchFamily="34" charset="-128"/>
                 <a:sym typeface="Iowan Old Style Roman"/>
               </a:rPr>
-              <a:t>INT</a:t>
-            </a:r>
-            <a:r>
-              <a:rPr lang="en-US" sz="2600" dirty="0" smtClean="0">
-                <a:solidFill>
-                  <a:schemeClr val="tx1"/>
-                </a:solidFill>
-                <a:latin typeface="Arial Unicode MS" panose="020B0604020202020204" pitchFamily="34" charset="-128"/>
-                <a:ea typeface="Arial Unicode MS" panose="020B0604020202020204" pitchFamily="34" charset="-128"/>
-                <a:cs typeface="Arial Unicode MS" panose="020B0604020202020204" pitchFamily="34" charset="-128"/>
-                <a:sym typeface="Iowan Old Style Roman"/>
-              </a:rPr>
-              <a:t>,</a:t>
+              <a:t>id INT,</a:t>
             </a:r>
           </a:p>
           <a:p>
@@ -19832,7 +18994,7 @@
               </a:defRPr>
             </a:pPr>
             <a:r>
-              <a:rPr lang="en-US" sz="2600" dirty="0" err="1" smtClean="0">
+              <a:rPr lang="en-US" sz="2600" dirty="0" err="1">
                 <a:solidFill>
                   <a:schemeClr val="tx1"/>
                 </a:solidFill>
@@ -19853,24 +19015,12 @@
                 <a:cs typeface="Arial Unicode MS" panose="020B0604020202020204" pitchFamily="34" charset="-128"/>
                 <a:sym typeface="Iowan Old Style Roman"/>
               </a:rPr>
-              <a:t> </a:t>
-            </a:r>
-            <a:r>
-              <a:rPr lang="en-US" sz="2600" dirty="0" smtClean="0">
-                <a:solidFill>
-                  <a:schemeClr val="tx1"/>
-                </a:solidFill>
-                <a:latin typeface="Arial Unicode MS" panose="020B0604020202020204" pitchFamily="34" charset="-128"/>
-                <a:ea typeface="Arial Unicode MS" panose="020B0604020202020204" pitchFamily="34" charset="-128"/>
-                <a:cs typeface="Arial Unicode MS" panose="020B0604020202020204" pitchFamily="34" charset="-128"/>
-                <a:sym typeface="Iowan Old Style Roman"/>
-              </a:rPr>
-              <a:t>INT </a:t>
-            </a:r>
-            <a:r>
-              <a:rPr lang="en-US" sz="2600" b="1" dirty="0" smtClean="0">
-                <a:solidFill>
-                  <a:srgbClr val="C00000"/>
+              <a:t> INT </a:t>
+            </a:r>
+            <a:r>
+              <a:rPr lang="en-US" sz="2600" b="1" dirty="0">
+                <a:solidFill>
+                  <a:srgbClr val="57068C"/>
                 </a:solidFill>
                 <a:latin typeface="Arial Unicode MS" panose="020B0604020202020204" pitchFamily="34" charset="-128"/>
                 <a:ea typeface="Arial Unicode MS" panose="020B0604020202020204" pitchFamily="34" charset="-128"/>
@@ -19880,7 +19030,7 @@
               <a:t>NOT NULL</a:t>
             </a:r>
             <a:r>
-              <a:rPr lang="en-US" sz="2600" dirty="0" smtClean="0">
+              <a:rPr lang="en-US" sz="2600" dirty="0">
                 <a:solidFill>
                   <a:schemeClr val="tx1"/>
                 </a:solidFill>
@@ -19892,7 +19042,7 @@
               <a:t>,</a:t>
             </a:r>
             <a:br>
-              <a:rPr lang="en-US" sz="2600" dirty="0" smtClean="0">
+              <a:rPr lang="en-US" sz="2600" dirty="0">
                 <a:solidFill>
                   <a:schemeClr val="tx1"/>
                 </a:solidFill>
@@ -19903,18 +19053,6 @@
               </a:rPr>
             </a:br>
             <a:r>
-              <a:rPr lang="en-US" sz="2600" dirty="0" smtClean="0">
-                <a:solidFill>
-                  <a:schemeClr val="tx1"/>
-                </a:solidFill>
-                <a:latin typeface="Arial Unicode MS" panose="020B0604020202020204" pitchFamily="34" charset="-128"/>
-                <a:ea typeface="Arial Unicode MS" panose="020B0604020202020204" pitchFamily="34" charset="-128"/>
-                <a:cs typeface="Arial Unicode MS" panose="020B0604020202020204" pitchFamily="34" charset="-128"/>
-                <a:sym typeface="Iowan Old Style Roman"/>
-              </a:rPr>
-              <a:t>price </a:t>
-            </a:r>
-            <a:r>
               <a:rPr lang="en-US" sz="2600" dirty="0">
                 <a:solidFill>
                   <a:schemeClr val="tx1"/>
@@ -19924,22 +19062,10 @@
                 <a:cs typeface="Arial Unicode MS" panose="020B0604020202020204" pitchFamily="34" charset="-128"/>
                 <a:sym typeface="Iowan Old Style Roman"/>
               </a:rPr>
-              <a:t>FLOAT</a:t>
-            </a:r>
-            <a:r>
-              <a:rPr lang="en-US" sz="2600" dirty="0" smtClean="0">
-                <a:solidFill>
-                  <a:schemeClr val="tx1"/>
-                </a:solidFill>
-                <a:latin typeface="Arial Unicode MS" panose="020B0604020202020204" pitchFamily="34" charset="-128"/>
-                <a:ea typeface="Arial Unicode MS" panose="020B0604020202020204" pitchFamily="34" charset="-128"/>
-                <a:cs typeface="Arial Unicode MS" panose="020B0604020202020204" pitchFamily="34" charset="-128"/>
-                <a:sym typeface="Iowan Old Style Roman"/>
-              </a:rPr>
-              <a:t>,</a:t>
+              <a:t>price FLOAT,</a:t>
             </a:r>
             <a:br>
-              <a:rPr lang="en-US" sz="2600" dirty="0" smtClean="0">
+              <a:rPr lang="en-US" sz="2600" dirty="0">
                 <a:solidFill>
                   <a:schemeClr val="tx1"/>
                 </a:solidFill>
@@ -19950,7 +19076,7 @@
               </a:rPr>
             </a:br>
             <a:r>
-              <a:rPr lang="en-US" sz="2600" dirty="0" err="1" smtClean="0">
+              <a:rPr lang="en-US" sz="2600" dirty="0" err="1">
                 <a:solidFill>
                   <a:schemeClr val="tx1"/>
                 </a:solidFill>
@@ -19962,7 +19088,7 @@
               <a:t>startdate</a:t>
             </a:r>
             <a:r>
-              <a:rPr lang="en-US" sz="2600" dirty="0" smtClean="0">
+              <a:rPr lang="en-US" sz="2600" dirty="0">
                 <a:solidFill>
                   <a:schemeClr val="tx1"/>
                 </a:solidFill>
@@ -19988,7 +19114,7 @@
               </a:defRPr>
             </a:pPr>
             <a:r>
-              <a:rPr lang="en-US" sz="2600" dirty="0" smtClean="0">
+              <a:rPr lang="en-US" sz="2600" dirty="0">
                 <a:solidFill>
                   <a:schemeClr val="tx1"/>
                 </a:solidFill>
@@ -20014,7 +19140,19 @@
               </a:defRPr>
             </a:pPr>
             <a:r>
-              <a:rPr lang="en-US" sz="2600" b="1" dirty="0" smtClean="0">
+              <a:rPr lang="en-US" sz="2600" b="1" dirty="0">
+                <a:solidFill>
+                  <a:srgbClr val="57068C"/>
+                </a:solidFill>
+                <a:latin typeface="Arial Unicode MS" panose="020B0604020202020204" pitchFamily="34" charset="-128"/>
+                <a:ea typeface="Arial Unicode MS" panose="020B0604020202020204" pitchFamily="34" charset="-128"/>
+                <a:cs typeface="Arial Unicode MS" panose="020B0604020202020204" pitchFamily="34" charset="-128"/>
+                <a:sym typeface="Iowan Old Style Roman"/>
+              </a:rPr>
+              <a:t>UNIQUE</a:t>
+            </a:r>
+            <a:r>
+              <a:rPr lang="en-US" sz="2600" dirty="0">
                 <a:solidFill>
                   <a:srgbClr val="FF0000"/>
                 </a:solidFill>
@@ -20023,22 +19161,10 @@
                 <a:cs typeface="Arial Unicode MS" panose="020B0604020202020204" pitchFamily="34" charset="-128"/>
                 <a:sym typeface="Iowan Old Style Roman"/>
               </a:rPr>
-              <a:t>UNIQUE</a:t>
-            </a:r>
-            <a:r>
-              <a:rPr lang="en-US" sz="2600" dirty="0" smtClean="0">
-                <a:solidFill>
-                  <a:srgbClr val="FF0000"/>
-                </a:solidFill>
-                <a:latin typeface="Arial Unicode MS" panose="020B0604020202020204" pitchFamily="34" charset="-128"/>
-                <a:ea typeface="Arial Unicode MS" panose="020B0604020202020204" pitchFamily="34" charset="-128"/>
-                <a:cs typeface="Arial Unicode MS" panose="020B0604020202020204" pitchFamily="34" charset="-128"/>
-                <a:sym typeface="Iowan Old Style Roman"/>
-              </a:rPr>
               <a:t> </a:t>
             </a:r>
             <a:r>
-              <a:rPr lang="en-US" sz="2600" dirty="0" smtClean="0">
+              <a:rPr lang="en-US" sz="2600" dirty="0">
                 <a:solidFill>
                   <a:schemeClr val="tx1"/>
                 </a:solidFill>
@@ -20050,7 +19176,7 @@
               <a:t>(</a:t>
             </a:r>
             <a:r>
-              <a:rPr lang="en-US" sz="2600" dirty="0" err="1" smtClean="0">
+              <a:rPr lang="en-US" sz="2600" dirty="0" err="1">
                 <a:solidFill>
                   <a:schemeClr val="tx1"/>
                 </a:solidFill>
@@ -20062,7 +19188,7 @@
               <a:t>customerid</a:t>
             </a:r>
             <a:r>
-              <a:rPr lang="en-US" sz="2600" dirty="0" smtClean="0">
+              <a:rPr lang="en-US" sz="2600" dirty="0">
                 <a:solidFill>
                   <a:schemeClr val="tx1"/>
                 </a:solidFill>
@@ -20097,22 +19223,10 @@
                 <a:cs typeface="Arial Unicode MS" panose="020B0604020202020204" pitchFamily="34" charset="-128"/>
                 <a:sym typeface="Iowan Old Style Roman"/>
               </a:rPr>
-              <a:t>FOREIGN KEY </a:t>
-            </a:r>
-            <a:r>
-              <a:rPr lang="en-US" sz="2600" dirty="0" smtClean="0">
-                <a:solidFill>
-                  <a:schemeClr val="tx1"/>
-                </a:solidFill>
-                <a:latin typeface="Arial Unicode MS" panose="020B0604020202020204" pitchFamily="34" charset="-128"/>
-                <a:ea typeface="Arial Unicode MS" panose="020B0604020202020204" pitchFamily="34" charset="-128"/>
-                <a:cs typeface="Arial Unicode MS" panose="020B0604020202020204" pitchFamily="34" charset="-128"/>
-                <a:sym typeface="Iowan Old Style Roman"/>
-              </a:rPr>
-              <a:t>(</a:t>
-            </a:r>
-            <a:r>
-              <a:rPr lang="en-US" sz="2600" dirty="0" err="1" smtClean="0">
+              <a:t>FOREIGN KEY (</a:t>
+            </a:r>
+            <a:r>
+              <a:rPr lang="en-US" sz="2600" dirty="0" err="1">
                 <a:solidFill>
                   <a:schemeClr val="tx1"/>
                 </a:solidFill>
@@ -20124,18 +19238,6 @@
               <a:t>customerid</a:t>
             </a:r>
             <a:r>
-              <a:rPr lang="en-US" sz="2600" dirty="0" smtClean="0">
-                <a:solidFill>
-                  <a:schemeClr val="tx1"/>
-                </a:solidFill>
-                <a:latin typeface="Arial Unicode MS" panose="020B0604020202020204" pitchFamily="34" charset="-128"/>
-                <a:ea typeface="Arial Unicode MS" panose="020B0604020202020204" pitchFamily="34" charset="-128"/>
-                <a:cs typeface="Arial Unicode MS" panose="020B0604020202020204" pitchFamily="34" charset="-128"/>
-                <a:sym typeface="Iowan Old Style Roman"/>
-              </a:rPr>
-              <a:t>) REFERENCES Customer(id</a:t>
-            </a:r>
-            <a:r>
               <a:rPr lang="en-US" sz="2600" dirty="0">
                 <a:solidFill>
                   <a:schemeClr val="tx1"/>
@@ -20145,22 +19247,10 @@
                 <a:cs typeface="Arial Unicode MS" panose="020B0604020202020204" pitchFamily="34" charset="-128"/>
                 <a:sym typeface="Iowan Old Style Roman"/>
               </a:rPr>
-              <a:t>)</a:t>
-            </a:r>
-            <a:r>
-              <a:rPr lang="en-US" sz="2600" dirty="0" smtClean="0">
-                <a:solidFill>
-                  <a:schemeClr val="tx1"/>
-                </a:solidFill>
-                <a:latin typeface="Arial Unicode MS" panose="020B0604020202020204" pitchFamily="34" charset="-128"/>
-                <a:ea typeface="Arial Unicode MS" panose="020B0604020202020204" pitchFamily="34" charset="-128"/>
-                <a:cs typeface="Arial Unicode MS" panose="020B0604020202020204" pitchFamily="34" charset="-128"/>
-                <a:sym typeface="Iowan Old Style Roman"/>
-              </a:rPr>
-              <a:t/>
+              <a:t>) REFERENCES Customer(id)</a:t>
             </a:r>
             <a:br>
-              <a:rPr lang="en-US" sz="2600" dirty="0" smtClean="0">
+              <a:rPr lang="en-US" sz="2600" dirty="0">
                 <a:solidFill>
                   <a:schemeClr val="tx1"/>
                 </a:solidFill>
@@ -20171,7 +19261,7 @@
               </a:rPr>
             </a:br>
             <a:r>
-              <a:rPr lang="en-US" sz="2600" dirty="0" smtClean="0">
+              <a:rPr lang="en-US" sz="2600" dirty="0">
                 <a:solidFill>
                   <a:schemeClr val="tx1"/>
                 </a:solidFill>
@@ -20182,7 +19272,7 @@
               </a:rPr>
               <a:t>);</a:t>
             </a:r>
-            <a:endParaRPr lang="en-US" sz="2600" dirty="0" smtClean="0">
+            <a:endParaRPr lang="en-US" sz="2600" dirty="0">
               <a:solidFill>
                 <a:schemeClr val="tx1"/>
               </a:solidFill>
@@ -20247,7 +19337,7 @@
           </a:ln>
           <a:extLst>
             <a:ext uri="{C572A759-6A51-4108-AA02-DFA0A04FC94B}">
-              <ma14:wrappingTextBoxFlag xmlns:ma14="http://schemas.microsoft.com/office/mac/drawingml/2011/main" xmlns="" val="1"/>
+              <ma14:wrappingTextBoxFlag xmlns="" xmlns:ma14="http://schemas.microsoft.com/office/mac/drawingml/2011/main" val="1"/>
             </a:ext>
           </a:extLst>
         </p:spPr>
@@ -20276,9 +19366,9 @@
               </a:defRPr>
             </a:pPr>
             <a:r>
-              <a:rPr lang="en-US" sz="3000" b="1" dirty="0" smtClean="0">
-                <a:solidFill>
-                  <a:schemeClr val="tx1"/>
+              <a:rPr lang="en-US" sz="3000" b="1" dirty="0">
+                <a:solidFill>
+                  <a:srgbClr val="57068C"/>
                 </a:solidFill>
                 <a:uFill>
                   <a:solidFill>
@@ -20292,9 +19382,9 @@
               <a:t>Facilitating the process i</a:t>
             </a:r>
             <a:r>
-              <a:rPr sz="3000" b="1" dirty="0" smtClean="0">
-                <a:solidFill>
-                  <a:schemeClr val="tx1"/>
+              <a:rPr sz="3000" b="1" dirty="0">
+                <a:solidFill>
+                  <a:srgbClr val="57068C"/>
                 </a:solidFill>
                 <a:uFill>
                   <a:solidFill>
@@ -20305,23 +19395,7 @@
                 <a:ea typeface="Arial Unicode MS" panose="020B0604020202020204" pitchFamily="34" charset="-128"/>
                 <a:cs typeface="Arial Unicode MS" panose="020B0604020202020204" pitchFamily="34" charset="-128"/>
               </a:rPr>
-              <a:t>n </a:t>
-            </a:r>
-            <a:r>
-              <a:rPr sz="3000" b="1" dirty="0">
-                <a:solidFill>
-                  <a:schemeClr val="tx1"/>
-                </a:solidFill>
-                <a:uFill>
-                  <a:solidFill>
-                    <a:srgbClr val="FFFFFF"/>
-                  </a:solidFill>
-                </a:uFill>
-                <a:latin typeface="Arial Unicode MS" panose="020B0604020202020204" pitchFamily="34" charset="-128"/>
-                <a:ea typeface="Arial Unicode MS" panose="020B0604020202020204" pitchFamily="34" charset="-128"/>
-                <a:cs typeface="Arial Unicode MS" panose="020B0604020202020204" pitchFamily="34" charset="-128"/>
-              </a:rPr>
-              <a:t>practice</a:t>
+              <a:t>n practice</a:t>
             </a:r>
           </a:p>
         </p:txBody>
@@ -20345,7 +19419,7 @@
           </a:ln>
           <a:extLst>
             <a:ext uri="{C572A759-6A51-4108-AA02-DFA0A04FC94B}">
-              <ma14:wrappingTextBoxFlag xmlns:ma14="http://schemas.microsoft.com/office/mac/drawingml/2011/main" xmlns="" val="1"/>
+              <ma14:wrappingTextBoxFlag xmlns="" xmlns:ma14="http://schemas.microsoft.com/office/mac/drawingml/2011/main" val="1"/>
             </a:ext>
           </a:extLst>
         </p:spPr>
@@ -20386,7 +19460,7 @@
               <a:t>MySQL Workbench </a:t>
             </a:r>
             <a:r>
-              <a:rPr lang="en-US" sz="2600" dirty="0" smtClean="0">
+              <a:rPr lang="en-US" sz="2600" dirty="0">
                 <a:solidFill>
                   <a:schemeClr val="tx1"/>
                 </a:solidFill>
@@ -20401,7 +19475,7 @@
               <a:t>many of these steps </a:t>
             </a:r>
             <a:r>
-              <a:rPr sz="2600" dirty="0" smtClean="0">
+              <a:rPr sz="2600" dirty="0">
                 <a:solidFill>
                   <a:schemeClr val="tx1"/>
                 </a:solidFill>
@@ -20413,22 +19487,7 @@
                 <a:cs typeface="Arial Unicode MS" panose="020B0604020202020204" pitchFamily="34" charset="-128"/>
                 <a:sym typeface="Iowan Old Style Roman"/>
               </a:rPr>
-              <a:t>for </a:t>
-            </a:r>
-            <a:r>
-              <a:rPr sz="2600" dirty="0">
-                <a:solidFill>
-                  <a:schemeClr val="tx1"/>
-                </a:solidFill>
-                <a:uFill>
-                  <a:solidFill/>
-                </a:uFill>
-                <a:latin typeface="Arial Unicode MS" panose="020B0604020202020204" pitchFamily="34" charset="-128"/>
-                <a:ea typeface="Arial Unicode MS" panose="020B0604020202020204" pitchFamily="34" charset="-128"/>
-                <a:cs typeface="Arial Unicode MS" panose="020B0604020202020204" pitchFamily="34" charset="-128"/>
-                <a:sym typeface="Iowan Old Style Roman"/>
-              </a:rPr>
-              <a:t>you:</a:t>
+              <a:t>for you:</a:t>
             </a:r>
           </a:p>
           <a:p>
@@ -20488,10 +19547,10 @@
                 <a:cs typeface="Arial Unicode MS" panose="020B0604020202020204" pitchFamily="34" charset="-128"/>
                 <a:sym typeface="Iowan Old Style Roman"/>
               </a:rPr>
-              <a:t>Go to Database -&gt; Forward </a:t>
-            </a:r>
-            <a:r>
-              <a:rPr sz="2600" dirty="0" smtClean="0">
+              <a:t>Go to Database -&gt; Forward E</a:t>
+            </a:r>
+            <a:r>
+              <a:rPr lang="en-US" sz="2600" dirty="0">
                 <a:solidFill>
                   <a:schemeClr val="tx1"/>
                 </a:solidFill>
@@ -20503,10 +19562,10 @@
                 <a:cs typeface="Arial Unicode MS" panose="020B0604020202020204" pitchFamily="34" charset="-128"/>
                 <a:sym typeface="Iowan Old Style Roman"/>
               </a:rPr>
-              <a:t>E</a:t>
-            </a:r>
-            <a:r>
-              <a:rPr lang="en-US" sz="2600" dirty="0" smtClean="0">
+              <a:t>n</a:t>
+            </a:r>
+            <a:r>
+              <a:rPr sz="2600" dirty="0">
                 <a:solidFill>
                   <a:schemeClr val="tx1"/>
                 </a:solidFill>
@@ -20518,37 +19577,7 @@
                 <a:cs typeface="Arial Unicode MS" panose="020B0604020202020204" pitchFamily="34" charset="-128"/>
                 <a:sym typeface="Iowan Old Style Roman"/>
               </a:rPr>
-              <a:t>n</a:t>
-            </a:r>
-            <a:r>
-              <a:rPr sz="2600" dirty="0" smtClean="0">
-                <a:solidFill>
-                  <a:schemeClr val="tx1"/>
-                </a:solidFill>
-                <a:uFill>
-                  <a:solidFill/>
-                </a:uFill>
-                <a:latin typeface="Arial Unicode MS" panose="020B0604020202020204" pitchFamily="34" charset="-128"/>
-                <a:ea typeface="Arial Unicode MS" panose="020B0604020202020204" pitchFamily="34" charset="-128"/>
-                <a:cs typeface="Arial Unicode MS" panose="020B0604020202020204" pitchFamily="34" charset="-128"/>
-                <a:sym typeface="Iowan Old Style Roman"/>
-              </a:rPr>
-              <a:t>gineer </a:t>
-            </a:r>
-            <a:r>
-              <a:rPr sz="2600" dirty="0">
-                <a:solidFill>
-                  <a:schemeClr val="tx1"/>
-                </a:solidFill>
-                <a:uFill>
-                  <a:solidFill/>
-                </a:uFill>
-                <a:latin typeface="Arial Unicode MS" panose="020B0604020202020204" pitchFamily="34" charset="-128"/>
-                <a:ea typeface="Arial Unicode MS" panose="020B0604020202020204" pitchFamily="34" charset="-128"/>
-                <a:cs typeface="Arial Unicode MS" panose="020B0604020202020204" pitchFamily="34" charset="-128"/>
-                <a:sym typeface="Iowan Old Style Roman"/>
-              </a:rPr>
-              <a:t>-&gt; Follow the instructions</a:t>
+              <a:t>gineer -&gt; Follow the instructions</a:t>
             </a:r>
           </a:p>
           <a:p>
@@ -20581,7 +19610,7 @@
               <a:t>Your database </a:t>
             </a:r>
             <a:r>
-              <a:rPr lang="en-US" sz="2600" dirty="0" smtClean="0">
+              <a:rPr lang="en-US" sz="2600" dirty="0">
                 <a:solidFill>
                   <a:schemeClr val="tx1"/>
                 </a:solidFill>
@@ -20596,7 +19625,7 @@
               <a:t>schema </a:t>
             </a:r>
             <a:r>
-              <a:rPr sz="2600" dirty="0" smtClean="0">
+              <a:rPr sz="2600" dirty="0">
                 <a:solidFill>
                   <a:schemeClr val="tx1"/>
                 </a:solidFill>
@@ -20611,7 +19640,7 @@
               <a:t>is </a:t>
             </a:r>
             <a:r>
-              <a:rPr lang="en-US" sz="2600" dirty="0" smtClean="0">
+              <a:rPr lang="en-US" sz="2600" dirty="0">
                 <a:solidFill>
                   <a:schemeClr val="tx1"/>
                 </a:solidFill>
@@ -20626,7 +19655,7 @@
               <a:t>(almost) </a:t>
             </a:r>
             <a:r>
-              <a:rPr sz="2600" dirty="0" smtClean="0">
+              <a:rPr sz="2600" dirty="0">
                 <a:solidFill>
                   <a:schemeClr val="tx1"/>
                 </a:solidFill>
@@ -20665,7 +19694,7 @@
               </a:defRPr>
             </a:pPr>
             <a:r>
-              <a:rPr lang="en-US" sz="2600" b="1" i="1" dirty="0" smtClean="0">
+              <a:rPr lang="en-US" sz="2600" b="1" i="1" dirty="0">
                 <a:solidFill>
                   <a:schemeClr val="tx1"/>
                 </a:solidFill>
@@ -20680,7 +19709,7 @@
               <a:t>Often</a:t>
             </a:r>
             <a:r>
-              <a:rPr lang="en-US" sz="2600" dirty="0" smtClean="0">
+              <a:rPr lang="en-US" sz="2600" dirty="0">
                 <a:solidFill>
                   <a:schemeClr val="tx1"/>
                 </a:solidFill>
@@ -20747,7 +19776,7 @@
           </a:ln>
           <a:extLst>
             <a:ext uri="{C572A759-6A51-4108-AA02-DFA0A04FC94B}">
-              <ma14:wrappingTextBoxFlag xmlns:ma14="http://schemas.microsoft.com/office/mac/drawingml/2011/main" xmlns="" val="1"/>
+              <ma14:wrappingTextBoxFlag xmlns="" xmlns:ma14="http://schemas.microsoft.com/office/mac/drawingml/2011/main" val="1"/>
             </a:ext>
           </a:extLst>
         </p:spPr>
@@ -20778,7 +19807,7 @@
             <a:r>
               <a:rPr sz="3000" b="1" dirty="0">
                 <a:solidFill>
-                  <a:schemeClr val="tx1"/>
+                  <a:srgbClr val="57068C"/>
                 </a:solidFill>
                 <a:uFill>
                   <a:solidFill>
@@ -20813,7 +19842,7 @@
           </a:ln>
           <a:extLst>
             <a:ext uri="{C572A759-6A51-4108-AA02-DFA0A04FC94B}">
-              <ma14:wrappingTextBoxFlag xmlns:ma14="http://schemas.microsoft.com/office/mac/drawingml/2011/main" xmlns="" val="1"/>
+              <ma14:wrappingTextBoxFlag xmlns="" xmlns:ma14="http://schemas.microsoft.com/office/mac/drawingml/2011/main" val="1"/>
             </a:ext>
           </a:extLst>
         </p:spPr>
@@ -21122,7 +20151,7 @@
           </a:ln>
           <a:extLst>
             <a:ext uri="{C572A759-6A51-4108-AA02-DFA0A04FC94B}">
-              <ma14:wrappingTextBoxFlag xmlns:ma14="http://schemas.microsoft.com/office/mac/drawingml/2011/main" xmlns="" val="1"/>
+              <ma14:wrappingTextBoxFlag xmlns="" xmlns:ma14="http://schemas.microsoft.com/office/mac/drawingml/2011/main" val="1"/>
             </a:ext>
           </a:extLst>
         </p:spPr>
@@ -21151,9 +20180,9 @@
               </a:defRPr>
             </a:pPr>
             <a:r>
-              <a:rPr lang="en-US" sz="3000" b="1" dirty="0" smtClean="0">
-                <a:solidFill>
-                  <a:schemeClr val="tx1"/>
+              <a:rPr lang="en-US" sz="3000" b="1" dirty="0">
+                <a:solidFill>
+                  <a:srgbClr val="57068C"/>
                 </a:solidFill>
                 <a:uFill>
                   <a:solidFill>
@@ -21167,9 +20196,9 @@
               <a:t>From </a:t>
             </a:r>
             <a:r>
-              <a:rPr sz="3000" b="1" dirty="0" smtClean="0">
-                <a:solidFill>
-                  <a:schemeClr val="tx1"/>
+              <a:rPr sz="3000" b="1" dirty="0">
+                <a:solidFill>
+                  <a:srgbClr val="57068C"/>
                 </a:solidFill>
                 <a:uFill>
                   <a:solidFill>
@@ -21183,9 +20212,9 @@
               <a:t>Narrative </a:t>
             </a:r>
             <a:r>
-              <a:rPr lang="en-US" sz="3000" b="1" dirty="0" smtClean="0">
-                <a:solidFill>
-                  <a:schemeClr val="tx1"/>
+              <a:rPr lang="en-US" sz="3000" b="1" dirty="0">
+                <a:solidFill>
+                  <a:srgbClr val="57068C"/>
                 </a:solidFill>
                 <a:uFill>
                   <a:solidFill>
@@ -21200,7 +20229,7 @@
             </a:r>
             <a:endParaRPr sz="3000" b="1" dirty="0">
               <a:solidFill>
-                <a:schemeClr val="tx1"/>
+                <a:srgbClr val="57068C"/>
               </a:solidFill>
               <a:uFill>
                 <a:solidFill>
@@ -21233,7 +20262,7 @@
           </a:ln>
           <a:extLst>
             <a:ext uri="{C572A759-6A51-4108-AA02-DFA0A04FC94B}">
-              <ma14:wrappingTextBoxFlag xmlns:ma14="http://schemas.microsoft.com/office/mac/drawingml/2011/main" xmlns="" val="1"/>
+              <ma14:wrappingTextBoxFlag xmlns="" xmlns:ma14="http://schemas.microsoft.com/office/mac/drawingml/2011/main" val="1"/>
             </a:ext>
           </a:extLst>
         </p:spPr>
@@ -21476,7 +20505,7 @@
           </a:ln>
           <a:extLst>
             <a:ext uri="{C572A759-6A51-4108-AA02-DFA0A04FC94B}">
-              <ma14:wrappingTextBoxFlag xmlns:ma14="http://schemas.microsoft.com/office/mac/drawingml/2011/main" xmlns="" val="1"/>
+              <ma14:wrappingTextBoxFlag xmlns="" xmlns:ma14="http://schemas.microsoft.com/office/mac/drawingml/2011/main" val="1"/>
             </a:ext>
           </a:extLst>
         </p:spPr>
@@ -21507,40 +20536,18 @@
             <a:r>
               <a:rPr lang="en-US" sz="3200" dirty="0">
                 <a:solidFill>
-                  <a:schemeClr val="tx1"/>
-                </a:solidFill>
-                <a:latin typeface="Arial Unicode MS" panose="020B0604020202020204" pitchFamily="34" charset="-128"/>
-                <a:ea typeface="Arial Unicode MS" panose="020B0604020202020204" pitchFamily="34" charset="-128"/>
-                <a:cs typeface="Arial Unicode MS" panose="020B0604020202020204" pitchFamily="34" charset="-128"/>
-              </a:rPr>
-              <a:t>In-class </a:t>
-            </a:r>
-            <a:r>
-              <a:rPr lang="en-US" sz="3200" dirty="0" smtClean="0">
-                <a:solidFill>
-                  <a:schemeClr val="tx1"/>
-                </a:solidFill>
-                <a:latin typeface="Arial Unicode MS" panose="020B0604020202020204" pitchFamily="34" charset="-128"/>
-                <a:ea typeface="Arial Unicode MS" panose="020B0604020202020204" pitchFamily="34" charset="-128"/>
-                <a:cs typeface="Arial Unicode MS" panose="020B0604020202020204" pitchFamily="34" charset="-128"/>
-              </a:rPr>
-              <a:t>exercise: (if we have time)</a:t>
-            </a:r>
-            <a:r>
-              <a:rPr lang="en-US" sz="3200" dirty="0">
-                <a:solidFill>
-                  <a:schemeClr val="tx1"/>
-                </a:solidFill>
-                <a:latin typeface="Arial Unicode MS" panose="020B0604020202020204" pitchFamily="34" charset="-128"/>
-                <a:ea typeface="Arial Unicode MS" panose="020B0604020202020204" pitchFamily="34" charset="-128"/>
-                <a:cs typeface="Arial Unicode MS" panose="020B0604020202020204" pitchFamily="34" charset="-128"/>
-              </a:rPr>
-              <a:t/>
+                  <a:srgbClr val="57068C"/>
+                </a:solidFill>
+                <a:latin typeface="Arial Unicode MS" panose="020B0604020202020204" pitchFamily="34" charset="-128"/>
+                <a:ea typeface="Arial Unicode MS" panose="020B0604020202020204" pitchFamily="34" charset="-128"/>
+                <a:cs typeface="Arial Unicode MS" panose="020B0604020202020204" pitchFamily="34" charset="-128"/>
+              </a:rPr>
+              <a:t>In-class exercise: (if we have time)</a:t>
             </a:r>
             <a:br>
               <a:rPr lang="en-US" sz="3200" dirty="0">
                 <a:solidFill>
-                  <a:schemeClr val="tx1"/>
+                  <a:srgbClr val="57068C"/>
                 </a:solidFill>
                 <a:latin typeface="Arial Unicode MS" panose="020B0604020202020204" pitchFamily="34" charset="-128"/>
                 <a:ea typeface="Arial Unicode MS" panose="020B0604020202020204" pitchFamily="34" charset="-128"/>
@@ -21550,7 +20557,7 @@
             <a:r>
               <a:rPr lang="en-US" sz="3200" dirty="0">
                 <a:solidFill>
-                  <a:schemeClr val="tx1"/>
+                  <a:srgbClr val="57068C"/>
                 </a:solidFill>
                 <a:latin typeface="Arial Unicode MS" panose="020B0604020202020204" pitchFamily="34" charset="-128"/>
                 <a:ea typeface="Arial Unicode MS" panose="020B0604020202020204" pitchFamily="34" charset="-128"/>
@@ -21580,7 +20587,7 @@
           </a:ln>
           <a:extLst>
             <a:ext uri="{C572A759-6A51-4108-AA02-DFA0A04FC94B}">
-              <ma14:wrappingTextBoxFlag xmlns:ma14="http://schemas.microsoft.com/office/mac/drawingml/2011/main" xmlns="" val="1"/>
+              <ma14:wrappingTextBoxFlag xmlns="" xmlns:ma14="http://schemas.microsoft.com/office/mac/drawingml/2011/main" val="1"/>
             </a:ext>
           </a:extLst>
         </p:spPr>
@@ -22053,13 +21060,13 @@
               <a:defRPr/>
             </a:pPr>
             <a:r>
-              <a:rPr lang="en-US" sz="2800" b="1" dirty="0" smtClean="0"/>
+              <a:rPr lang="en-US" sz="2800" b="1" dirty="0">
+                <a:solidFill>
+                  <a:srgbClr val="57068C"/>
+                </a:solidFill>
+              </a:rPr>
               <a:t>Defining Entity Classes and Primary Keys</a:t>
             </a:r>
-            <a:br>
-              <a:rPr lang="en-US" sz="2800" b="1" dirty="0" smtClean="0"/>
-            </a:br>
-            <a:endParaRPr lang="en-US" sz="2800" b="1" dirty="0" smtClean="0"/>
           </a:p>
         </p:txBody>
       </p:sp>
@@ -22085,34 +21092,34 @@
           <a:p>
             <a:pPr marL="609600" indent="-609600" eaLnBrk="1" hangingPunct="1"/>
             <a:r>
-              <a:rPr lang="en-US" sz="1800" smtClean="0"/>
+              <a:rPr lang="en-US" sz="1800"/>
               <a:t>What are the entity classes and primary keys for the report below?</a:t>
             </a:r>
           </a:p>
           <a:p>
             <a:pPr marL="609600" indent="-609600" eaLnBrk="1" hangingPunct="1"/>
             <a:r>
-              <a:rPr lang="en-US" sz="1800" smtClean="0"/>
+              <a:rPr lang="en-US" sz="1800"/>
               <a:t>What entities/tables should we create?</a:t>
             </a:r>
           </a:p>
           <a:p>
             <a:pPr marL="609600" indent="-609600" eaLnBrk="1" hangingPunct="1"/>
             <a:r>
-              <a:rPr lang="en-US" sz="1800" smtClean="0"/>
+              <a:rPr lang="en-US" sz="1800"/>
               <a:t>Are there fields that are redundant once you create the tables?</a:t>
             </a:r>
           </a:p>
           <a:p>
             <a:pPr marL="609600" indent="-609600" eaLnBrk="1" hangingPunct="1"/>
-            <a:endParaRPr lang="en-US" sz="1800" smtClean="0"/>
+            <a:endParaRPr lang="en-US" sz="1800"/>
           </a:p>
           <a:p>
             <a:pPr marL="609600" indent="-609600" eaLnBrk="1" hangingPunct="1">
               <a:buFontTx/>
               <a:buNone/>
             </a:pPr>
-            <a:endParaRPr lang="en-US" sz="1800" smtClean="0"/>
+            <a:endParaRPr lang="en-US" sz="1800"/>
           </a:p>
         </p:txBody>
       </p:sp>
@@ -22187,10 +21194,9 @@
           <a:p>
             <a:pPr algn="ctr"/>
             <a:r>
-              <a:rPr lang="en-US" dirty="0" smtClean="0"/>
+              <a:rPr lang="en-US" dirty="0"/>
               <a:t>More advanced example…</a:t>
             </a:r>
-            <a:endParaRPr lang="en-US" dirty="0"/>
           </a:p>
         </p:txBody>
       </p:sp>
@@ -22244,7 +21250,7 @@
           </a:ln>
           <a:extLst>
             <a:ext uri="{C572A759-6A51-4108-AA02-DFA0A04FC94B}">
-              <ma14:wrappingTextBoxFlag xmlns:ma14="http://schemas.microsoft.com/office/mac/drawingml/2011/main" xmlns="" val="1"/>
+              <ma14:wrappingTextBoxFlag xmlns="" xmlns:ma14="http://schemas.microsoft.com/office/mac/drawingml/2011/main" val="1"/>
             </a:ext>
           </a:extLst>
         </p:spPr>
@@ -22275,7 +21281,7 @@
             <a:r>
               <a:rPr sz="3000" b="1" dirty="0">
                 <a:solidFill>
-                  <a:schemeClr val="tx1"/>
+                  <a:srgbClr val="57068C"/>
                 </a:solidFill>
                 <a:uFill>
                   <a:solidFill>
@@ -22310,7 +21316,7 @@
           </a:ln>
           <a:extLst>
             <a:ext uri="{C572A759-6A51-4108-AA02-DFA0A04FC94B}">
-              <ma14:wrappingTextBoxFlag xmlns:ma14="http://schemas.microsoft.com/office/mac/drawingml/2011/main" xmlns="" val="1"/>
+              <ma14:wrappingTextBoxFlag xmlns="" xmlns:ma14="http://schemas.microsoft.com/office/mac/drawingml/2011/main" val="1"/>
             </a:ext>
           </a:extLst>
         </p:spPr>
@@ -22585,7 +21591,7 @@
           </a:ln>
           <a:extLst>
             <a:ext uri="{C572A759-6A51-4108-AA02-DFA0A04FC94B}">
-              <ma14:wrappingTextBoxFlag xmlns:ma14="http://schemas.microsoft.com/office/mac/drawingml/2011/main" xmlns="" val="1"/>
+              <ma14:wrappingTextBoxFlag xmlns="" xmlns:ma14="http://schemas.microsoft.com/office/mac/drawingml/2011/main" val="1"/>
             </a:ext>
           </a:extLst>
         </p:spPr>
@@ -22616,7 +21622,7 @@
             <a:r>
               <a:rPr sz="3000" b="1" dirty="0">
                 <a:solidFill>
-                  <a:schemeClr val="tx1"/>
+                  <a:srgbClr val="57068C"/>
                 </a:solidFill>
                 <a:uFill>
                   <a:solidFill>
@@ -22651,7 +21657,7 @@
           </a:ln>
           <a:extLst>
             <a:ext uri="{C572A759-6A51-4108-AA02-DFA0A04FC94B}">
-              <ma14:wrappingTextBoxFlag xmlns:ma14="http://schemas.microsoft.com/office/mac/drawingml/2011/main" xmlns="" val="1"/>
+              <ma14:wrappingTextBoxFlag xmlns="" xmlns:ma14="http://schemas.microsoft.com/office/mac/drawingml/2011/main" val="1"/>
             </a:ext>
           </a:extLst>
         </p:spPr>
@@ -22783,22 +21789,7 @@
                 <a:cs typeface="Arial Unicode MS" panose="020B0604020202020204" pitchFamily="34" charset="-128"/>
                 <a:sym typeface="Iowan Old Style Roman"/>
               </a:rPr>
-              <a:t>Simplicity principal: consider as an attribute unless other details are </a:t>
-            </a:r>
-            <a:r>
-              <a:rPr sz="1900" dirty="0" smtClean="0">
-                <a:solidFill>
-                  <a:schemeClr val="tx1"/>
-                </a:solidFill>
-                <a:uFill>
-                  <a:solidFill/>
-                </a:uFill>
-                <a:latin typeface="Arial Unicode MS" panose="020B0604020202020204" pitchFamily="34" charset="-128"/>
-                <a:ea typeface="Arial Unicode MS" panose="020B0604020202020204" pitchFamily="34" charset="-128"/>
-                <a:cs typeface="Arial Unicode MS" panose="020B0604020202020204" pitchFamily="34" charset="-128"/>
-                <a:sym typeface="Iowan Old Style Roman"/>
-              </a:rPr>
-              <a:t>presented.</a:t>
+              <a:t>Simplicity principal: consider as an attribute unless other details are presented.</a:t>
             </a:r>
           </a:p>
           <a:p>
@@ -22818,7 +21809,7 @@
               </a:defRPr>
             </a:pPr>
             <a:r>
-              <a:rPr lang="en-US" sz="1900" i="1" dirty="0" smtClean="0">
+              <a:rPr lang="en-US" sz="1900" i="1" dirty="0">
                 <a:solidFill>
                   <a:schemeClr val="tx1"/>
                 </a:solidFill>
@@ -22897,7 +21888,7 @@
           </a:ln>
           <a:extLst>
             <a:ext uri="{C572A759-6A51-4108-AA02-DFA0A04FC94B}">
-              <ma14:wrappingTextBoxFlag xmlns:ma14="http://schemas.microsoft.com/office/mac/drawingml/2011/main" xmlns="" val="1"/>
+              <ma14:wrappingTextBoxFlag xmlns="" xmlns:ma14="http://schemas.microsoft.com/office/mac/drawingml/2011/main" val="1"/>
             </a:ext>
           </a:extLst>
         </p:spPr>
@@ -22928,7 +21919,7 @@
             <a:r>
               <a:rPr sz="3000" b="1" dirty="0">
                 <a:solidFill>
-                  <a:schemeClr val="tx1"/>
+                  <a:srgbClr val="57068C"/>
                 </a:solidFill>
                 <a:uFill>
                   <a:solidFill>
@@ -22963,7 +21954,7 @@
           </a:ln>
           <a:extLst>
             <a:ext uri="{C572A759-6A51-4108-AA02-DFA0A04FC94B}">
-              <ma14:wrappingTextBoxFlag xmlns:ma14="http://schemas.microsoft.com/office/mac/drawingml/2011/main" xmlns="" val="1"/>
+              <ma14:wrappingTextBoxFlag xmlns="" xmlns:ma14="http://schemas.microsoft.com/office/mac/drawingml/2011/main" val="1"/>
             </a:ext>
           </a:extLst>
         </p:spPr>
@@ -23018,7 +22009,7 @@
                 <a:uFillTx/>
               </a:defRPr>
             </a:pPr>
-            <a:endParaRPr lang="en-US" sz="2600" dirty="0" smtClean="0">
+            <a:endParaRPr lang="en-US" sz="2600" dirty="0">
               <a:solidFill>
                 <a:schemeClr val="tx1"/>
               </a:solidFill>
@@ -23047,7 +22038,7 @@
               </a:defRPr>
             </a:pPr>
             <a:r>
-              <a:rPr lang="en-US" sz="2600" dirty="0" smtClean="0">
+              <a:rPr lang="en-US" sz="2600" dirty="0">
                 <a:solidFill>
                   <a:schemeClr val="tx1"/>
                 </a:solidFill>
@@ -23059,7 +22050,7 @@
               <a:t>Each entity should have one and only one (g</a:t>
             </a:r>
             <a:r>
-              <a:rPr sz="2600" dirty="0" smtClean="0">
+              <a:rPr sz="2600" dirty="0">
                 <a:solidFill>
                   <a:schemeClr val="tx1"/>
                 </a:solidFill>
@@ -23071,7 +22062,67 @@
                 <a:cs typeface="Arial Unicode MS" panose="020B0604020202020204" pitchFamily="34" charset="-128"/>
                 <a:sym typeface="Iowan Old Style Roman"/>
               </a:rPr>
-              <a:t>ood </a:t>
+              <a:t>ood choice: automatically generated values</a:t>
+            </a:r>
+            <a:r>
+              <a:rPr lang="en-US" sz="2600" dirty="0">
+                <a:solidFill>
+                  <a:schemeClr val="tx1"/>
+                </a:solidFill>
+                <a:uFill>
+                  <a:solidFill/>
+                </a:uFill>
+                <a:latin typeface="Arial Unicode MS" panose="020B0604020202020204" pitchFamily="34" charset="-128"/>
+                <a:ea typeface="Arial Unicode MS" panose="020B0604020202020204" pitchFamily="34" charset="-128"/>
+                <a:cs typeface="Arial Unicode MS" panose="020B0604020202020204" pitchFamily="34" charset="-128"/>
+                <a:sym typeface="Iowan Old Style Roman"/>
+              </a:rPr>
+              <a:t>, </a:t>
+            </a:r>
+            <a:r>
+              <a:rPr lang="en-US" sz="2600" dirty="0" err="1">
+                <a:solidFill>
+                  <a:schemeClr val="tx1"/>
+                </a:solidFill>
+                <a:uFill>
+                  <a:solidFill/>
+                </a:uFill>
+                <a:latin typeface="Arial Unicode MS" panose="020B0604020202020204" pitchFamily="34" charset="-128"/>
+                <a:ea typeface="Arial Unicode MS" panose="020B0604020202020204" pitchFamily="34" charset="-128"/>
+                <a:cs typeface="Arial Unicode MS" panose="020B0604020202020204" pitchFamily="34" charset="-128"/>
+                <a:sym typeface="Iowan Old Style Roman"/>
+              </a:rPr>
+              <a:t>eg</a:t>
+            </a:r>
+            <a:r>
+              <a:rPr lang="en-US" sz="2600" dirty="0">
+                <a:solidFill>
+                  <a:schemeClr val="tx1"/>
+                </a:solidFill>
+                <a:uFill>
+                  <a:solidFill/>
+                </a:uFill>
+                <a:latin typeface="Arial Unicode MS" panose="020B0604020202020204" pitchFamily="34" charset="-128"/>
+                <a:ea typeface="Arial Unicode MS" panose="020B0604020202020204" pitchFamily="34" charset="-128"/>
+                <a:cs typeface="Arial Unicode MS" panose="020B0604020202020204" pitchFamily="34" charset="-128"/>
+                <a:sym typeface="Iowan Old Style Roman"/>
+              </a:rPr>
+              <a:t> </a:t>
+            </a:r>
+            <a:r>
+              <a:rPr sz="2600" dirty="0" err="1">
+                <a:solidFill>
+                  <a:schemeClr val="tx1"/>
+                </a:solidFill>
+                <a:uFill>
+                  <a:solidFill/>
+                </a:uFill>
+                <a:latin typeface="Arial Unicode MS" panose="020B0604020202020204" pitchFamily="34" charset="-128"/>
+                <a:ea typeface="Arial Unicode MS" panose="020B0604020202020204" pitchFamily="34" charset="-128"/>
+                <a:cs typeface="Arial Unicode MS" panose="020B0604020202020204" pitchFamily="34" charset="-128"/>
+                <a:sym typeface="Iowan Old Style Roman"/>
+              </a:rPr>
+              <a:t>StudentId</a:t>
             </a:r>
             <a:r>
               <a:rPr sz="2600" dirty="0">
@@ -23086,10 +22137,10 @@
                 <a:cs typeface="Arial Unicode MS" panose="020B0604020202020204" pitchFamily="34" charset="-128"/>
                 <a:sym typeface="Iowan Old Style Roman"/>
               </a:rPr>
-              <a:t>choice: automatically generated </a:t>
-            </a:r>
-            <a:r>
-              <a:rPr sz="2600" dirty="0" smtClean="0">
+              <a:t>, </a:t>
+            </a:r>
+            <a:r>
+              <a:rPr sz="2600" dirty="0" err="1">
                 <a:solidFill>
                   <a:schemeClr val="tx1"/>
                 </a:solidFill>
@@ -23101,100 +22152,10 @@
                 <a:cs typeface="Arial Unicode MS" panose="020B0604020202020204" pitchFamily="34" charset="-128"/>
                 <a:sym typeface="Iowan Old Style Roman"/>
               </a:rPr>
-              <a:t>values</a:t>
-            </a:r>
-            <a:r>
-              <a:rPr lang="en-US" sz="2600" dirty="0" smtClean="0">
-                <a:solidFill>
-                  <a:schemeClr val="tx1"/>
-                </a:solidFill>
-                <a:uFill>
-                  <a:solidFill/>
-                </a:uFill>
-                <a:latin typeface="Arial Unicode MS" panose="020B0604020202020204" pitchFamily="34" charset="-128"/>
-                <a:ea typeface="Arial Unicode MS" panose="020B0604020202020204" pitchFamily="34" charset="-128"/>
-                <a:cs typeface="Arial Unicode MS" panose="020B0604020202020204" pitchFamily="34" charset="-128"/>
-                <a:sym typeface="Iowan Old Style Roman"/>
-              </a:rPr>
-              <a:t>, </a:t>
-            </a:r>
-            <a:r>
-              <a:rPr lang="en-US" sz="2600" dirty="0" err="1" smtClean="0">
-                <a:solidFill>
-                  <a:schemeClr val="tx1"/>
-                </a:solidFill>
-                <a:uFill>
-                  <a:solidFill/>
-                </a:uFill>
-                <a:latin typeface="Arial Unicode MS" panose="020B0604020202020204" pitchFamily="34" charset="-128"/>
-                <a:ea typeface="Arial Unicode MS" panose="020B0604020202020204" pitchFamily="34" charset="-128"/>
-                <a:cs typeface="Arial Unicode MS" panose="020B0604020202020204" pitchFamily="34" charset="-128"/>
-                <a:sym typeface="Iowan Old Style Roman"/>
-              </a:rPr>
-              <a:t>eg</a:t>
-            </a:r>
-            <a:r>
-              <a:rPr lang="en-US" sz="2600" dirty="0" smtClean="0">
-                <a:solidFill>
-                  <a:schemeClr val="tx1"/>
-                </a:solidFill>
-                <a:uFill>
-                  <a:solidFill/>
-                </a:uFill>
-                <a:latin typeface="Arial Unicode MS" panose="020B0604020202020204" pitchFamily="34" charset="-128"/>
-                <a:ea typeface="Arial Unicode MS" panose="020B0604020202020204" pitchFamily="34" charset="-128"/>
-                <a:cs typeface="Arial Unicode MS" panose="020B0604020202020204" pitchFamily="34" charset="-128"/>
-                <a:sym typeface="Iowan Old Style Roman"/>
-              </a:rPr>
-              <a:t> </a:t>
-            </a:r>
-            <a:r>
-              <a:rPr sz="2600" dirty="0" err="1" smtClean="0">
-                <a:solidFill>
-                  <a:schemeClr val="tx1"/>
-                </a:solidFill>
-                <a:uFill>
-                  <a:solidFill/>
-                </a:uFill>
-                <a:latin typeface="Arial Unicode MS" panose="020B0604020202020204" pitchFamily="34" charset="-128"/>
-                <a:ea typeface="Arial Unicode MS" panose="020B0604020202020204" pitchFamily="34" charset="-128"/>
-                <a:cs typeface="Arial Unicode MS" panose="020B0604020202020204" pitchFamily="34" charset="-128"/>
-                <a:sym typeface="Iowan Old Style Roman"/>
-              </a:rPr>
-              <a:t>StudentId</a:t>
-            </a:r>
-            <a:r>
-              <a:rPr sz="2600" dirty="0">
-                <a:solidFill>
-                  <a:schemeClr val="tx1"/>
-                </a:solidFill>
-                <a:uFill>
-                  <a:solidFill/>
-                </a:uFill>
-                <a:latin typeface="Arial Unicode MS" panose="020B0604020202020204" pitchFamily="34" charset="-128"/>
-                <a:ea typeface="Arial Unicode MS" panose="020B0604020202020204" pitchFamily="34" charset="-128"/>
-                <a:cs typeface="Arial Unicode MS" panose="020B0604020202020204" pitchFamily="34" charset="-128"/>
-                <a:sym typeface="Iowan Old Style Roman"/>
-              </a:rPr>
-              <a:t>, </a:t>
-            </a:r>
-            <a:r>
-              <a:rPr sz="2600" dirty="0" err="1" smtClean="0">
-                <a:solidFill>
-                  <a:schemeClr val="tx1"/>
-                </a:solidFill>
-                <a:uFill>
-                  <a:solidFill/>
-                </a:uFill>
-                <a:latin typeface="Arial Unicode MS" panose="020B0604020202020204" pitchFamily="34" charset="-128"/>
-                <a:ea typeface="Arial Unicode MS" panose="020B0604020202020204" pitchFamily="34" charset="-128"/>
-                <a:cs typeface="Arial Unicode MS" panose="020B0604020202020204" pitchFamily="34" charset="-128"/>
-                <a:sym typeface="Iowan Old Style Roman"/>
-              </a:rPr>
               <a:t>CourseId</a:t>
             </a:r>
             <a:r>
-              <a:rPr lang="en-US" sz="2600" dirty="0" smtClean="0">
+              <a:rPr lang="en-US" sz="2600" dirty="0">
                 <a:solidFill>
                   <a:schemeClr val="tx1"/>
                 </a:solidFill>
@@ -23250,7 +22211,7 @@
               </a:defRPr>
             </a:pPr>
             <a:r>
-              <a:rPr lang="en-US" sz="2600" dirty="0" smtClean="0">
+              <a:rPr lang="en-US" sz="2600" dirty="0">
                 <a:solidFill>
                   <a:schemeClr val="tx1"/>
                 </a:solidFill>
@@ -23337,7 +22298,7 @@
               </a:defRPr>
             </a:pPr>
             <a:r>
-              <a:rPr lang="en-US" sz="2600" i="1" dirty="0" err="1" smtClean="0">
+              <a:rPr lang="en-US" sz="2600" i="1" dirty="0" err="1">
                 <a:solidFill>
                   <a:schemeClr val="tx1"/>
                 </a:solidFill>
@@ -23348,7 +22309,7 @@
               </a:rPr>
               <a:t>PassportID</a:t>
             </a:r>
-            <a:endParaRPr lang="en-US" sz="2600" i="1" dirty="0" smtClean="0">
+            <a:endParaRPr lang="en-US" sz="2600" i="1" dirty="0">
               <a:solidFill>
                 <a:schemeClr val="tx1"/>
               </a:solidFill>
@@ -23374,7 +22335,7 @@
               </a:defRPr>
             </a:pPr>
             <a:r>
-              <a:rPr lang="en-US" sz="2600" i="1" dirty="0" smtClean="0">
+              <a:rPr lang="en-US" sz="2600" i="1" dirty="0">
                 <a:solidFill>
                   <a:schemeClr val="tx1"/>
                 </a:solidFill>
